--- a/Web Design &UI/1. HTML Basics/Presentations/Semantic-Web.pptx
+++ b/Web Design &UI/1. HTML Basics/Presentations/Semantic-Web.pptx
@@ -5,7 +5,7 @@
     <p:sldMasterId id="2147483660" r:id="rId1"/>
   </p:sldMasterIdLst>
   <p:notesMasterIdLst>
-    <p:notesMasterId r:id="rId25"/>
+    <p:notesMasterId r:id="rId36"/>
   </p:notesMasterIdLst>
   <p:sldIdLst>
     <p:sldId id="256" r:id="rId2"/>
@@ -24,13 +24,24 @@
     <p:sldId id="269" r:id="rId15"/>
     <p:sldId id="271" r:id="rId16"/>
     <p:sldId id="278" r:id="rId17"/>
-    <p:sldId id="279" r:id="rId18"/>
+    <p:sldId id="282" r:id="rId18"/>
     <p:sldId id="280" r:id="rId19"/>
-    <p:sldId id="272" r:id="rId20"/>
-    <p:sldId id="273" r:id="rId21"/>
-    <p:sldId id="275" r:id="rId22"/>
-    <p:sldId id="276" r:id="rId23"/>
-    <p:sldId id="277" r:id="rId24"/>
+    <p:sldId id="279" r:id="rId20"/>
+    <p:sldId id="283" r:id="rId21"/>
+    <p:sldId id="272" r:id="rId22"/>
+    <p:sldId id="273" r:id="rId23"/>
+    <p:sldId id="275" r:id="rId24"/>
+    <p:sldId id="284" r:id="rId25"/>
+    <p:sldId id="285" r:id="rId26"/>
+    <p:sldId id="286" r:id="rId27"/>
+    <p:sldId id="287" r:id="rId28"/>
+    <p:sldId id="288" r:id="rId29"/>
+    <p:sldId id="289" r:id="rId30"/>
+    <p:sldId id="290" r:id="rId31"/>
+    <p:sldId id="291" r:id="rId32"/>
+    <p:sldId id="292" r:id="rId33"/>
+    <p:sldId id="276" r:id="rId34"/>
+    <p:sldId id="281" r:id="rId35"/>
   </p:sldIdLst>
   <p:sldSz cx="9144000" cy="6858000" type="screen4x3"/>
   <p:notesSz cx="6858000" cy="9144000"/>
@@ -131,7 +142,7 @@
   </p:defaultTextStyle>
   <p:extLst>
     <p:ext uri="{EFAFB233-063F-42B5-8137-9DF3F51BA10A}">
-      <p15:sldGuideLst xmlns:p15="http://schemas.microsoft.com/office/powerpoint/2012/main" xmlns="">
+      <p15:sldGuideLst xmlns:p15="http://schemas.microsoft.com/office/powerpoint/2012/main">
         <p15:guide id="1" orient="horz" pos="2160">
           <p15:clr>
             <a:srgbClr val="A4A3A4"/>
@@ -230,7 +241,7 @@
           <a:p>
             <a:fld id="{B604EE6E-D9E8-45CB-BEB5-3A0BC75A6CC2}" type="datetimeFigureOut">
               <a:rPr lang="en-US" smtClean="0"/>
-              <a:t>3/19/2014</a:t>
+              <a:t>4/22/2015</a:t>
             </a:fld>
             <a:endParaRPr lang="en-US"/>
           </a:p>
@@ -542,7 +553,7 @@
           <a:bodyPr/>
           <a:lstStyle/>
           <a:p>
-            <a:endParaRPr lang="en-US" dirty="0"/>
+            <a:endParaRPr lang="en-US"/>
           </a:p>
         </p:txBody>
       </p:sp>
@@ -563,6 +574,90 @@
           <a:p>
             <a:fld id="{766C6318-2AB4-4351-BEBA-C5A31B85BDFE}" type="slidenum">
               <a:rPr lang="en-US" smtClean="0"/>
+              <a:t>7</a:t>
+            </a:fld>
+            <a:endParaRPr lang="en-US"/>
+          </a:p>
+        </p:txBody>
+      </p:sp>
+    </p:spTree>
+    <p:extLst>
+      <p:ext uri="{BB962C8B-B14F-4D97-AF65-F5344CB8AC3E}">
+        <p14:creationId xmlns:p14="http://schemas.microsoft.com/office/powerpoint/2010/main" val="3787929324"/>
+      </p:ext>
+    </p:extLst>
+  </p:cSld>
+  <p:clrMapOvr>
+    <a:masterClrMapping/>
+  </p:clrMapOvr>
+</p:notes>
+</file>
+
+<file path=ppt/notesSlides/notesSlide2.xml><?xml version="1.0" encoding="utf-8"?>
+<p:notes xmlns:a="http://schemas.openxmlformats.org/drawingml/2006/main" xmlns:r="http://schemas.openxmlformats.org/officeDocument/2006/relationships" xmlns:p="http://schemas.openxmlformats.org/presentationml/2006/main">
+  <p:cSld>
+    <p:spTree>
+      <p:nvGrpSpPr>
+        <p:cNvPr id="1" name=""/>
+        <p:cNvGrpSpPr/>
+        <p:nvPr/>
+      </p:nvGrpSpPr>
+      <p:grpSpPr>
+        <a:xfrm>
+          <a:off x="0" y="0"/>
+          <a:ext cx="0" cy="0"/>
+          <a:chOff x="0" y="0"/>
+          <a:chExt cx="0" cy="0"/>
+        </a:xfrm>
+      </p:grpSpPr>
+      <p:sp>
+        <p:nvSpPr>
+          <p:cNvPr id="2" name="Slide Image Placeholder 1"/>
+          <p:cNvSpPr>
+            <a:spLocks noGrp="1" noRot="1" noChangeAspect="1"/>
+          </p:cNvSpPr>
+          <p:nvPr>
+            <p:ph type="sldImg"/>
+          </p:nvPr>
+        </p:nvSpPr>
+        <p:spPr/>
+      </p:sp>
+      <p:sp>
+        <p:nvSpPr>
+          <p:cNvPr id="3" name="Notes Placeholder 2"/>
+          <p:cNvSpPr>
+            <a:spLocks noGrp="1"/>
+          </p:cNvSpPr>
+          <p:nvPr>
+            <p:ph type="body" idx="1"/>
+          </p:nvPr>
+        </p:nvSpPr>
+        <p:spPr/>
+        <p:txBody>
+          <a:bodyPr/>
+          <a:lstStyle/>
+          <a:p>
+            <a:endParaRPr lang="en-US" dirty="0"/>
+          </a:p>
+        </p:txBody>
+      </p:sp>
+      <p:sp>
+        <p:nvSpPr>
+          <p:cNvPr id="4" name="Slide Number Placeholder 3"/>
+          <p:cNvSpPr>
+            <a:spLocks noGrp="1"/>
+          </p:cNvSpPr>
+          <p:nvPr>
+            <p:ph type="sldNum" sz="quarter" idx="10"/>
+          </p:nvPr>
+        </p:nvSpPr>
+        <p:spPr/>
+        <p:txBody>
+          <a:bodyPr/>
+          <a:lstStyle/>
+          <a:p>
+            <a:fld id="{766C6318-2AB4-4351-BEBA-C5A31B85BDFE}" type="slidenum">
+              <a:rPr lang="en-US" smtClean="0"/>
               <a:t>15</a:t>
             </a:fld>
             <a:endParaRPr lang="en-US"/>
@@ -573,6 +668,175 @@
     <p:extLst>
       <p:ext uri="{BB962C8B-B14F-4D97-AF65-F5344CB8AC3E}">
         <p14:creationId xmlns:p14="http://schemas.microsoft.com/office/powerpoint/2010/main" val="3020530726"/>
+      </p:ext>
+    </p:extLst>
+  </p:cSld>
+  <p:clrMapOvr>
+    <a:masterClrMapping/>
+  </p:clrMapOvr>
+</p:notes>
+</file>
+
+<file path=ppt/notesSlides/notesSlide3.xml><?xml version="1.0" encoding="utf-8"?>
+<p:notes xmlns:a="http://schemas.openxmlformats.org/drawingml/2006/main" xmlns:r="http://schemas.openxmlformats.org/officeDocument/2006/relationships" xmlns:p="http://schemas.openxmlformats.org/presentationml/2006/main">
+  <p:cSld>
+    <p:spTree>
+      <p:nvGrpSpPr>
+        <p:cNvPr id="1" name=""/>
+        <p:cNvGrpSpPr/>
+        <p:nvPr/>
+      </p:nvGrpSpPr>
+      <p:grpSpPr>
+        <a:xfrm>
+          <a:off x="0" y="0"/>
+          <a:ext cx="0" cy="0"/>
+          <a:chOff x="0" y="0"/>
+          <a:chExt cx="0" cy="0"/>
+        </a:xfrm>
+      </p:grpSpPr>
+      <p:sp>
+        <p:nvSpPr>
+          <p:cNvPr id="2" name="Slide Image Placeholder 1"/>
+          <p:cNvSpPr>
+            <a:spLocks noGrp="1" noRot="1" noChangeAspect="1"/>
+          </p:cNvSpPr>
+          <p:nvPr>
+            <p:ph type="sldImg"/>
+          </p:nvPr>
+        </p:nvSpPr>
+        <p:spPr/>
+      </p:sp>
+      <p:sp>
+        <p:nvSpPr>
+          <p:cNvPr id="3" name="Notes Placeholder 2"/>
+          <p:cNvSpPr>
+            <a:spLocks noGrp="1"/>
+          </p:cNvSpPr>
+          <p:nvPr>
+            <p:ph type="body" idx="1"/>
+          </p:nvPr>
+        </p:nvSpPr>
+        <p:spPr/>
+        <p:txBody>
+          <a:bodyPr/>
+          <a:lstStyle/>
+          <a:p>
+            <a:endParaRPr lang="en-US"/>
+          </a:p>
+        </p:txBody>
+      </p:sp>
+      <p:sp>
+        <p:nvSpPr>
+          <p:cNvPr id="4" name="Slide Number Placeholder 3"/>
+          <p:cNvSpPr>
+            <a:spLocks noGrp="1"/>
+          </p:cNvSpPr>
+          <p:nvPr>
+            <p:ph type="sldNum" sz="quarter" idx="10"/>
+          </p:nvPr>
+        </p:nvSpPr>
+        <p:spPr/>
+        <p:txBody>
+          <a:bodyPr/>
+          <a:lstStyle/>
+          <a:p>
+            <a:fld id="{766C6318-2AB4-4351-BEBA-C5A31B85BDFE}" type="slidenum">
+              <a:rPr lang="en-US" smtClean="0"/>
+              <a:t>31</a:t>
+            </a:fld>
+            <a:endParaRPr lang="en-US"/>
+          </a:p>
+        </p:txBody>
+      </p:sp>
+    </p:spTree>
+    <p:extLst>
+      <p:ext uri="{BB962C8B-B14F-4D97-AF65-F5344CB8AC3E}">
+        <p14:creationId xmlns:p14="http://schemas.microsoft.com/office/powerpoint/2010/main" val="3473346106"/>
+      </p:ext>
+    </p:extLst>
+  </p:cSld>
+  <p:clrMapOvr>
+    <a:masterClrMapping/>
+  </p:clrMapOvr>
+</p:notes>
+</file>
+
+<file path=ppt/notesSlides/notesSlide4.xml><?xml version="1.0" encoding="utf-8"?>
+<p:notes xmlns:a="http://schemas.openxmlformats.org/drawingml/2006/main" xmlns:r="http://schemas.openxmlformats.org/officeDocument/2006/relationships" xmlns:p="http://schemas.openxmlformats.org/presentationml/2006/main">
+  <p:cSld>
+    <p:spTree>
+      <p:nvGrpSpPr>
+        <p:cNvPr id="1" name=""/>
+        <p:cNvGrpSpPr/>
+        <p:nvPr/>
+      </p:nvGrpSpPr>
+      <p:grpSpPr>
+        <a:xfrm>
+          <a:off x="0" y="0"/>
+          <a:ext cx="0" cy="0"/>
+          <a:chOff x="0" y="0"/>
+          <a:chExt cx="0" cy="0"/>
+        </a:xfrm>
+      </p:grpSpPr>
+      <p:sp>
+        <p:nvSpPr>
+          <p:cNvPr id="2" name="Slide Image Placeholder 1"/>
+          <p:cNvSpPr>
+            <a:spLocks noGrp="1" noRot="1" noChangeAspect="1"/>
+          </p:cNvSpPr>
+          <p:nvPr>
+            <p:ph type="sldImg"/>
+          </p:nvPr>
+        </p:nvSpPr>
+        <p:spPr/>
+      </p:sp>
+      <p:sp>
+        <p:nvSpPr>
+          <p:cNvPr id="3" name="Notes Placeholder 2"/>
+          <p:cNvSpPr>
+            <a:spLocks noGrp="1"/>
+          </p:cNvSpPr>
+          <p:nvPr>
+            <p:ph type="body" idx="1"/>
+          </p:nvPr>
+        </p:nvSpPr>
+        <p:spPr/>
+        <p:txBody>
+          <a:bodyPr/>
+          <a:lstStyle/>
+          <a:p>
+            <a:endParaRPr lang="en-US"/>
+          </a:p>
+        </p:txBody>
+      </p:sp>
+      <p:sp>
+        <p:nvSpPr>
+          <p:cNvPr id="4" name="Slide Number Placeholder 3"/>
+          <p:cNvSpPr>
+            <a:spLocks noGrp="1"/>
+          </p:cNvSpPr>
+          <p:nvPr>
+            <p:ph type="sldNum" sz="quarter" idx="10"/>
+          </p:nvPr>
+        </p:nvSpPr>
+        <p:spPr/>
+        <p:txBody>
+          <a:bodyPr/>
+          <a:lstStyle/>
+          <a:p>
+            <a:fld id="{6FB4F6EA-423E-42DF-9292-215E7D886C4E}" type="slidenum">
+              <a:rPr lang="en-US" smtClean="0"/>
+              <a:pPr/>
+              <a:t>34</a:t>
+            </a:fld>
+            <a:endParaRPr lang="en-US" dirty="0"/>
+          </a:p>
+        </p:txBody>
+      </p:sp>
+    </p:spTree>
+    <p:extLst>
+      <p:ext uri="{BB962C8B-B14F-4D97-AF65-F5344CB8AC3E}">
+        <p14:creationId xmlns:p14="http://schemas.microsoft.com/office/powerpoint/2010/main" val="92621791"/>
       </p:ext>
     </p:extLst>
   </p:cSld>
@@ -4997,6 +5261,7 @@
       </p:par>
     </p:tnLst>
   </p:timing>
+  <p:hf hdr="0" ftr="0" dt="0"/>
   <p:txStyles>
     <p:titleStyle>
       <a:lvl1pPr algn="r" rtl="0" eaLnBrk="1" fontAlgn="base" hangingPunct="1">
@@ -5709,70 +5974,817 @@
           </a:extLst>
         </p:spPr>
       </p:pic>
-      <p:pic>
-        <p:nvPicPr>
-          <p:cNvPr id="15" name="Picture 2"/>
-          <p:cNvPicPr>
-            <a:picLocks noChangeAspect="1" noChangeArrowheads="1"/>
-          </p:cNvPicPr>
+      <p:sp>
+        <p:nvSpPr>
+          <p:cNvPr id="8" name="Text Placeholder 6"/>
+          <p:cNvSpPr>
+            <a:spLocks noGrp="1"/>
+          </p:cNvSpPr>
           <p:nvPr/>
-        </p:nvPicPr>
-        <p:blipFill>
-          <a:blip r:embed="rId5">
-            <a:extLst>
-              <a:ext uri="{28A0092B-C50C-407E-A947-70E740481C1C}">
-                <a14:useLocalDpi xmlns:a14="http://schemas.microsoft.com/office/drawing/2010/main" val="0"/>
-              </a:ext>
-            </a:extLst>
-          </a:blip>
-          <a:srcRect/>
-          <a:stretch>
-            <a:fillRect/>
-          </a:stretch>
-        </p:blipFill>
-        <p:spPr bwMode="auto">
+        </p:nvSpPr>
+        <p:spPr>
           <a:xfrm>
-            <a:off x="131825" y="5410200"/>
-            <a:ext cx="4090987" cy="1225550"/>
+            <a:off x="429086" y="5726668"/>
+            <a:ext cx="3990513" cy="400110"/>
           </a:xfrm>
           <a:prstGeom prst="rect">
             <a:avLst/>
           </a:prstGeom>
           <a:noFill/>
-          <a:ln>
-            <a:noFill/>
-          </a:ln>
-          <a:effectLst/>
-          <a:extLst>
-            <a:ext uri="{909E8E84-426E-40DD-AFC4-6F175D3DCCD1}">
-              <a14:hiddenFill xmlns:a14="http://schemas.microsoft.com/office/drawing/2010/main">
-                <a:solidFill>
-                  <a:schemeClr val="accent1"/>
-                </a:solidFill>
-              </a14:hiddenFill>
-            </a:ext>
-            <a:ext uri="{91240B29-F687-4F45-9708-019B960494DF}">
-              <a14:hiddenLine xmlns:a14="http://schemas.microsoft.com/office/drawing/2010/main" w="9525">
-                <a:solidFill>
-                  <a:schemeClr val="tx1"/>
-                </a:solidFill>
-                <a:miter lim="800000"/>
-                <a:headEnd/>
-                <a:tailEnd/>
-              </a14:hiddenLine>
-            </a:ext>
-            <a:ext uri="{AF507438-7753-43E0-B8FC-AC1667EBCBE1}">
-              <a14:hiddenEffects xmlns:a14="http://schemas.microsoft.com/office/drawing/2010/main">
+        </p:spPr>
+        <p:txBody>
+          <a:bodyPr wrap="square" rtlCol="0">
+            <a:spAutoFit/>
+          </a:bodyPr>
+          <a:lstStyle>
+            <a:lvl1pPr marL="319088" indent="-319088" algn="l" rtl="0" eaLnBrk="0" fontAlgn="base" hangingPunct="0">
+              <a:spcBef>
+                <a:spcPct val="20000"/>
+              </a:spcBef>
+              <a:spcAft>
+                <a:spcPct val="0"/>
+              </a:spcAft>
+              <a:buClr>
+                <a:schemeClr val="accent5">
+                  <a:lumMod val="40000"/>
+                  <a:lumOff val="60000"/>
+                </a:schemeClr>
+              </a:buClr>
+              <a:buSzPct val="70000"/>
+              <a:buFont typeface="Wingdings 2" pitchFamily="18" charset="2"/>
+              <a:buNone/>
+              <a:defRPr lang="en-US" sz="2000" b="1" kern="1200" dirty="0">
+                <a:solidFill>
+                  <a:schemeClr val="tx2">
+                    <a:lumMod val="20000"/>
+                    <a:lumOff val="80000"/>
+                  </a:schemeClr>
+                </a:solidFill>
                 <a:effectLst>
-                  <a:outerShdw dist="35921" dir="2700000" algn="ctr" rotWithShape="0">
-                    <a:schemeClr val="bg2"/>
+                  <a:outerShdw blurRad="38100" dist="38100" dir="2700000" algn="tl">
+                    <a:srgbClr val="000000">
+                      <a:alpha val="43137"/>
+                    </a:srgbClr>
                   </a:outerShdw>
                 </a:effectLst>
-              </a14:hiddenEffects>
-            </a:ext>
-          </a:extLst>
+                <a:latin typeface="Corbel" pitchFamily="34" charset="0"/>
+                <a:ea typeface="+mn-ea"/>
+                <a:cs typeface="+mn-cs"/>
+              </a:defRPr>
+            </a:lvl1pPr>
+            <a:lvl2pPr marL="630238" indent="-273050" algn="l" rtl="0" eaLnBrk="0" fontAlgn="base" hangingPunct="0">
+              <a:spcBef>
+                <a:spcPct val="20000"/>
+              </a:spcBef>
+              <a:spcAft>
+                <a:spcPct val="0"/>
+              </a:spcAft>
+              <a:buClr>
+                <a:schemeClr val="accent2">
+                  <a:lumMod val="60000"/>
+                  <a:lumOff val="40000"/>
+                </a:schemeClr>
+              </a:buClr>
+              <a:buFont typeface="Wingdings 2" pitchFamily="18" charset="2"/>
+              <a:buChar char=""/>
+              <a:defRPr sz="3000" b="1" kern="1200">
+                <a:solidFill>
+                  <a:schemeClr val="tx1">
+                    <a:lumMod val="20000"/>
+                    <a:lumOff val="80000"/>
+                  </a:schemeClr>
+                </a:solidFill>
+                <a:effectLst>
+                  <a:outerShdw blurRad="38100" dist="38100" dir="2700000" algn="tl">
+                    <a:srgbClr val="000000">
+                      <a:alpha val="43137"/>
+                    </a:srgbClr>
+                  </a:outerShdw>
+                </a:effectLst>
+                <a:latin typeface="+mn-lt"/>
+                <a:ea typeface="+mn-ea"/>
+                <a:cs typeface="+mn-cs"/>
+              </a:defRPr>
+            </a:lvl2pPr>
+            <a:lvl3pPr marL="922338" indent="-273050" algn="l" rtl="0" eaLnBrk="0" fontAlgn="base" hangingPunct="0">
+              <a:spcBef>
+                <a:spcPct val="20000"/>
+              </a:spcBef>
+              <a:spcAft>
+                <a:spcPct val="0"/>
+              </a:spcAft>
+              <a:buClr>
+                <a:schemeClr val="tx1">
+                  <a:lumMod val="50000"/>
+                </a:schemeClr>
+              </a:buClr>
+              <a:buFont typeface="Wingdings 2" pitchFamily="18" charset="2"/>
+              <a:buChar char=""/>
+              <a:defRPr sz="2800" b="1" kern="1200">
+                <a:solidFill>
+                  <a:schemeClr val="tx1">
+                    <a:lumMod val="20000"/>
+                    <a:lumOff val="80000"/>
+                  </a:schemeClr>
+                </a:solidFill>
+                <a:effectLst>
+                  <a:outerShdw blurRad="38100" dist="38100" dir="2700000" algn="tl">
+                    <a:srgbClr val="000000">
+                      <a:alpha val="43137"/>
+                    </a:srgbClr>
+                  </a:outerShdw>
+                </a:effectLst>
+                <a:latin typeface="+mn-lt"/>
+                <a:ea typeface="+mn-ea"/>
+                <a:cs typeface="+mn-cs"/>
+              </a:defRPr>
+            </a:lvl3pPr>
+            <a:lvl4pPr marL="1187450" indent="-228600" algn="l" rtl="0" eaLnBrk="0" fontAlgn="base" hangingPunct="0">
+              <a:spcBef>
+                <a:spcPct val="20000"/>
+              </a:spcBef>
+              <a:spcAft>
+                <a:spcPct val="0"/>
+              </a:spcAft>
+              <a:buClr>
+                <a:srgbClr val="F8BD52"/>
+              </a:buClr>
+              <a:buFont typeface="Wingdings 2" pitchFamily="18" charset="2"/>
+              <a:buChar char=""/>
+              <a:defRPr sz="2600" b="1" kern="1200">
+                <a:solidFill>
+                  <a:schemeClr val="tx1">
+                    <a:lumMod val="20000"/>
+                    <a:lumOff val="80000"/>
+                  </a:schemeClr>
+                </a:solidFill>
+                <a:effectLst>
+                  <a:outerShdw blurRad="38100" dist="38100" dir="2700000" algn="tl">
+                    <a:srgbClr val="000000">
+                      <a:alpha val="43137"/>
+                    </a:srgbClr>
+                  </a:outerShdw>
+                </a:effectLst>
+                <a:latin typeface="+mn-lt"/>
+                <a:ea typeface="+mn-ea"/>
+                <a:cs typeface="+mn-cs"/>
+              </a:defRPr>
+            </a:lvl4pPr>
+            <a:lvl5pPr marL="1425575" indent="-228600" algn="l" rtl="0" eaLnBrk="0" fontAlgn="base" hangingPunct="0">
+              <a:spcBef>
+                <a:spcPct val="20000"/>
+              </a:spcBef>
+              <a:spcAft>
+                <a:spcPct val="0"/>
+              </a:spcAft>
+              <a:buClr>
+                <a:srgbClr val="46A6BD"/>
+              </a:buClr>
+              <a:buFont typeface="Wingdings 2" pitchFamily="18" charset="2"/>
+              <a:buChar char=""/>
+              <a:defRPr sz="2400" b="1" kern="1200">
+                <a:solidFill>
+                  <a:schemeClr val="tx1">
+                    <a:lumMod val="20000"/>
+                    <a:lumOff val="80000"/>
+                  </a:schemeClr>
+                </a:solidFill>
+                <a:effectLst>
+                  <a:outerShdw blurRad="38100" dist="38100" dir="2700000" algn="tl">
+                    <a:srgbClr val="000000">
+                      <a:alpha val="43137"/>
+                    </a:srgbClr>
+                  </a:outerShdw>
+                </a:effectLst>
+                <a:latin typeface="+mn-lt"/>
+                <a:ea typeface="+mn-ea"/>
+                <a:cs typeface="+mn-cs"/>
+              </a:defRPr>
+            </a:lvl5pPr>
+            <a:lvl6pPr marL="1673352" indent="-228600" algn="l" rtl="0" eaLnBrk="1" latinLnBrk="0" hangingPunct="1">
+              <a:spcBef>
+                <a:spcPct val="20000"/>
+              </a:spcBef>
+              <a:buClr>
+                <a:schemeClr val="accent6"/>
+              </a:buClr>
+              <a:buFont typeface="Wingdings 2"/>
+              <a:buChar char=""/>
+              <a:defRPr sz="1800" kern="1200">
+                <a:solidFill>
+                  <a:schemeClr val="tx1"/>
+                </a:solidFill>
+                <a:latin typeface="+mn-lt"/>
+                <a:ea typeface="+mn-ea"/>
+                <a:cs typeface="+mn-cs"/>
+              </a:defRPr>
+            </a:lvl6pPr>
+            <a:lvl7pPr marL="1911096" indent="-228600" algn="l" rtl="0" eaLnBrk="1" latinLnBrk="0" hangingPunct="1">
+              <a:spcBef>
+                <a:spcPct val="20000"/>
+              </a:spcBef>
+              <a:buClr>
+                <a:schemeClr val="tx2"/>
+              </a:buClr>
+              <a:buFont typeface="Wingdings 2"/>
+              <a:buChar char=""/>
+              <a:defRPr sz="1600" kern="1200">
+                <a:solidFill>
+                  <a:schemeClr val="tx1"/>
+                </a:solidFill>
+                <a:latin typeface="+mn-lt"/>
+                <a:ea typeface="+mn-ea"/>
+                <a:cs typeface="+mn-cs"/>
+              </a:defRPr>
+            </a:lvl7pPr>
+            <a:lvl8pPr marL="2121408" indent="-182880" algn="l" rtl="0" eaLnBrk="1" latinLnBrk="0" hangingPunct="1">
+              <a:spcBef>
+                <a:spcPct val="20000"/>
+              </a:spcBef>
+              <a:buClr>
+                <a:schemeClr val="tx2"/>
+              </a:buClr>
+              <a:buFont typeface="Wingdings 2"/>
+              <a:buChar char=""/>
+              <a:defRPr sz="1400" kern="1200">
+                <a:solidFill>
+                  <a:schemeClr val="tx1"/>
+                </a:solidFill>
+                <a:latin typeface="+mn-lt"/>
+                <a:ea typeface="+mn-ea"/>
+                <a:cs typeface="+mn-cs"/>
+              </a:defRPr>
+            </a:lvl8pPr>
+            <a:lvl9pPr marL="2322576" indent="-182880" algn="l" rtl="0" eaLnBrk="1" latinLnBrk="0" hangingPunct="1">
+              <a:spcBef>
+                <a:spcPct val="20000"/>
+              </a:spcBef>
+              <a:buClr>
+                <a:schemeClr val="tx2"/>
+              </a:buClr>
+              <a:buFont typeface="Wingdings 2"/>
+              <a:buChar char=""/>
+              <a:defRPr sz="1400" kern="1200">
+                <a:solidFill>
+                  <a:schemeClr val="tx1"/>
+                </a:solidFill>
+                <a:latin typeface="+mn-lt"/>
+                <a:ea typeface="+mn-ea"/>
+                <a:cs typeface="+mn-cs"/>
+              </a:defRPr>
+            </a:lvl9pPr>
+          </a:lstStyle>
+          <a:p>
+            <a:r>
+              <a:rPr lang="en-US" dirty="0"/>
+              <a:t>Telerik Software Academy</a:t>
+            </a:r>
+          </a:p>
+        </p:txBody>
+      </p:sp>
+      <p:sp>
+        <p:nvSpPr>
+          <p:cNvPr id="9" name="Text Placeholder 7"/>
+          <p:cNvSpPr>
+            <a:spLocks noGrp="1"/>
+          </p:cNvSpPr>
+          <p:nvPr/>
+        </p:nvSpPr>
+        <p:spPr>
+          <a:xfrm>
+            <a:off x="429087" y="6031468"/>
+            <a:ext cx="3990513" cy="369332"/>
+          </a:xfrm>
+          <a:prstGeom prst="rect">
+            <a:avLst/>
+          </a:prstGeom>
+          <a:noFill/>
         </p:spPr>
-      </p:pic>
+        <p:txBody>
+          <a:bodyPr wrap="square" rtlCol="0">
+            <a:spAutoFit/>
+          </a:bodyPr>
+          <a:lstStyle>
+            <a:lvl1pPr marL="319088" indent="-319088" algn="l" rtl="0" eaLnBrk="0" fontAlgn="base" hangingPunct="0">
+              <a:spcBef>
+                <a:spcPct val="20000"/>
+              </a:spcBef>
+              <a:spcAft>
+                <a:spcPct val="0"/>
+              </a:spcAft>
+              <a:buClr>
+                <a:schemeClr val="accent5">
+                  <a:lumMod val="40000"/>
+                  <a:lumOff val="60000"/>
+                </a:schemeClr>
+              </a:buClr>
+              <a:buSzPct val="70000"/>
+              <a:buFont typeface="Wingdings 2" pitchFamily="18" charset="2"/>
+              <a:buNone/>
+              <a:defRPr lang="en-US" sz="1800" b="1" kern="1200" dirty="0">
+                <a:solidFill>
+                  <a:schemeClr val="tx2">
+                    <a:lumMod val="20000"/>
+                    <a:lumOff val="80000"/>
+                  </a:schemeClr>
+                </a:solidFill>
+                <a:effectLst>
+                  <a:outerShdw blurRad="38100" dist="38100" dir="2700000" algn="tl">
+                    <a:srgbClr val="000000">
+                      <a:alpha val="43137"/>
+                    </a:srgbClr>
+                  </a:outerShdw>
+                </a:effectLst>
+                <a:latin typeface="Corbel" pitchFamily="34" charset="0"/>
+                <a:ea typeface="+mn-ea"/>
+                <a:cs typeface="+mn-cs"/>
+              </a:defRPr>
+            </a:lvl1pPr>
+            <a:lvl2pPr marL="630238" indent="-273050" algn="l" rtl="0" eaLnBrk="0" fontAlgn="base" hangingPunct="0">
+              <a:spcBef>
+                <a:spcPct val="20000"/>
+              </a:spcBef>
+              <a:spcAft>
+                <a:spcPct val="0"/>
+              </a:spcAft>
+              <a:buClr>
+                <a:schemeClr val="accent2">
+                  <a:lumMod val="60000"/>
+                  <a:lumOff val="40000"/>
+                </a:schemeClr>
+              </a:buClr>
+              <a:buFont typeface="Wingdings 2" pitchFamily="18" charset="2"/>
+              <a:buChar char=""/>
+              <a:defRPr sz="3000" b="1" kern="1200">
+                <a:solidFill>
+                  <a:schemeClr val="tx1">
+                    <a:lumMod val="20000"/>
+                    <a:lumOff val="80000"/>
+                  </a:schemeClr>
+                </a:solidFill>
+                <a:effectLst>
+                  <a:outerShdw blurRad="38100" dist="38100" dir="2700000" algn="tl">
+                    <a:srgbClr val="000000">
+                      <a:alpha val="43137"/>
+                    </a:srgbClr>
+                  </a:outerShdw>
+                </a:effectLst>
+                <a:latin typeface="+mn-lt"/>
+                <a:ea typeface="+mn-ea"/>
+                <a:cs typeface="+mn-cs"/>
+              </a:defRPr>
+            </a:lvl2pPr>
+            <a:lvl3pPr marL="922338" indent="-273050" algn="l" rtl="0" eaLnBrk="0" fontAlgn="base" hangingPunct="0">
+              <a:spcBef>
+                <a:spcPct val="20000"/>
+              </a:spcBef>
+              <a:spcAft>
+                <a:spcPct val="0"/>
+              </a:spcAft>
+              <a:buClr>
+                <a:schemeClr val="tx1">
+                  <a:lumMod val="50000"/>
+                </a:schemeClr>
+              </a:buClr>
+              <a:buFont typeface="Wingdings 2" pitchFamily="18" charset="2"/>
+              <a:buChar char=""/>
+              <a:defRPr sz="2800" b="1" kern="1200">
+                <a:solidFill>
+                  <a:schemeClr val="tx1">
+                    <a:lumMod val="20000"/>
+                    <a:lumOff val="80000"/>
+                  </a:schemeClr>
+                </a:solidFill>
+                <a:effectLst>
+                  <a:outerShdw blurRad="38100" dist="38100" dir="2700000" algn="tl">
+                    <a:srgbClr val="000000">
+                      <a:alpha val="43137"/>
+                    </a:srgbClr>
+                  </a:outerShdw>
+                </a:effectLst>
+                <a:latin typeface="+mn-lt"/>
+                <a:ea typeface="+mn-ea"/>
+                <a:cs typeface="+mn-cs"/>
+              </a:defRPr>
+            </a:lvl3pPr>
+            <a:lvl4pPr marL="1187450" indent="-228600" algn="l" rtl="0" eaLnBrk="0" fontAlgn="base" hangingPunct="0">
+              <a:spcBef>
+                <a:spcPct val="20000"/>
+              </a:spcBef>
+              <a:spcAft>
+                <a:spcPct val="0"/>
+              </a:spcAft>
+              <a:buClr>
+                <a:srgbClr val="F8BD52"/>
+              </a:buClr>
+              <a:buFont typeface="Wingdings 2" pitchFamily="18" charset="2"/>
+              <a:buChar char=""/>
+              <a:defRPr sz="2600" b="1" kern="1200">
+                <a:solidFill>
+                  <a:schemeClr val="tx1">
+                    <a:lumMod val="20000"/>
+                    <a:lumOff val="80000"/>
+                  </a:schemeClr>
+                </a:solidFill>
+                <a:effectLst>
+                  <a:outerShdw blurRad="38100" dist="38100" dir="2700000" algn="tl">
+                    <a:srgbClr val="000000">
+                      <a:alpha val="43137"/>
+                    </a:srgbClr>
+                  </a:outerShdw>
+                </a:effectLst>
+                <a:latin typeface="+mn-lt"/>
+                <a:ea typeface="+mn-ea"/>
+                <a:cs typeface="+mn-cs"/>
+              </a:defRPr>
+            </a:lvl4pPr>
+            <a:lvl5pPr marL="1425575" indent="-228600" algn="l" rtl="0" eaLnBrk="0" fontAlgn="base" hangingPunct="0">
+              <a:spcBef>
+                <a:spcPct val="20000"/>
+              </a:spcBef>
+              <a:spcAft>
+                <a:spcPct val="0"/>
+              </a:spcAft>
+              <a:buClr>
+                <a:srgbClr val="46A6BD"/>
+              </a:buClr>
+              <a:buFont typeface="Wingdings 2" pitchFamily="18" charset="2"/>
+              <a:buChar char=""/>
+              <a:defRPr sz="2400" b="1" kern="1200">
+                <a:solidFill>
+                  <a:schemeClr val="tx1">
+                    <a:lumMod val="20000"/>
+                    <a:lumOff val="80000"/>
+                  </a:schemeClr>
+                </a:solidFill>
+                <a:effectLst>
+                  <a:outerShdw blurRad="38100" dist="38100" dir="2700000" algn="tl">
+                    <a:srgbClr val="000000">
+                      <a:alpha val="43137"/>
+                    </a:srgbClr>
+                  </a:outerShdw>
+                </a:effectLst>
+                <a:latin typeface="+mn-lt"/>
+                <a:ea typeface="+mn-ea"/>
+                <a:cs typeface="+mn-cs"/>
+              </a:defRPr>
+            </a:lvl5pPr>
+            <a:lvl6pPr marL="1673352" indent="-228600" algn="l" rtl="0" eaLnBrk="1" latinLnBrk="0" hangingPunct="1">
+              <a:spcBef>
+                <a:spcPct val="20000"/>
+              </a:spcBef>
+              <a:buClr>
+                <a:schemeClr val="accent6"/>
+              </a:buClr>
+              <a:buFont typeface="Wingdings 2"/>
+              <a:buChar char=""/>
+              <a:defRPr sz="1800" kern="1200">
+                <a:solidFill>
+                  <a:schemeClr val="tx1"/>
+                </a:solidFill>
+                <a:latin typeface="+mn-lt"/>
+                <a:ea typeface="+mn-ea"/>
+                <a:cs typeface="+mn-cs"/>
+              </a:defRPr>
+            </a:lvl6pPr>
+            <a:lvl7pPr marL="1911096" indent="-228600" algn="l" rtl="0" eaLnBrk="1" latinLnBrk="0" hangingPunct="1">
+              <a:spcBef>
+                <a:spcPct val="20000"/>
+              </a:spcBef>
+              <a:buClr>
+                <a:schemeClr val="tx2"/>
+              </a:buClr>
+              <a:buFont typeface="Wingdings 2"/>
+              <a:buChar char=""/>
+              <a:defRPr sz="1600" kern="1200">
+                <a:solidFill>
+                  <a:schemeClr val="tx1"/>
+                </a:solidFill>
+                <a:latin typeface="+mn-lt"/>
+                <a:ea typeface="+mn-ea"/>
+                <a:cs typeface="+mn-cs"/>
+              </a:defRPr>
+            </a:lvl7pPr>
+            <a:lvl8pPr marL="2121408" indent="-182880" algn="l" rtl="0" eaLnBrk="1" latinLnBrk="0" hangingPunct="1">
+              <a:spcBef>
+                <a:spcPct val="20000"/>
+              </a:spcBef>
+              <a:buClr>
+                <a:schemeClr val="tx2"/>
+              </a:buClr>
+              <a:buFont typeface="Wingdings 2"/>
+              <a:buChar char=""/>
+              <a:defRPr sz="1400" kern="1200">
+                <a:solidFill>
+                  <a:schemeClr val="tx1"/>
+                </a:solidFill>
+                <a:latin typeface="+mn-lt"/>
+                <a:ea typeface="+mn-ea"/>
+                <a:cs typeface="+mn-cs"/>
+              </a:defRPr>
+            </a:lvl8pPr>
+            <a:lvl9pPr marL="2322576" indent="-182880" algn="l" rtl="0" eaLnBrk="1" latinLnBrk="0" hangingPunct="1">
+              <a:spcBef>
+                <a:spcPct val="20000"/>
+              </a:spcBef>
+              <a:buClr>
+                <a:schemeClr val="tx2"/>
+              </a:buClr>
+              <a:buFont typeface="Wingdings 2"/>
+              <a:buChar char=""/>
+              <a:defRPr sz="1400" kern="1200">
+                <a:solidFill>
+                  <a:schemeClr val="tx1"/>
+                </a:solidFill>
+                <a:latin typeface="+mn-lt"/>
+                <a:ea typeface="+mn-ea"/>
+                <a:cs typeface="+mn-cs"/>
+              </a:defRPr>
+            </a:lvl9pPr>
+          </a:lstStyle>
+          <a:p>
+            <a:r>
+              <a:rPr lang="en-US" dirty="0" smtClean="0">
+                <a:hlinkClick r:id="rId5"/>
+              </a:rPr>
+              <a:t>http://academy.telerik.com</a:t>
+            </a:r>
+            <a:r>
+              <a:rPr lang="en-US" dirty="0" smtClean="0"/>
+              <a:t> </a:t>
+            </a:r>
+            <a:endParaRPr lang="en-US" dirty="0"/>
+          </a:p>
+        </p:txBody>
+      </p:sp>
+      <p:sp>
+        <p:nvSpPr>
+          <p:cNvPr id="10" name="Text Placeholder 13"/>
+          <p:cNvSpPr>
+            <a:spLocks noGrp="1"/>
+          </p:cNvSpPr>
+          <p:nvPr/>
+        </p:nvSpPr>
+        <p:spPr>
+          <a:xfrm>
+            <a:off x="429087" y="5352025"/>
+            <a:ext cx="4371513" cy="461665"/>
+          </a:xfrm>
+          <a:prstGeom prst="rect">
+            <a:avLst/>
+          </a:prstGeom>
+          <a:noFill/>
+        </p:spPr>
+        <p:txBody>
+          <a:bodyPr wrap="square" rtlCol="0">
+            <a:spAutoFit/>
+          </a:bodyPr>
+          <a:lstStyle>
+            <a:lvl1pPr marL="0" indent="0" algn="l" rtl="0" eaLnBrk="0" fontAlgn="base" hangingPunct="0">
+              <a:spcBef>
+                <a:spcPct val="20000"/>
+              </a:spcBef>
+              <a:spcAft>
+                <a:spcPct val="0"/>
+              </a:spcAft>
+              <a:buClr>
+                <a:schemeClr val="accent5">
+                  <a:lumMod val="40000"/>
+                  <a:lumOff val="60000"/>
+                </a:schemeClr>
+              </a:buClr>
+              <a:buSzPct val="70000"/>
+              <a:buFont typeface="Wingdings 2" pitchFamily="18" charset="2"/>
+              <a:buNone/>
+              <a:defRPr lang="en-US" sz="2400" b="1" kern="1200" dirty="0">
+                <a:solidFill>
+                  <a:schemeClr val="tx2">
+                    <a:lumMod val="50000"/>
+                  </a:schemeClr>
+                </a:solidFill>
+                <a:effectLst>
+                  <a:outerShdw blurRad="38100" dist="38100" dir="2700000" algn="tl">
+                    <a:srgbClr val="000000">
+                      <a:alpha val="43137"/>
+                    </a:srgbClr>
+                  </a:outerShdw>
+                </a:effectLst>
+                <a:latin typeface="Corbel" pitchFamily="34" charset="0"/>
+                <a:ea typeface="+mn-ea"/>
+                <a:cs typeface="+mn-cs"/>
+              </a:defRPr>
+            </a:lvl1pPr>
+            <a:lvl2pPr marL="630238" indent="-273050" algn="l" rtl="0" eaLnBrk="0" fontAlgn="base" hangingPunct="0">
+              <a:spcBef>
+                <a:spcPct val="20000"/>
+              </a:spcBef>
+              <a:spcAft>
+                <a:spcPct val="0"/>
+              </a:spcAft>
+              <a:buClr>
+                <a:schemeClr val="accent2">
+                  <a:lumMod val="60000"/>
+                  <a:lumOff val="40000"/>
+                </a:schemeClr>
+              </a:buClr>
+              <a:buFont typeface="Wingdings 2" pitchFamily="18" charset="2"/>
+              <a:buChar char=""/>
+              <a:defRPr sz="3000" b="1" kern="1200">
+                <a:solidFill>
+                  <a:schemeClr val="tx1">
+                    <a:lumMod val="20000"/>
+                    <a:lumOff val="80000"/>
+                  </a:schemeClr>
+                </a:solidFill>
+                <a:effectLst>
+                  <a:outerShdw blurRad="38100" dist="38100" dir="2700000" algn="tl">
+                    <a:srgbClr val="000000">
+                      <a:alpha val="43137"/>
+                    </a:srgbClr>
+                  </a:outerShdw>
+                </a:effectLst>
+                <a:latin typeface="+mn-lt"/>
+                <a:ea typeface="+mn-ea"/>
+                <a:cs typeface="+mn-cs"/>
+              </a:defRPr>
+            </a:lvl2pPr>
+            <a:lvl3pPr marL="922338" indent="-273050" algn="l" rtl="0" eaLnBrk="0" fontAlgn="base" hangingPunct="0">
+              <a:spcBef>
+                <a:spcPct val="20000"/>
+              </a:spcBef>
+              <a:spcAft>
+                <a:spcPct val="0"/>
+              </a:spcAft>
+              <a:buClr>
+                <a:schemeClr val="tx1">
+                  <a:lumMod val="50000"/>
+                </a:schemeClr>
+              </a:buClr>
+              <a:buFont typeface="Wingdings 2" pitchFamily="18" charset="2"/>
+              <a:buChar char=""/>
+              <a:defRPr sz="2800" b="1" kern="1200">
+                <a:solidFill>
+                  <a:schemeClr val="tx1">
+                    <a:lumMod val="20000"/>
+                    <a:lumOff val="80000"/>
+                  </a:schemeClr>
+                </a:solidFill>
+                <a:effectLst>
+                  <a:outerShdw blurRad="38100" dist="38100" dir="2700000" algn="tl">
+                    <a:srgbClr val="000000">
+                      <a:alpha val="43137"/>
+                    </a:srgbClr>
+                  </a:outerShdw>
+                </a:effectLst>
+                <a:latin typeface="+mn-lt"/>
+                <a:ea typeface="+mn-ea"/>
+                <a:cs typeface="+mn-cs"/>
+              </a:defRPr>
+            </a:lvl3pPr>
+            <a:lvl4pPr marL="1187450" indent="-228600" algn="l" rtl="0" eaLnBrk="0" fontAlgn="base" hangingPunct="0">
+              <a:spcBef>
+                <a:spcPct val="20000"/>
+              </a:spcBef>
+              <a:spcAft>
+                <a:spcPct val="0"/>
+              </a:spcAft>
+              <a:buClr>
+                <a:srgbClr val="F8BD52"/>
+              </a:buClr>
+              <a:buFont typeface="Wingdings 2" pitchFamily="18" charset="2"/>
+              <a:buChar char=""/>
+              <a:defRPr sz="2600" b="1" kern="1200">
+                <a:solidFill>
+                  <a:schemeClr val="tx1">
+                    <a:lumMod val="20000"/>
+                    <a:lumOff val="80000"/>
+                  </a:schemeClr>
+                </a:solidFill>
+                <a:effectLst>
+                  <a:outerShdw blurRad="38100" dist="38100" dir="2700000" algn="tl">
+                    <a:srgbClr val="000000">
+                      <a:alpha val="43137"/>
+                    </a:srgbClr>
+                  </a:outerShdw>
+                </a:effectLst>
+                <a:latin typeface="+mn-lt"/>
+                <a:ea typeface="+mn-ea"/>
+                <a:cs typeface="+mn-cs"/>
+              </a:defRPr>
+            </a:lvl4pPr>
+            <a:lvl5pPr marL="1425575" indent="-228600" algn="l" rtl="0" eaLnBrk="0" fontAlgn="base" hangingPunct="0">
+              <a:spcBef>
+                <a:spcPct val="20000"/>
+              </a:spcBef>
+              <a:spcAft>
+                <a:spcPct val="0"/>
+              </a:spcAft>
+              <a:buClr>
+                <a:srgbClr val="46A6BD"/>
+              </a:buClr>
+              <a:buFont typeface="Wingdings 2" pitchFamily="18" charset="2"/>
+              <a:buChar char=""/>
+              <a:defRPr sz="2400" b="1" kern="1200">
+                <a:solidFill>
+                  <a:schemeClr val="tx1">
+                    <a:lumMod val="20000"/>
+                    <a:lumOff val="80000"/>
+                  </a:schemeClr>
+                </a:solidFill>
+                <a:effectLst>
+                  <a:outerShdw blurRad="38100" dist="38100" dir="2700000" algn="tl">
+                    <a:srgbClr val="000000">
+                      <a:alpha val="43137"/>
+                    </a:srgbClr>
+                  </a:outerShdw>
+                </a:effectLst>
+                <a:latin typeface="+mn-lt"/>
+                <a:ea typeface="+mn-ea"/>
+                <a:cs typeface="+mn-cs"/>
+              </a:defRPr>
+            </a:lvl5pPr>
+            <a:lvl6pPr marL="1673352" indent="-228600" algn="l" rtl="0" eaLnBrk="1" latinLnBrk="0" hangingPunct="1">
+              <a:spcBef>
+                <a:spcPct val="20000"/>
+              </a:spcBef>
+              <a:buClr>
+                <a:schemeClr val="accent6"/>
+              </a:buClr>
+              <a:buFont typeface="Wingdings 2"/>
+              <a:buChar char=""/>
+              <a:defRPr sz="1800" kern="1200">
+                <a:solidFill>
+                  <a:schemeClr val="tx1"/>
+                </a:solidFill>
+                <a:latin typeface="+mn-lt"/>
+                <a:ea typeface="+mn-ea"/>
+                <a:cs typeface="+mn-cs"/>
+              </a:defRPr>
+            </a:lvl6pPr>
+            <a:lvl7pPr marL="1911096" indent="-228600" algn="l" rtl="0" eaLnBrk="1" latinLnBrk="0" hangingPunct="1">
+              <a:spcBef>
+                <a:spcPct val="20000"/>
+              </a:spcBef>
+              <a:buClr>
+                <a:schemeClr val="tx2"/>
+              </a:buClr>
+              <a:buFont typeface="Wingdings 2"/>
+              <a:buChar char=""/>
+              <a:defRPr sz="1600" kern="1200">
+                <a:solidFill>
+                  <a:schemeClr val="tx1"/>
+                </a:solidFill>
+                <a:latin typeface="+mn-lt"/>
+                <a:ea typeface="+mn-ea"/>
+                <a:cs typeface="+mn-cs"/>
+              </a:defRPr>
+            </a:lvl7pPr>
+            <a:lvl8pPr marL="2121408" indent="-182880" algn="l" rtl="0" eaLnBrk="1" latinLnBrk="0" hangingPunct="1">
+              <a:spcBef>
+                <a:spcPct val="20000"/>
+              </a:spcBef>
+              <a:buClr>
+                <a:schemeClr val="tx2"/>
+              </a:buClr>
+              <a:buFont typeface="Wingdings 2"/>
+              <a:buChar char=""/>
+              <a:defRPr sz="1400" kern="1200">
+                <a:solidFill>
+                  <a:schemeClr val="tx1"/>
+                </a:solidFill>
+                <a:latin typeface="+mn-lt"/>
+                <a:ea typeface="+mn-ea"/>
+                <a:cs typeface="+mn-cs"/>
+              </a:defRPr>
+            </a:lvl8pPr>
+            <a:lvl9pPr marL="2322576" indent="-182880" algn="l" rtl="0" eaLnBrk="1" latinLnBrk="0" hangingPunct="1">
+              <a:spcBef>
+                <a:spcPct val="20000"/>
+              </a:spcBef>
+              <a:buClr>
+                <a:schemeClr val="tx2"/>
+              </a:buClr>
+              <a:buFont typeface="Wingdings 2"/>
+              <a:buChar char=""/>
+              <a:defRPr sz="1400" kern="1200">
+                <a:solidFill>
+                  <a:schemeClr val="tx1"/>
+                </a:solidFill>
+                <a:latin typeface="+mn-lt"/>
+                <a:ea typeface="+mn-ea"/>
+                <a:cs typeface="+mn-cs"/>
+              </a:defRPr>
+            </a:lvl9pPr>
+          </a:lstStyle>
+          <a:p>
+            <a:r>
+              <a:rPr lang="en-US" dirty="0" smtClean="0"/>
+              <a:t>HTML5</a:t>
+            </a:r>
+            <a:endParaRPr lang="en-US" dirty="0"/>
+          </a:p>
+        </p:txBody>
+      </p:sp>
     </p:spTree>
     <p:extLst>
       <p:ext uri="{BB962C8B-B14F-4D97-AF65-F5344CB8AC3E}">
@@ -6051,6 +7063,30 @@
           </a:extLst>
         </p:spPr>
       </p:pic>
+      <p:sp>
+        <p:nvSpPr>
+          <p:cNvPr id="2" name="Slide Number Placeholder 1"/>
+          <p:cNvSpPr>
+            <a:spLocks noGrp="1"/>
+          </p:cNvSpPr>
+          <p:nvPr>
+            <p:ph type="sldNum" sz="quarter" idx="10"/>
+          </p:nvPr>
+        </p:nvSpPr>
+        <p:spPr/>
+        <p:txBody>
+          <a:bodyPr/>
+          <a:lstStyle/>
+          <a:p>
+            <a:fld id="{B6F15528-21DE-4FAA-801E-634DDDAF4B2B}" type="slidenum">
+              <a:rPr lang="en-US" smtClean="0"/>
+              <a:pPr/>
+              <a:t>10</a:t>
+            </a:fld>
+            <a:endParaRPr lang="en-US"/>
+          </a:p>
+        </p:txBody>
+      </p:sp>
     </p:spTree>
     <p:extLst>
       <p:ext uri="{BB962C8B-B14F-4D97-AF65-F5344CB8AC3E}">
@@ -6140,15 +7176,28 @@
             <a:pPr lvl="1"/>
             <a:r>
               <a:rPr lang="en-US" dirty="0" smtClean="0"/>
-              <a:t>Easier to read by developers</a:t>
-            </a:r>
-          </a:p>
-          <a:p>
-            <a:pPr lvl="1"/>
-            <a:r>
-              <a:rPr lang="en-US" dirty="0" smtClean="0"/>
-              <a:t>Easier to render by browsers</a:t>
-            </a:r>
+              <a:t>Easier to read by developers,</a:t>
+            </a:r>
+            <a:br>
+              <a:rPr lang="en-US" dirty="0" smtClean="0"/>
+            </a:br>
+            <a:r>
+              <a:rPr lang="en-US" dirty="0" smtClean="0"/>
+              <a:t>parsers</a:t>
+            </a:r>
+            <a:r>
+              <a:rPr lang="en-US" dirty="0"/>
+              <a:t>, bots, </a:t>
+            </a:r>
+            <a:r>
+              <a:rPr lang="en-US" dirty="0" smtClean="0"/>
+              <a:t>machines, </a:t>
+            </a:r>
+            <a:r>
+              <a:rPr lang="en-US" dirty="0"/>
+              <a:t>AIs</a:t>
+            </a:r>
+            <a:endParaRPr lang="en-US" dirty="0" smtClean="0"/>
           </a:p>
           <a:p>
             <a:pPr lvl="1"/>
@@ -6316,6 +7365,30 @@
           </a:extLst>
         </p:spPr>
       </p:pic>
+      <p:sp>
+        <p:nvSpPr>
+          <p:cNvPr id="2" name="Slide Number Placeholder 1"/>
+          <p:cNvSpPr>
+            <a:spLocks noGrp="1"/>
+          </p:cNvSpPr>
+          <p:nvPr>
+            <p:ph type="sldNum" sz="quarter" idx="10"/>
+          </p:nvPr>
+        </p:nvSpPr>
+        <p:spPr/>
+        <p:txBody>
+          <a:bodyPr/>
+          <a:lstStyle/>
+          <a:p>
+            <a:fld id="{B6F15528-21DE-4FAA-801E-634DDDAF4B2B}" type="slidenum">
+              <a:rPr lang="en-US" smtClean="0"/>
+              <a:pPr/>
+              <a:t>11</a:t>
+            </a:fld>
+            <a:endParaRPr lang="en-US"/>
+          </a:p>
+        </p:txBody>
+      </p:sp>
     </p:spTree>
     <p:extLst>
       <p:ext uri="{BB962C8B-B14F-4D97-AF65-F5344CB8AC3E}">
@@ -6669,6 +7742,30 @@
           </a:extLst>
         </p:spPr>
       </p:pic>
+      <p:sp>
+        <p:nvSpPr>
+          <p:cNvPr id="4" name="Slide Number Placeholder 3"/>
+          <p:cNvSpPr>
+            <a:spLocks noGrp="1"/>
+          </p:cNvSpPr>
+          <p:nvPr>
+            <p:ph type="sldNum" sz="quarter" idx="10"/>
+          </p:nvPr>
+        </p:nvSpPr>
+        <p:spPr/>
+        <p:txBody>
+          <a:bodyPr/>
+          <a:lstStyle/>
+          <a:p>
+            <a:fld id="{B6F15528-21DE-4FAA-801E-634DDDAF4B2B}" type="slidenum">
+              <a:rPr lang="en-US" smtClean="0"/>
+              <a:pPr/>
+              <a:t>12</a:t>
+            </a:fld>
+            <a:endParaRPr lang="en-US"/>
+          </a:p>
+        </p:txBody>
+      </p:sp>
     </p:spTree>
     <p:extLst>
       <p:ext uri="{BB962C8B-B14F-4D97-AF65-F5344CB8AC3E}">
@@ -6963,7 +8060,7 @@
         </p:blipFill>
         <p:spPr bwMode="auto">
           <a:xfrm>
-            <a:off x="2362200" y="2320075"/>
+            <a:off x="2362200" y="2286000"/>
             <a:ext cx="4129812" cy="2912325"/>
           </a:xfrm>
           <a:prstGeom prst="rect">
@@ -7004,6 +8101,30 @@
           </a:extLst>
         </p:spPr>
       </p:pic>
+      <p:sp>
+        <p:nvSpPr>
+          <p:cNvPr id="2" name="Slide Number Placeholder 1"/>
+          <p:cNvSpPr>
+            <a:spLocks noGrp="1"/>
+          </p:cNvSpPr>
+          <p:nvPr>
+            <p:ph type="sldNum" sz="quarter" idx="10"/>
+          </p:nvPr>
+        </p:nvSpPr>
+        <p:spPr/>
+        <p:txBody>
+          <a:bodyPr/>
+          <a:lstStyle/>
+          <a:p>
+            <a:fld id="{B6F15528-21DE-4FAA-801E-634DDDAF4B2B}" type="slidenum">
+              <a:rPr lang="en-US" smtClean="0"/>
+              <a:pPr/>
+              <a:t>14</a:t>
+            </a:fld>
+            <a:endParaRPr lang="en-US"/>
+          </a:p>
+        </p:txBody>
+      </p:sp>
     </p:spTree>
     <p:extLst>
       <p:ext uri="{BB962C8B-B14F-4D97-AF65-F5344CB8AC3E}">
@@ -7242,114 +8363,30 @@
                 <a:spcPct val="100000"/>
               </a:lnSpc>
               <a:spcBef>
-                <a:spcPts val="3600"/>
+                <a:spcPts val="400"/>
               </a:spcBef>
               <a:spcAft>
                 <a:spcPts val="400"/>
               </a:spcAft>
             </a:pPr>
-            <a:r>
-              <a:rPr lang="en-US" sz="3000" dirty="0"/>
-              <a:t>M</a:t>
-            </a:r>
-            <a:r>
-              <a:rPr lang="en-US" sz="3000" dirty="0" smtClean="0"/>
-              <a:t>ore </a:t>
-            </a:r>
-            <a:r>
-              <a:rPr lang="en-US" sz="3000" dirty="0"/>
-              <a:t>about semantic </a:t>
-            </a:r>
-            <a:r>
-              <a:rPr lang="en-US" sz="3000" dirty="0" smtClean="0"/>
-              <a:t>tags: </a:t>
-            </a:r>
-            <a:r>
-              <a:rPr lang="en-US" sz="3000" dirty="0" smtClean="0">
-                <a:hlinkClick r:id="rId3"/>
-              </a:rPr>
-              <a:t>http</a:t>
-            </a:r>
-            <a:r>
-              <a:rPr lang="en-US" sz="3000" dirty="0">
-                <a:hlinkClick r:id="rId3"/>
-              </a:rPr>
-              <a:t>://pavelkolev.com/html5-snippets</a:t>
-            </a:r>
-            <a:r>
-              <a:rPr lang="en-US" sz="3000" dirty="0" smtClean="0">
-                <a:hlinkClick r:id="rId3"/>
-              </a:rPr>
-              <a:t>/</a:t>
-            </a:r>
-            <a:endParaRPr lang="en-US" sz="3000" dirty="0" smtClean="0"/>
+            <a:endParaRPr lang="en-US" dirty="0"/>
+          </a:p>
+          <a:p>
+            <a:pPr>
+              <a:lnSpc>
+                <a:spcPct val="100000"/>
+              </a:lnSpc>
+              <a:spcBef>
+                <a:spcPts val="400"/>
+              </a:spcBef>
+              <a:spcAft>
+                <a:spcPts val="400"/>
+              </a:spcAft>
+            </a:pPr>
+            <a:endParaRPr lang="en-US" dirty="0" smtClean="0"/>
           </a:p>
         </p:txBody>
       </p:sp>
-      <p:pic>
-        <p:nvPicPr>
-          <p:cNvPr id="1028" name="Picture 4"/>
-          <p:cNvPicPr>
-            <a:picLocks noChangeAspect="1" noChangeArrowheads="1"/>
-          </p:cNvPicPr>
-          <p:nvPr/>
-        </p:nvPicPr>
-        <p:blipFill>
-          <a:blip r:embed="rId4" cstate="print">
-            <a:extLst>
-              <a:ext uri="{28A0092B-C50C-407E-A947-70E740481C1C}">
-                <a14:useLocalDpi xmlns:a14="http://schemas.microsoft.com/office/drawing/2010/main" val="0"/>
-              </a:ext>
-            </a:extLst>
-          </a:blip>
-          <a:srcRect/>
-          <a:stretch>
-            <a:fillRect/>
-          </a:stretch>
-        </p:blipFill>
-        <p:spPr bwMode="auto">
-          <a:xfrm>
-            <a:off x="6172200" y="990600"/>
-            <a:ext cx="2438400" cy="1719549"/>
-          </a:xfrm>
-          <a:prstGeom prst="rect">
-            <a:avLst/>
-          </a:prstGeom>
-          <a:noFill/>
-          <a:ln>
-            <a:noFill/>
-          </a:ln>
-          <a:effectLst/>
-          <a:extLst>
-            <a:ext uri="{909E8E84-426E-40DD-AFC4-6F175D3DCCD1}">
-              <a14:hiddenFill xmlns:a14="http://schemas.microsoft.com/office/drawing/2010/main">
-                <a:solidFill>
-                  <a:schemeClr val="accent1"/>
-                </a:solidFill>
-              </a14:hiddenFill>
-            </a:ext>
-            <a:ext uri="{91240B29-F687-4F45-9708-019B960494DF}">
-              <a14:hiddenLine xmlns:a14="http://schemas.microsoft.com/office/drawing/2010/main" w="9525">
-                <a:solidFill>
-                  <a:schemeClr val="tx1"/>
-                </a:solidFill>
-                <a:miter lim="800000"/>
-                <a:headEnd/>
-                <a:tailEnd/>
-              </a14:hiddenLine>
-            </a:ext>
-            <a:ext uri="{AF507438-7753-43E0-B8FC-AC1667EBCBE1}">
-              <a14:hiddenEffects xmlns:a14="http://schemas.microsoft.com/office/drawing/2010/main">
-                <a:effectLst>
-                  <a:outerShdw dist="35921" dir="2700000" algn="ctr" rotWithShape="0">
-                    <a:schemeClr val="bg2"/>
-                  </a:outerShdw>
-                </a:effectLst>
-              </a14:hiddenEffects>
-            </a:ext>
-          </a:extLst>
-        </p:spPr>
-      </p:pic>
       <p:sp>
         <p:nvSpPr>
           <p:cNvPr id="6" name="Text Placeholder 5"/>
@@ -7361,7 +8398,7 @@
         <p:spPr>
           <a:xfrm>
             <a:off x="685800" y="4101405"/>
-            <a:ext cx="7772400" cy="1384995"/>
+            <a:ext cx="7772400" cy="2354491"/>
           </a:xfrm>
           <a:prstGeom prst="rect">
             <a:avLst/>
@@ -7588,6 +8625,32 @@
           <a:p>
             <a:r>
               <a:rPr lang="en-US" sz="2100" dirty="0" smtClean="0"/>
+              <a:t>&lt;nav&gt; … &lt;/nav&gt;</a:t>
+            </a:r>
+          </a:p>
+          <a:p>
+            <a:r>
+              <a:rPr lang="en-US" sz="2100" dirty="0" smtClean="0"/>
+              <a:t>&lt;main&gt; </a:t>
+            </a:r>
+            <a:r>
+              <a:rPr lang="en-US" sz="2100" dirty="0"/>
+              <a:t>… </a:t>
+            </a:r>
+            <a:r>
+              <a:rPr lang="en-US" sz="2100" dirty="0" smtClean="0"/>
+              <a:t>&lt;/main&gt;</a:t>
+            </a:r>
+          </a:p>
+          <a:p>
+            <a:r>
+              <a:rPr lang="en-US" sz="2100" dirty="0"/>
+              <a:t>&lt;article&gt; … &lt;/article&gt;</a:t>
+            </a:r>
+          </a:p>
+          <a:p>
+            <a:r>
+              <a:rPr lang="en-US" sz="2100" dirty="0" smtClean="0"/>
               <a:t>&lt;section&gt; … &lt;/section&gt;</a:t>
             </a:r>
           </a:p>
@@ -7605,6 +8668,54 @@
           </a:p>
         </p:txBody>
       </p:sp>
+      <p:sp>
+        <p:nvSpPr>
+          <p:cNvPr id="2" name="Slide Number Placeholder 1"/>
+          <p:cNvSpPr>
+            <a:spLocks noGrp="1"/>
+          </p:cNvSpPr>
+          <p:nvPr>
+            <p:ph type="sldNum" sz="quarter" idx="10"/>
+          </p:nvPr>
+        </p:nvSpPr>
+        <p:spPr/>
+        <p:txBody>
+          <a:bodyPr/>
+          <a:lstStyle/>
+          <a:p>
+            <a:fld id="{B6F15528-21DE-4FAA-801E-634DDDAF4B2B}" type="slidenum">
+              <a:rPr lang="en-US" smtClean="0"/>
+              <a:pPr/>
+              <a:t>15</a:t>
+            </a:fld>
+            <a:endParaRPr lang="en-US"/>
+          </a:p>
+        </p:txBody>
+      </p:sp>
+      <p:pic>
+        <p:nvPicPr>
+          <p:cNvPr id="3" name="Picture 2"/>
+          <p:cNvPicPr>
+            <a:picLocks noChangeAspect="1"/>
+          </p:cNvPicPr>
+          <p:nvPr/>
+        </p:nvPicPr>
+        <p:blipFill>
+          <a:blip r:embed="rId3"/>
+          <a:stretch>
+            <a:fillRect/>
+          </a:stretch>
+        </p:blipFill>
+        <p:spPr>
+          <a:xfrm>
+            <a:off x="5867400" y="1219200"/>
+            <a:ext cx="2857899" cy="1428949"/>
+          </a:xfrm>
+          <a:prstGeom prst="rect">
+            <a:avLst/>
+          </a:prstGeom>
+        </p:spPr>
+      </p:pic>
     </p:spTree>
     <p:extLst>
       <p:ext uri="{BB962C8B-B14F-4D97-AF65-F5344CB8AC3E}">
@@ -7659,15 +8770,11 @@
           <a:p>
             <a:r>
               <a:rPr lang="en-US" dirty="0"/>
-              <a:t>HTML5 Semantic </a:t>
-            </a:r>
-            <a:r>
-              <a:rPr lang="en-US"/>
-              <a:t>Tags </a:t>
-            </a:r>
-            <a:r>
-              <a:rPr lang="en-US" smtClean="0"/>
-              <a:t>(3)</a:t>
+              <a:t>HTML5 Structure </a:t>
+            </a:r>
+            <a:r>
+              <a:rPr lang="en-US" dirty="0" smtClean="0"/>
+              <a:t>Tags</a:t>
             </a:r>
             <a:endParaRPr lang="en-US" dirty="0"/>
           </a:p>
@@ -7685,13 +8792,123 @@
         </p:nvSpPr>
         <p:spPr>
           <a:xfrm>
-            <a:off x="228600" y="914400"/>
+            <a:off x="228600" y="838200"/>
             <a:ext cx="8686800" cy="5791200"/>
           </a:xfrm>
         </p:spPr>
         <p:txBody>
           <a:bodyPr/>
           <a:lstStyle/>
+          <a:p>
+            <a:pPr marL="282575" lvl="2" indent="-282575">
+              <a:lnSpc>
+                <a:spcPct val="100000"/>
+              </a:lnSpc>
+              <a:buClr>
+                <a:schemeClr val="accent5">
+                  <a:lumMod val="40000"/>
+                  <a:lumOff val="60000"/>
+                </a:schemeClr>
+              </a:buClr>
+              <a:buSzPct val="70000"/>
+              <a:buFont typeface="Wingdings 2" pitchFamily="18" charset="2"/>
+              <a:buChar char=""/>
+              <a:tabLst>
+                <a:tab pos="282575" algn="l"/>
+              </a:tabLst>
+            </a:pPr>
+            <a:r>
+              <a:rPr lang="en-US" sz="3200" noProof="1">
+                <a:solidFill>
+                  <a:schemeClr val="accent5">
+                    <a:lumMod val="20000"/>
+                    <a:lumOff val="80000"/>
+                  </a:schemeClr>
+                </a:solidFill>
+                <a:latin typeface="Consolas" pitchFamily="49" charset="0"/>
+                <a:cs typeface="Consolas" pitchFamily="49" charset="0"/>
+              </a:rPr>
+              <a:t>&lt;main</a:t>
+            </a:r>
+            <a:r>
+              <a:rPr lang="en-US" sz="3200" dirty="0">
+                <a:solidFill>
+                  <a:schemeClr val="accent5">
+                    <a:lumMod val="20000"/>
+                    <a:lumOff val="80000"/>
+                  </a:schemeClr>
+                </a:solidFill>
+                <a:latin typeface="Consolas" pitchFamily="49" charset="0"/>
+                <a:cs typeface="Consolas" pitchFamily="49" charset="0"/>
+              </a:rPr>
+              <a:t>&gt;</a:t>
+            </a:r>
+          </a:p>
+          <a:p>
+            <a:pPr marL="547687" lvl="3" indent="-282575">
+              <a:lnSpc>
+                <a:spcPct val="100000"/>
+              </a:lnSpc>
+              <a:buClr>
+                <a:schemeClr val="accent5">
+                  <a:lumMod val="40000"/>
+                  <a:lumOff val="60000"/>
+                </a:schemeClr>
+              </a:buClr>
+              <a:buSzPct val="70000"/>
+              <a:buFont typeface="Wingdings 2" pitchFamily="18" charset="2"/>
+              <a:buChar char=""/>
+              <a:tabLst>
+                <a:tab pos="282575" algn="l"/>
+              </a:tabLst>
+            </a:pPr>
+            <a:r>
+              <a:rPr lang="en-US" sz="3000" dirty="0"/>
+              <a:t>Specifies the main content of a document </a:t>
+            </a:r>
+            <a:r>
+              <a:rPr lang="en-US" sz="3200" dirty="0"/>
+              <a:t>(</a:t>
+            </a:r>
+            <a:r>
+              <a:rPr lang="en-US" sz="3200" dirty="0">
+                <a:hlinkClick r:id="rId2"/>
+              </a:rPr>
+              <a:t>info</a:t>
+            </a:r>
+            <a:r>
+              <a:rPr lang="en-US" sz="3200" dirty="0" smtClean="0"/>
+              <a:t>)</a:t>
+            </a:r>
+          </a:p>
+          <a:p>
+            <a:pPr marL="547687" lvl="3" indent="-282575">
+              <a:lnSpc>
+                <a:spcPct val="100000"/>
+              </a:lnSpc>
+              <a:buClr>
+                <a:schemeClr val="accent5">
+                  <a:lumMod val="40000"/>
+                  <a:lumOff val="60000"/>
+                </a:schemeClr>
+              </a:buClr>
+              <a:buSzPct val="70000"/>
+              <a:buFont typeface="Wingdings 2" pitchFamily="18" charset="2"/>
+              <a:buChar char=""/>
+              <a:tabLst>
+                <a:tab pos="282575" algn="l"/>
+              </a:tabLst>
+            </a:pPr>
+            <a:r>
+              <a:rPr lang="en-US" sz="3000" dirty="0"/>
+              <a:t>There must not be more than one &lt;main&gt; element in a </a:t>
+            </a:r>
+            <a:r>
+              <a:rPr lang="en-US" sz="3000" dirty="0" smtClean="0"/>
+              <a:t>document</a:t>
+            </a:r>
+            <a:endParaRPr lang="en-US" sz="3000" dirty="0"/>
+          </a:p>
           <a:p>
             <a:pPr marL="282575" lvl="2" indent="-282575">
               <a:lnSpc>
@@ -7711,7 +8928,7 @@
               </a:tabLst>
             </a:pPr>
             <a:r>
-              <a:rPr lang="en-US" sz="3200" dirty="0">
+              <a:rPr lang="en-US" sz="3200" dirty="0" smtClean="0">
                 <a:solidFill>
                   <a:schemeClr val="accent5">
                     <a:lumMod val="20000"/>
@@ -7721,7 +8938,20 @@
                 <a:latin typeface="Consolas" pitchFamily="49" charset="0"/>
                 <a:cs typeface="Consolas" pitchFamily="49" charset="0"/>
               </a:rPr>
-              <a:t>&lt;header&gt;</a:t>
+              <a:t>&lt;</a:t>
+            </a:r>
+            <a:r>
+              <a:rPr lang="en-US" sz="3200" dirty="0">
+                <a:solidFill>
+                  <a:schemeClr val="accent5">
+                    <a:lumMod val="20000"/>
+                    <a:lumOff val="80000"/>
+                  </a:schemeClr>
+                </a:solidFill>
+                <a:latin typeface="Consolas" pitchFamily="49" charset="0"/>
+                <a:cs typeface="Consolas" pitchFamily="49" charset="0"/>
+              </a:rPr>
+              <a:t>header&gt;</a:t>
             </a:r>
           </a:p>
           <a:p>
@@ -7744,8 +8974,36 @@
             </a:pPr>
             <a:r>
               <a:rPr lang="en-US" sz="3000" dirty="0"/>
-              <a:t>Site header or section header or article header</a:t>
-            </a:r>
+              <a:t>Site header or section header or article </a:t>
+            </a:r>
+            <a:r>
+              <a:rPr lang="en-US" sz="3000" dirty="0" smtClean="0"/>
+              <a:t>header</a:t>
+            </a:r>
+          </a:p>
+          <a:p>
+            <a:pPr marL="547687" lvl="3" indent="-282575">
+              <a:lnSpc>
+                <a:spcPct val="90000"/>
+              </a:lnSpc>
+              <a:buClr>
+                <a:schemeClr val="accent5">
+                  <a:lumMod val="40000"/>
+                  <a:lumOff val="60000"/>
+                </a:schemeClr>
+              </a:buClr>
+              <a:buSzPct val="70000"/>
+              <a:buFont typeface="Wingdings 2" pitchFamily="18" charset="2"/>
+              <a:buChar char=""/>
+              <a:tabLst>
+                <a:tab pos="282575" algn="l"/>
+              </a:tabLst>
+            </a:pPr>
+            <a:r>
+              <a:rPr lang="en-US" sz="3000" dirty="0" smtClean="0"/>
+              <a:t>Could include navigation (&lt;nav&gt;)</a:t>
+            </a:r>
+            <a:endParaRPr lang="en-US" sz="3000" dirty="0"/>
           </a:p>
           <a:p>
             <a:pPr marL="282575" lvl="2" indent="-282575">
@@ -7823,65 +9081,6 @@
               <a:rPr lang="en-US" sz="3000" dirty="0" smtClean="0"/>
               <a:t>footer)</a:t>
             </a:r>
-            <a:endParaRPr lang="en-US" sz="3000" dirty="0"/>
-          </a:p>
-          <a:p>
-            <a:pPr marL="282575" lvl="2" indent="-282575">
-              <a:lnSpc>
-                <a:spcPct val="90000"/>
-              </a:lnSpc>
-              <a:buClr>
-                <a:schemeClr val="accent5">
-                  <a:lumMod val="40000"/>
-                  <a:lumOff val="60000"/>
-                </a:schemeClr>
-              </a:buClr>
-              <a:buSzPct val="70000"/>
-              <a:buFont typeface="Wingdings 2" pitchFamily="18" charset="2"/>
-              <a:buChar char=""/>
-              <a:tabLst>
-                <a:tab pos="282575" algn="l"/>
-              </a:tabLst>
-            </a:pPr>
-            <a:r>
-              <a:rPr lang="en-US" sz="3200" dirty="0" smtClean="0">
-                <a:solidFill>
-                  <a:schemeClr val="accent5">
-                    <a:lumMod val="20000"/>
-                    <a:lumOff val="80000"/>
-                  </a:schemeClr>
-                </a:solidFill>
-                <a:latin typeface="Consolas" pitchFamily="49" charset="0"/>
-                <a:cs typeface="Consolas" pitchFamily="49" charset="0"/>
-              </a:rPr>
-              <a:t>&lt;</a:t>
-            </a:r>
-            <a:r>
-              <a:rPr lang="en-US" sz="3200" noProof="1">
-                <a:solidFill>
-                  <a:schemeClr val="accent5">
-                    <a:lumMod val="20000"/>
-                    <a:lumOff val="80000"/>
-                  </a:schemeClr>
-                </a:solidFill>
-                <a:latin typeface="Consolas" pitchFamily="49" charset="0"/>
-                <a:cs typeface="Consolas" pitchFamily="49" charset="0"/>
-              </a:rPr>
-              <a:t>nav</a:t>
-            </a:r>
-            <a:r>
-              <a:rPr lang="en-US" sz="3200" dirty="0" smtClean="0">
-                <a:solidFill>
-                  <a:schemeClr val="accent5">
-                    <a:lumMod val="20000"/>
-                    <a:lumOff val="80000"/>
-                  </a:schemeClr>
-                </a:solidFill>
-                <a:latin typeface="Consolas" pitchFamily="49" charset="0"/>
-                <a:cs typeface="Consolas" pitchFamily="49" charset="0"/>
-              </a:rPr>
-              <a:t>&gt;</a:t>
-            </a:r>
           </a:p>
           <a:p>
             <a:pPr marL="547687" lvl="3" indent="-282575">
@@ -7903,160 +9102,33 @@
             </a:pPr>
             <a:r>
               <a:rPr lang="en-US" sz="3000" dirty="0" smtClean="0"/>
-              <a:t>Site navigation (usually in the header)</a:t>
+              <a:t>Providing author, copyright data, etc.</a:t>
             </a:r>
             <a:endParaRPr lang="en-US" sz="3000" dirty="0"/>
           </a:p>
-          <a:p>
-            <a:pPr marL="282575" lvl="2" indent="-282575">
-              <a:lnSpc>
-                <a:spcPct val="90000"/>
-              </a:lnSpc>
-              <a:buClr>
-                <a:schemeClr val="accent5">
-                  <a:lumMod val="40000"/>
-                  <a:lumOff val="60000"/>
-                </a:schemeClr>
-              </a:buClr>
-              <a:buSzPct val="70000"/>
-              <a:buFont typeface="Wingdings 2" pitchFamily="18" charset="2"/>
-              <a:buChar char=""/>
-              <a:tabLst>
-                <a:tab pos="282575" algn="l"/>
-              </a:tabLst>
-            </a:pPr>
-            <a:r>
-              <a:rPr lang="en-US" sz="3200" dirty="0" smtClean="0">
-                <a:solidFill>
-                  <a:schemeClr val="accent5">
-                    <a:lumMod val="20000"/>
-                    <a:lumOff val="80000"/>
-                  </a:schemeClr>
-                </a:solidFill>
-                <a:latin typeface="Consolas" pitchFamily="49" charset="0"/>
-                <a:cs typeface="Consolas" pitchFamily="49" charset="0"/>
-              </a:rPr>
-              <a:t>&lt;</a:t>
-            </a:r>
-            <a:r>
-              <a:rPr lang="en-US" sz="3200" dirty="0">
-                <a:solidFill>
-                  <a:schemeClr val="accent5">
-                    <a:lumMod val="20000"/>
-                    <a:lumOff val="80000"/>
-                  </a:schemeClr>
-                </a:solidFill>
-                <a:latin typeface="Consolas" pitchFamily="49" charset="0"/>
-                <a:cs typeface="Consolas" pitchFamily="49" charset="0"/>
-              </a:rPr>
-              <a:t>section</a:t>
-            </a:r>
-            <a:r>
-              <a:rPr lang="en-US" sz="3200" dirty="0" smtClean="0">
-                <a:solidFill>
-                  <a:schemeClr val="accent5">
-                    <a:lumMod val="20000"/>
-                    <a:lumOff val="80000"/>
-                  </a:schemeClr>
-                </a:solidFill>
-                <a:latin typeface="Consolas" pitchFamily="49" charset="0"/>
-                <a:cs typeface="Consolas" pitchFamily="49" charset="0"/>
-              </a:rPr>
-              <a:t>&gt;</a:t>
-            </a:r>
-          </a:p>
-          <a:p>
-            <a:pPr marL="547687" lvl="3" indent="-282575">
-              <a:lnSpc>
-                <a:spcPct val="90000"/>
-              </a:lnSpc>
-              <a:buClr>
-                <a:schemeClr val="accent5">
-                  <a:lumMod val="40000"/>
-                  <a:lumOff val="60000"/>
-                </a:schemeClr>
-              </a:buClr>
-              <a:buSzPct val="70000"/>
-              <a:buFont typeface="Wingdings 2" pitchFamily="18" charset="2"/>
-              <a:buChar char=""/>
-              <a:tabLst>
-                <a:tab pos="282575" algn="l"/>
-              </a:tabLst>
-            </a:pPr>
-            <a:r>
-              <a:rPr lang="en-US" sz="3000" dirty="0"/>
-              <a:t>Site </a:t>
-            </a:r>
-            <a:r>
-              <a:rPr lang="en-US" sz="3000" dirty="0" smtClean="0"/>
-              <a:t>section (e.g. news, comments, links, …)</a:t>
-            </a:r>
-            <a:endParaRPr lang="en-US" sz="3000" dirty="0"/>
-          </a:p>
-          <a:p>
-            <a:pPr marL="282575" lvl="2" indent="-282575">
-              <a:lnSpc>
-                <a:spcPct val="90000"/>
-              </a:lnSpc>
-              <a:buClr>
-                <a:schemeClr val="accent5">
-                  <a:lumMod val="40000"/>
-                  <a:lumOff val="60000"/>
-                </a:schemeClr>
-              </a:buClr>
-              <a:buSzPct val="70000"/>
-              <a:buFont typeface="Wingdings 2" pitchFamily="18" charset="2"/>
-              <a:buChar char=""/>
-              <a:tabLst>
-                <a:tab pos="282575" algn="l"/>
-              </a:tabLst>
-            </a:pPr>
-            <a:r>
-              <a:rPr lang="en-US" sz="3200" dirty="0" smtClean="0">
-                <a:solidFill>
-                  <a:schemeClr val="accent5">
-                    <a:lumMod val="20000"/>
-                    <a:lumOff val="80000"/>
-                  </a:schemeClr>
-                </a:solidFill>
-                <a:latin typeface="Consolas" pitchFamily="49" charset="0"/>
-                <a:cs typeface="Consolas" pitchFamily="49" charset="0"/>
-              </a:rPr>
-              <a:t>&lt;article&gt;</a:t>
-            </a:r>
-          </a:p>
-          <a:p>
-            <a:pPr marL="547687" lvl="3" indent="-282575">
-              <a:lnSpc>
-                <a:spcPct val="90000"/>
-              </a:lnSpc>
-              <a:buClr>
-                <a:schemeClr val="accent5">
-                  <a:lumMod val="40000"/>
-                  <a:lumOff val="60000"/>
-                </a:schemeClr>
-              </a:buClr>
-              <a:buSzPct val="70000"/>
-              <a:buFont typeface="Wingdings 2" pitchFamily="18" charset="2"/>
-              <a:buChar char=""/>
-              <a:tabLst>
-                <a:tab pos="282575" algn="l"/>
-              </a:tabLst>
-            </a:pPr>
-            <a:r>
-              <a:rPr lang="en-US" sz="3000" dirty="0" smtClean="0"/>
-              <a:t>Article in a section (e.g. news item)</a:t>
-            </a:r>
-            <a:endParaRPr lang="en-US" sz="3200" dirty="0" smtClean="0">
-              <a:solidFill>
-                <a:schemeClr val="accent5">
-                  <a:lumMod val="20000"/>
-                  <a:lumOff val="80000"/>
-                </a:schemeClr>
-              </a:solidFill>
-              <a:latin typeface="Consolas" pitchFamily="49" charset="0"/>
-              <a:cs typeface="Consolas" pitchFamily="49" charset="0"/>
-            </a:endParaRPr>
+        </p:txBody>
+      </p:sp>
+      <p:sp>
+        <p:nvSpPr>
+          <p:cNvPr id="4" name="Slide Number Placeholder 3"/>
+          <p:cNvSpPr>
+            <a:spLocks noGrp="1"/>
+          </p:cNvSpPr>
+          <p:nvPr>
+            <p:ph type="sldNum" sz="quarter" idx="10"/>
+          </p:nvPr>
+        </p:nvSpPr>
+        <p:spPr/>
+        <p:txBody>
+          <a:bodyPr/>
+          <a:lstStyle/>
+          <a:p>
+            <a:fld id="{B6F15528-21DE-4FAA-801E-634DDDAF4B2B}" type="slidenum">
+              <a:rPr lang="en-US" smtClean="0"/>
+              <a:pPr/>
+              <a:t>16</a:t>
+            </a:fld>
+            <a:endParaRPr lang="en-US"/>
           </a:p>
         </p:txBody>
       </p:sp>
@@ -8114,11 +9186,11 @@
           <a:p>
             <a:r>
               <a:rPr lang="en-US" dirty="0"/>
-              <a:t>HTML5 Semantic Tags </a:t>
-            </a:r>
-            <a:r>
-              <a:rPr lang="en-US" dirty="0" smtClean="0"/>
-              <a:t>(4)</a:t>
+              <a:t>HTML5 </a:t>
+            </a:r>
+            <a:r>
+              <a:rPr lang="en-US" dirty="0" smtClean="0"/>
+              <a:t>Structure Tags (2)</a:t>
             </a:r>
             <a:endParaRPr lang="en-US" dirty="0"/>
           </a:p>
@@ -8138,6 +9210,128 @@
         <p:txBody>
           <a:bodyPr/>
           <a:lstStyle/>
+          <a:p>
+            <a:pPr marL="282575" lvl="2" indent="-282575">
+              <a:lnSpc>
+                <a:spcPct val="90000"/>
+              </a:lnSpc>
+              <a:buClr>
+                <a:schemeClr val="accent5">
+                  <a:lumMod val="40000"/>
+                  <a:lumOff val="60000"/>
+                </a:schemeClr>
+              </a:buClr>
+              <a:buSzPct val="70000"/>
+              <a:buFont typeface="Wingdings 2" pitchFamily="18" charset="2"/>
+              <a:buChar char=""/>
+              <a:tabLst>
+                <a:tab pos="282575" algn="l"/>
+              </a:tabLst>
+            </a:pPr>
+            <a:r>
+              <a:rPr lang="en-US" sz="3200" dirty="0" smtClean="0">
+                <a:solidFill>
+                  <a:schemeClr val="accent5">
+                    <a:lumMod val="20000"/>
+                    <a:lumOff val="80000"/>
+                  </a:schemeClr>
+                </a:solidFill>
+                <a:latin typeface="Consolas" pitchFamily="49" charset="0"/>
+                <a:cs typeface="Consolas" pitchFamily="49" charset="0"/>
+              </a:rPr>
+              <a:t>&lt;</a:t>
+            </a:r>
+            <a:r>
+              <a:rPr lang="en-US" sz="3200" noProof="1">
+                <a:solidFill>
+                  <a:schemeClr val="accent5">
+                    <a:lumMod val="20000"/>
+                    <a:lumOff val="80000"/>
+                  </a:schemeClr>
+                </a:solidFill>
+                <a:latin typeface="Consolas" pitchFamily="49" charset="0"/>
+                <a:cs typeface="Consolas" pitchFamily="49" charset="0"/>
+              </a:rPr>
+              <a:t>nav</a:t>
+            </a:r>
+            <a:r>
+              <a:rPr lang="en-US" sz="3200" dirty="0">
+                <a:solidFill>
+                  <a:schemeClr val="accent5">
+                    <a:lumMod val="20000"/>
+                    <a:lumOff val="80000"/>
+                  </a:schemeClr>
+                </a:solidFill>
+                <a:latin typeface="Consolas" pitchFamily="49" charset="0"/>
+                <a:cs typeface="Consolas" pitchFamily="49" charset="0"/>
+              </a:rPr>
+              <a:t>&gt;</a:t>
+            </a:r>
+          </a:p>
+          <a:p>
+            <a:pPr marL="547687" lvl="3" indent="-282575">
+              <a:lnSpc>
+                <a:spcPct val="90000"/>
+              </a:lnSpc>
+              <a:buClr>
+                <a:schemeClr val="accent5">
+                  <a:lumMod val="40000"/>
+                  <a:lumOff val="60000"/>
+                </a:schemeClr>
+              </a:buClr>
+              <a:buSzPct val="70000"/>
+              <a:buFont typeface="Wingdings 2" pitchFamily="18" charset="2"/>
+              <a:buChar char=""/>
+              <a:tabLst>
+                <a:tab pos="282575" algn="l"/>
+              </a:tabLst>
+            </a:pPr>
+            <a:r>
+              <a:rPr lang="en-US" sz="3000" dirty="0" smtClean="0"/>
+              <a:t>Defines </a:t>
+            </a:r>
+            <a:r>
+              <a:rPr lang="en-US" sz="3000" dirty="0"/>
+              <a:t>a set of navigation links.</a:t>
+            </a:r>
+          </a:p>
+          <a:p>
+            <a:pPr marL="547687" lvl="3" indent="-282575">
+              <a:lnSpc>
+                <a:spcPct val="90000"/>
+              </a:lnSpc>
+              <a:buClr>
+                <a:schemeClr val="accent5">
+                  <a:lumMod val="40000"/>
+                  <a:lumOff val="60000"/>
+                </a:schemeClr>
+              </a:buClr>
+              <a:buSzPct val="70000"/>
+              <a:buFont typeface="Wingdings 2" pitchFamily="18" charset="2"/>
+              <a:buChar char=""/>
+              <a:tabLst>
+                <a:tab pos="282575" algn="l"/>
+              </a:tabLst>
+            </a:pPr>
+            <a:r>
+              <a:rPr lang="en-US" sz="3000" dirty="0" smtClean="0"/>
+              <a:t>E.g. site </a:t>
+            </a:r>
+            <a:r>
+              <a:rPr lang="en-US" sz="3000" dirty="0"/>
+              <a:t>navigation (usually in the header)</a:t>
+            </a:r>
+            <a:endParaRPr lang="en-US" sz="3200" dirty="0" smtClean="0">
+              <a:solidFill>
+                <a:schemeClr val="accent5">
+                  <a:lumMod val="20000"/>
+                  <a:lumOff val="80000"/>
+                </a:schemeClr>
+              </a:solidFill>
+              <a:latin typeface="Consolas" pitchFamily="49" charset="0"/>
+              <a:cs typeface="Consolas" pitchFamily="49" charset="0"/>
+            </a:endParaRPr>
+          </a:p>
           <a:p>
             <a:pPr marL="282575" lvl="2" indent="-282575">
               <a:lnSpc>
@@ -8167,7 +9361,20 @@
                 <a:latin typeface="Consolas" pitchFamily="49" charset="0"/>
                 <a:cs typeface="Consolas" pitchFamily="49" charset="0"/>
               </a:rPr>
-              <a:t>&lt;aside&gt;</a:t>
+              <a:t>&lt;aside</a:t>
+            </a:r>
+            <a:r>
+              <a:rPr lang="en-US" sz="3200" dirty="0">
+                <a:solidFill>
+                  <a:schemeClr val="accent5">
+                    <a:lumMod val="20000"/>
+                    <a:lumOff val="80000"/>
+                  </a:schemeClr>
+                </a:solidFill>
+                <a:latin typeface="Consolas" pitchFamily="49" charset="0"/>
+                <a:cs typeface="Consolas" pitchFamily="49" charset="0"/>
+              </a:rPr>
+              <a:t>&gt;</a:t>
             </a:r>
           </a:p>
           <a:p>
@@ -8190,50 +9397,8 @@
             </a:pPr>
             <a:r>
               <a:rPr lang="en-US" sz="3000" dirty="0" smtClean="0"/>
-              <a:t>Sidebar (usually on the left or on the right)</a:t>
-            </a:r>
-          </a:p>
-          <a:p>
-            <a:pPr marL="282575" lvl="2" indent="-282575">
-              <a:lnSpc>
-                <a:spcPct val="100000"/>
-              </a:lnSpc>
-              <a:buClr>
-                <a:schemeClr val="accent5">
-                  <a:lumMod val="40000"/>
-                  <a:lumOff val="60000"/>
-                </a:schemeClr>
-              </a:buClr>
-              <a:buSzPct val="70000"/>
-              <a:buFont typeface="Wingdings 2" pitchFamily="18" charset="2"/>
-              <a:buChar char=""/>
-              <a:tabLst>
-                <a:tab pos="282575" algn="l"/>
-              </a:tabLst>
-            </a:pPr>
-            <a:r>
-              <a:rPr lang="en-US" sz="3200" dirty="0" smtClean="0">
-                <a:solidFill>
-                  <a:schemeClr val="accent5">
-                    <a:lumMod val="20000"/>
-                    <a:lumOff val="80000"/>
-                  </a:schemeClr>
-                </a:solidFill>
-                <a:latin typeface="Consolas" pitchFamily="49" charset="0"/>
-                <a:cs typeface="Consolas" pitchFamily="49" charset="0"/>
-              </a:rPr>
-              <a:t>&lt;figure&gt;</a:t>
-            </a:r>
-            <a:endParaRPr lang="en-US" sz="3200" dirty="0">
-              <a:solidFill>
-                <a:schemeClr val="accent5">
-                  <a:lumMod val="20000"/>
-                  <a:lumOff val="80000"/>
-                </a:schemeClr>
-              </a:solidFill>
-              <a:latin typeface="Consolas" pitchFamily="49" charset="0"/>
-              <a:cs typeface="Consolas" pitchFamily="49" charset="0"/>
-            </a:endParaRPr>
+              <a:t>Content slightly related to primary content</a:t>
+            </a:r>
           </a:p>
           <a:p>
             <a:pPr marL="547687" lvl="3" indent="-282575">
@@ -8255,13 +9420,17 @@
             </a:pPr>
             <a:r>
               <a:rPr lang="en-US" sz="3000" dirty="0" smtClean="0"/>
-              <a:t>Figure (a figure, e.g. inside an article)</a:t>
+              <a:t>E.g. sidebar </a:t>
+            </a:r>
+            <a:r>
+              <a:rPr lang="en-US" sz="3000" dirty="0"/>
+              <a:t>(usually on the left or on the right)</a:t>
             </a:r>
           </a:p>
           <a:p>
             <a:pPr marL="282575" lvl="2" indent="-282575">
               <a:lnSpc>
-                <a:spcPct val="100000"/>
+                <a:spcPct val="90000"/>
               </a:lnSpc>
               <a:buClr>
                 <a:schemeClr val="accent5">
@@ -8287,39 +9456,13 @@
                 <a:latin typeface="Consolas" pitchFamily="49" charset="0"/>
                 <a:cs typeface="Consolas" pitchFamily="49" charset="0"/>
               </a:rPr>
-              <a:t>&lt;</a:t>
-            </a:r>
-            <a:r>
-              <a:rPr lang="en-US" sz="3200" noProof="1">
-                <a:solidFill>
-                  <a:schemeClr val="accent5">
-                    <a:lumMod val="20000"/>
-                    <a:lumOff val="80000"/>
-                  </a:schemeClr>
-                </a:solidFill>
-                <a:latin typeface="Consolas" pitchFamily="49" charset="0"/>
-                <a:cs typeface="Consolas" pitchFamily="49" charset="0"/>
-              </a:rPr>
-              <a:t>figcaption</a:t>
-            </a:r>
-            <a:r>
-              <a:rPr lang="en-US" sz="3200" dirty="0">
-                <a:solidFill>
-                  <a:schemeClr val="accent5">
-                    <a:lumMod val="20000"/>
-                    <a:lumOff val="80000"/>
-                  </a:schemeClr>
-                </a:solidFill>
-                <a:latin typeface="Consolas" pitchFamily="49" charset="0"/>
-                <a:cs typeface="Consolas" pitchFamily="49" charset="0"/>
-              </a:rPr>
-              <a:t>&gt;</a:t>
+              <a:t>&lt;section&gt;</a:t>
             </a:r>
           </a:p>
           <a:p>
             <a:pPr marL="547687" lvl="3" indent="-282575">
               <a:lnSpc>
-                <a:spcPct val="100000"/>
+                <a:spcPct val="90000"/>
               </a:lnSpc>
               <a:buClr>
                 <a:schemeClr val="accent5">
@@ -8336,38 +9479,13 @@
             </a:pPr>
             <a:r>
               <a:rPr lang="en-US" sz="3000" dirty="0"/>
-              <a:t>A caption of </a:t>
-            </a:r>
-            <a:r>
-              <a:rPr lang="en-US" sz="3000" dirty="0" smtClean="0"/>
-              <a:t>a </a:t>
-            </a:r>
-            <a:r>
-              <a:rPr lang="en-US" sz="3000" dirty="0"/>
-              <a:t>figure (inside the </a:t>
-            </a:r>
-            <a:r>
-              <a:rPr lang="en-US" sz="3000" noProof="1">
-                <a:solidFill>
-                  <a:schemeClr val="accent5">
-                    <a:lumMod val="20000"/>
-                    <a:lumOff val="80000"/>
-                  </a:schemeClr>
-                </a:solidFill>
-                <a:latin typeface="Consolas" pitchFamily="49" charset="0"/>
-                <a:cs typeface="Consolas" pitchFamily="49" charset="0"/>
-              </a:rPr>
-              <a:t>&lt;figure&gt;</a:t>
-            </a:r>
-            <a:r>
-              <a:rPr lang="en-US" sz="3000" dirty="0"/>
-              <a:t> tag)</a:t>
-            </a:r>
-          </a:p>
-          <a:p>
-            <a:pPr marL="282575" lvl="2" indent="-282575">
+              <a:t>Grouping of content usually with a heading, similar to chapters</a:t>
+            </a:r>
+          </a:p>
+          <a:p>
+            <a:pPr marL="547687" lvl="3" indent="-282575">
               <a:lnSpc>
-                <a:spcPct val="100000"/>
+                <a:spcPct val="90000"/>
               </a:lnSpc>
               <a:buClr>
                 <a:schemeClr val="accent5">
@@ -8383,109 +9501,63 @@
               </a:tabLst>
             </a:pPr>
             <a:r>
-              <a:rPr lang="en-US" sz="3200" dirty="0">
-                <a:solidFill>
-                  <a:schemeClr val="accent5">
-                    <a:lumMod val="20000"/>
-                    <a:lumOff val="80000"/>
-                  </a:schemeClr>
-                </a:solidFill>
-                <a:latin typeface="Consolas" pitchFamily="49" charset="0"/>
-                <a:cs typeface="Consolas" pitchFamily="49" charset="0"/>
-              </a:rPr>
-              <a:t>&lt;</a:t>
-            </a:r>
-            <a:r>
-              <a:rPr lang="en-US" sz="3200" noProof="1">
-                <a:solidFill>
-                  <a:schemeClr val="accent5">
-                    <a:lumMod val="20000"/>
-                    <a:lumOff val="80000"/>
-                  </a:schemeClr>
-                </a:solidFill>
-                <a:latin typeface="Consolas" pitchFamily="49" charset="0"/>
-                <a:cs typeface="Consolas" pitchFamily="49" charset="0"/>
-              </a:rPr>
-              <a:t>audio</a:t>
-            </a:r>
-            <a:r>
-              <a:rPr lang="en-US" sz="3200" dirty="0">
-                <a:solidFill>
-                  <a:schemeClr val="accent5">
-                    <a:lumMod val="20000"/>
-                    <a:lumOff val="80000"/>
-                  </a:schemeClr>
-                </a:solidFill>
-                <a:latin typeface="Consolas" pitchFamily="49" charset="0"/>
-                <a:cs typeface="Consolas" pitchFamily="49" charset="0"/>
-              </a:rPr>
-              <a:t>&gt;</a:t>
-            </a:r>
-            <a:r>
-              <a:rPr lang="en-US" sz="3200" dirty="0"/>
-              <a:t> / </a:t>
-            </a:r>
-            <a:r>
-              <a:rPr lang="en-US" sz="3200" dirty="0">
-                <a:solidFill>
-                  <a:schemeClr val="accent5">
-                    <a:lumMod val="20000"/>
-                    <a:lumOff val="80000"/>
-                  </a:schemeClr>
-                </a:solidFill>
-                <a:latin typeface="Consolas" pitchFamily="49" charset="0"/>
-                <a:cs typeface="Consolas" pitchFamily="49" charset="0"/>
-              </a:rPr>
-              <a:t>&lt;video&gt;</a:t>
-            </a:r>
-          </a:p>
-          <a:p>
-            <a:pPr marL="547687" lvl="3" indent="-282575">
-              <a:lnSpc>
-                <a:spcPct val="100000"/>
-              </a:lnSpc>
-              <a:buClr>
+              <a:rPr lang="en-US" sz="3000" dirty="0"/>
+              <a:t>Site section (e.g. news, comments, links, </a:t>
+            </a:r>
+            <a:r>
+              <a:rPr lang="en-US" sz="3000" dirty="0" smtClean="0"/>
+              <a:t>…)</a:t>
+            </a:r>
+            <a:endParaRPr lang="en-US" sz="3400" dirty="0">
+              <a:solidFill>
                 <a:schemeClr val="accent5">
-                  <a:lumMod val="40000"/>
-                  <a:lumOff val="60000"/>
+                  <a:lumMod val="20000"/>
+                  <a:lumOff val="80000"/>
                 </a:schemeClr>
-              </a:buClr>
-              <a:buSzPct val="70000"/>
-              <a:buFont typeface="Wingdings 2" pitchFamily="18" charset="2"/>
-              <a:buChar char=""/>
-              <a:tabLst>
-                <a:tab pos="282575" algn="l"/>
-              </a:tabLst>
-            </a:pPr>
-            <a:r>
-              <a:rPr lang="en-US" sz="3000" dirty="0"/>
-              <a:t>Audio / video element (uses the built-in player</a:t>
-            </a:r>
-            <a:r>
-              <a:rPr lang="en-US" sz="3000" dirty="0" smtClean="0"/>
-              <a:t>)</a:t>
-            </a:r>
-            <a:endParaRPr lang="en-US" sz="3000" dirty="0"/>
+              </a:solidFill>
+              <a:latin typeface="Consolas" pitchFamily="49" charset="0"/>
+              <a:cs typeface="Consolas" pitchFamily="49" charset="0"/>
+            </a:endParaRPr>
+          </a:p>
+          <a:p>
+            <a:endParaRPr lang="en-US" dirty="0"/>
+          </a:p>
+        </p:txBody>
+      </p:sp>
+      <p:sp>
+        <p:nvSpPr>
+          <p:cNvPr id="4" name="Slide Number Placeholder 3"/>
+          <p:cNvSpPr>
+            <a:spLocks noGrp="1"/>
+          </p:cNvSpPr>
+          <p:nvPr>
+            <p:ph type="sldNum" sz="quarter" idx="10"/>
+          </p:nvPr>
+        </p:nvSpPr>
+        <p:spPr/>
+        <p:txBody>
+          <a:bodyPr/>
+          <a:lstStyle/>
+          <a:p>
+            <a:fld id="{B6F15528-21DE-4FAA-801E-634DDDAF4B2B}" type="slidenum">
+              <a:rPr lang="en-US" smtClean="0"/>
+              <a:pPr/>
+              <a:t>17</a:t>
+            </a:fld>
+            <a:endParaRPr lang="en-US"/>
           </a:p>
         </p:txBody>
       </p:sp>
     </p:spTree>
     <p:extLst>
       <p:ext uri="{BB962C8B-B14F-4D97-AF65-F5344CB8AC3E}">
-        <p14:creationId xmlns:p14="http://schemas.microsoft.com/office/powerpoint/2010/main" val="1626963388"/>
+        <p14:creationId xmlns:p14="http://schemas.microsoft.com/office/powerpoint/2010/main" val="1327539548"/>
       </p:ext>
     </p:extLst>
   </p:cSld>
   <p:clrMapOvr>
     <a:masterClrMapping/>
   </p:clrMapOvr>
-  <p:timing>
-    <p:tnLst>
-      <p:par>
-        <p:cTn id="1" dur="indefinite" restart="never" nodeType="tmRoot"/>
-      </p:par>
-    </p:tnLst>
-  </p:timing>
 </p:sld>
 </file>
 
@@ -8523,11 +9595,11 @@
           <a:p>
             <a:r>
               <a:rPr lang="en-US" dirty="0"/>
-              <a:t>HTML5 Semantic Tags </a:t>
-            </a:r>
-            <a:r>
-              <a:rPr lang="en-US" dirty="0" smtClean="0"/>
-              <a:t>(5)</a:t>
+              <a:t>HTML5 </a:t>
+            </a:r>
+            <a:r>
+              <a:rPr lang="en-US" dirty="0" smtClean="0"/>
+              <a:t>Content Tags</a:t>
             </a:r>
             <a:endParaRPr lang="en-US" dirty="0"/>
           </a:p>
@@ -8543,10 +9615,70 @@
             <p:ph idx="1"/>
           </p:nvPr>
         </p:nvSpPr>
-        <p:spPr/>
+        <p:spPr>
+          <a:xfrm>
+            <a:off x="228600" y="838200"/>
+            <a:ext cx="8686800" cy="5791200"/>
+          </a:xfrm>
+        </p:spPr>
         <p:txBody>
           <a:bodyPr/>
           <a:lstStyle/>
+          <a:p>
+            <a:pPr marL="282575" lvl="2" indent="-282575">
+              <a:lnSpc>
+                <a:spcPct val="90000"/>
+              </a:lnSpc>
+              <a:buClr>
+                <a:schemeClr val="accent5">
+                  <a:lumMod val="40000"/>
+                  <a:lumOff val="60000"/>
+                </a:schemeClr>
+              </a:buClr>
+              <a:buSzPct val="70000"/>
+              <a:buFont typeface="Wingdings 2" pitchFamily="18" charset="2"/>
+              <a:buChar char=""/>
+              <a:tabLst>
+                <a:tab pos="282575" algn="l"/>
+              </a:tabLst>
+            </a:pPr>
+            <a:r>
+              <a:rPr lang="en-US" sz="3200" dirty="0">
+                <a:solidFill>
+                  <a:schemeClr val="accent5">
+                    <a:lumMod val="20000"/>
+                    <a:lumOff val="80000"/>
+                  </a:schemeClr>
+                </a:solidFill>
+                <a:latin typeface="Consolas" pitchFamily="49" charset="0"/>
+                <a:cs typeface="Consolas" pitchFamily="49" charset="0"/>
+              </a:rPr>
+              <a:t>&lt;article&gt;</a:t>
+            </a:r>
+          </a:p>
+          <a:p>
+            <a:pPr marL="547687" lvl="3" indent="-282575">
+              <a:lnSpc>
+                <a:spcPct val="90000"/>
+              </a:lnSpc>
+              <a:buClr>
+                <a:schemeClr val="accent5">
+                  <a:lumMod val="40000"/>
+                  <a:lumOff val="60000"/>
+                </a:schemeClr>
+              </a:buClr>
+              <a:buSzPct val="70000"/>
+              <a:buFont typeface="Wingdings 2" pitchFamily="18" charset="2"/>
+              <a:buChar char=""/>
+              <a:tabLst>
+                <a:tab pos="282575" algn="l"/>
+              </a:tabLst>
+            </a:pPr>
+            <a:r>
+              <a:rPr lang="en-US" sz="3000" dirty="0"/>
+              <a:t>Independent content such as blog post or an article (e.g. news item)</a:t>
+            </a:r>
+          </a:p>
           <a:p>
             <a:pPr marL="282575" lvl="2" indent="-282575">
               <a:lnSpc>
@@ -8646,9 +9778,16 @@
             </a:pPr>
             <a:r>
               <a:rPr lang="en-US" sz="3000" dirty="0" smtClean="0"/>
-              <a:t>Accordion-like widget (can be open / closed)</a:t>
-            </a:r>
-            <a:endParaRPr lang="en-US" sz="3000" dirty="0"/>
+              <a:t>Specifies </a:t>
+            </a:r>
+            <a:r>
+              <a:rPr lang="en-US" sz="3000" dirty="0"/>
+              <a:t>additional details that the user can view or hide on </a:t>
+            </a:r>
+            <a:r>
+              <a:rPr lang="en-US" sz="3000" dirty="0" smtClean="0"/>
+              <a:t>demand (accordion-like widget)</a:t>
+            </a:r>
           </a:p>
           <a:p>
             <a:pPr marL="282575" lvl="2" indent="-282575">
@@ -8679,7 +9818,7 @@
                 <a:latin typeface="Consolas" pitchFamily="49" charset="0"/>
                 <a:cs typeface="Consolas" pitchFamily="49" charset="0"/>
               </a:rPr>
-              <a:t>&lt;hgroup</a:t>
+              <a:t>&lt;time</a:t>
             </a:r>
             <a:r>
               <a:rPr lang="en-US" sz="3200" dirty="0" smtClean="0">
@@ -8694,6 +9833,16 @@
               </a:rPr>
               <a:t>&gt;</a:t>
             </a:r>
+            <a:endParaRPr lang="en-US" sz="3200" dirty="0">
+              <a:solidFill>
+                <a:schemeClr val="accent5">
+                  <a:lumMod val="20000"/>
+                  <a:lumOff val="80000"/>
+                </a:schemeClr>
+              </a:solidFill>
+              <a:latin typeface="Consolas" pitchFamily="49" charset="0"/>
+              <a:cs typeface="Consolas" pitchFamily="49" charset="0"/>
+            </a:endParaRPr>
           </a:p>
           <a:p>
             <a:pPr marL="547687" lvl="3" indent="-282575">
@@ -8715,42 +9864,9 @@
             </a:pPr>
             <a:r>
               <a:rPr lang="en-US" sz="3000" dirty="0" smtClean="0"/>
-              <a:t>Group article header + subheader </a:t>
-            </a:r>
-            <a:r>
-              <a:rPr lang="en-US" sz="3000" dirty="0" smtClean="0">
-                <a:solidFill>
-                  <a:schemeClr val="accent5">
-                    <a:lumMod val="20000"/>
-                    <a:lumOff val="80000"/>
-                  </a:schemeClr>
-                </a:solidFill>
-                <a:latin typeface="Consolas" pitchFamily="49" charset="0"/>
-                <a:cs typeface="Consolas" pitchFamily="49" charset="0"/>
-              </a:rPr>
-              <a:t>(&lt;h1&gt;</a:t>
-            </a:r>
-            <a:r>
-              <a:rPr lang="en-US" sz="3000" dirty="0" smtClean="0"/>
-              <a:t> + </a:t>
-            </a:r>
-            <a:r>
-              <a:rPr lang="en-US" sz="3000" dirty="0" smtClean="0">
-                <a:solidFill>
-                  <a:schemeClr val="accent5">
-                    <a:lumMod val="20000"/>
-                    <a:lumOff val="80000"/>
-                  </a:schemeClr>
-                </a:solidFill>
-                <a:latin typeface="Consolas" pitchFamily="49" charset="0"/>
-                <a:cs typeface="Consolas" pitchFamily="49" charset="0"/>
-              </a:rPr>
-              <a:t>&lt;h2&gt;</a:t>
-            </a:r>
-            <a:r>
-              <a:rPr lang="en-US" sz="3000" dirty="0" smtClean="0"/>
-              <a:t>)</a:t>
-            </a:r>
+              <a:t>Specifies date / time (for a post / article / news)</a:t>
+            </a:r>
+            <a:endParaRPr lang="en-US" sz="3000" dirty="0"/>
           </a:p>
           <a:p>
             <a:pPr marL="282575" lvl="2" indent="-282575">
@@ -8781,7 +9897,7 @@
                 <a:latin typeface="Consolas" pitchFamily="49" charset="0"/>
                 <a:cs typeface="Consolas" pitchFamily="49" charset="0"/>
               </a:rPr>
-              <a:t>&lt;time</a:t>
+              <a:t>&lt;mark</a:t>
             </a:r>
             <a:r>
               <a:rPr lang="en-US" sz="3200" dirty="0" smtClean="0">
@@ -8826,50 +9942,33 @@
               </a:tabLst>
             </a:pPr>
             <a:r>
-              <a:rPr lang="en-US" sz="3000" dirty="0" smtClean="0"/>
-              <a:t>Specifies date / time (for a post / article / news)</a:t>
-            </a:r>
-            <a:endParaRPr lang="en-US" sz="3000" dirty="0"/>
-          </a:p>
-          <a:p>
-            <a:pPr marL="547687" lvl="3" indent="-282575">
-              <a:lnSpc>
-                <a:spcPct val="100000"/>
-              </a:lnSpc>
-              <a:buClr>
-                <a:schemeClr val="accent5">
-                  <a:lumMod val="40000"/>
-                  <a:lumOff val="60000"/>
-                </a:schemeClr>
-              </a:buClr>
-              <a:buSzPct val="70000"/>
-              <a:buFont typeface="Wingdings 2" pitchFamily="18" charset="2"/>
-              <a:buChar char=""/>
-              <a:tabLst>
-                <a:tab pos="282575" algn="l"/>
-              </a:tabLst>
-            </a:pPr>
-            <a:endParaRPr lang="en-US" sz="3200" dirty="0"/>
-          </a:p>
-          <a:p>
-            <a:pPr marL="282575" lvl="2" indent="-282575">
-              <a:lnSpc>
-                <a:spcPct val="100000"/>
-              </a:lnSpc>
-              <a:buClr>
-                <a:schemeClr val="accent5">
-                  <a:lumMod val="40000"/>
-                  <a:lumOff val="60000"/>
-                </a:schemeClr>
-              </a:buClr>
-              <a:buSzPct val="70000"/>
-              <a:buFont typeface="Wingdings 2" pitchFamily="18" charset="2"/>
-              <a:buChar char=""/>
-              <a:tabLst>
-                <a:tab pos="282575" algn="l"/>
-              </a:tabLst>
-            </a:pPr>
-            <a:endParaRPr lang="en-US" sz="3200" dirty="0"/>
+              <a:rPr lang="en-US" sz="3000" dirty="0"/>
+              <a:t>Defines marked/highlighted text</a:t>
+            </a:r>
+          </a:p>
+        </p:txBody>
+      </p:sp>
+      <p:sp>
+        <p:nvSpPr>
+          <p:cNvPr id="4" name="Slide Number Placeholder 3"/>
+          <p:cNvSpPr>
+            <a:spLocks noGrp="1"/>
+          </p:cNvSpPr>
+          <p:nvPr>
+            <p:ph type="sldNum" sz="quarter" idx="10"/>
+          </p:nvPr>
+        </p:nvSpPr>
+        <p:spPr/>
+        <p:txBody>
+          <a:bodyPr/>
+          <a:lstStyle/>
+          <a:p>
+            <a:fld id="{B6F15528-21DE-4FAA-801E-634DDDAF4B2B}" type="slidenum">
+              <a:rPr lang="en-US" smtClean="0"/>
+              <a:pPr/>
+              <a:t>18</a:t>
+            </a:fld>
+            <a:endParaRPr lang="en-US"/>
           </a:p>
         </p:txBody>
       </p:sp>
@@ -8894,6 +9993,1286 @@
 </file>
 
 <file path=ppt/slides/slide19.xml><?xml version="1.0" encoding="utf-8"?>
+<p:sld xmlns:a="http://schemas.openxmlformats.org/drawingml/2006/main" xmlns:r="http://schemas.openxmlformats.org/officeDocument/2006/relationships" xmlns:p="http://schemas.openxmlformats.org/presentationml/2006/main">
+  <p:cSld>
+    <p:spTree>
+      <p:nvGrpSpPr>
+        <p:cNvPr id="1" name=""/>
+        <p:cNvGrpSpPr/>
+        <p:nvPr/>
+      </p:nvGrpSpPr>
+      <p:grpSpPr>
+        <a:xfrm>
+          <a:off x="0" y="0"/>
+          <a:ext cx="0" cy="0"/>
+          <a:chOff x="0" y="0"/>
+          <a:chExt cx="0" cy="0"/>
+        </a:xfrm>
+      </p:grpSpPr>
+      <p:sp>
+        <p:nvSpPr>
+          <p:cNvPr id="2" name="Title 1"/>
+          <p:cNvSpPr>
+            <a:spLocks noGrp="1"/>
+          </p:cNvSpPr>
+          <p:nvPr>
+            <p:ph type="title"/>
+          </p:nvPr>
+        </p:nvSpPr>
+        <p:spPr/>
+        <p:txBody>
+          <a:bodyPr/>
+          <a:lstStyle/>
+          <a:p>
+            <a:r>
+              <a:rPr lang="en-US" dirty="0"/>
+              <a:t>HTML5 </a:t>
+            </a:r>
+            <a:r>
+              <a:rPr lang="en-US" dirty="0" smtClean="0"/>
+              <a:t>Content Tags (2)</a:t>
+            </a:r>
+            <a:endParaRPr lang="en-US" dirty="0"/>
+          </a:p>
+        </p:txBody>
+      </p:sp>
+      <p:sp>
+        <p:nvSpPr>
+          <p:cNvPr id="3" name="Content Placeholder 2"/>
+          <p:cNvSpPr>
+            <a:spLocks noGrp="1"/>
+          </p:cNvSpPr>
+          <p:nvPr>
+            <p:ph idx="1"/>
+          </p:nvPr>
+        </p:nvSpPr>
+        <p:spPr>
+          <a:xfrm>
+            <a:off x="228600" y="838200"/>
+            <a:ext cx="8839200" cy="5791200"/>
+          </a:xfrm>
+        </p:spPr>
+        <p:txBody>
+          <a:bodyPr/>
+          <a:lstStyle/>
+          <a:p>
+            <a:pPr marL="282575" lvl="2" indent="-282575">
+              <a:lnSpc>
+                <a:spcPct val="100000"/>
+              </a:lnSpc>
+              <a:buClr>
+                <a:schemeClr val="accent5">
+                  <a:lumMod val="40000"/>
+                  <a:lumOff val="60000"/>
+                </a:schemeClr>
+              </a:buClr>
+              <a:buSzPct val="70000"/>
+              <a:buFont typeface="Wingdings 2" pitchFamily="18" charset="2"/>
+              <a:buChar char=""/>
+              <a:tabLst>
+                <a:tab pos="282575" algn="l"/>
+              </a:tabLst>
+            </a:pPr>
+            <a:r>
+              <a:rPr lang="en-US" sz="3200" dirty="0" smtClean="0">
+                <a:solidFill>
+                  <a:schemeClr val="accent5">
+                    <a:lumMod val="20000"/>
+                    <a:lumOff val="80000"/>
+                  </a:schemeClr>
+                </a:solidFill>
+                <a:latin typeface="Consolas" pitchFamily="49" charset="0"/>
+                <a:cs typeface="Consolas" pitchFamily="49" charset="0"/>
+              </a:rPr>
+              <a:t>&lt;figure&gt;</a:t>
+            </a:r>
+            <a:endParaRPr lang="en-US" sz="3200" dirty="0">
+              <a:solidFill>
+                <a:schemeClr val="accent5">
+                  <a:lumMod val="20000"/>
+                  <a:lumOff val="80000"/>
+                </a:schemeClr>
+              </a:solidFill>
+              <a:latin typeface="Consolas" pitchFamily="49" charset="0"/>
+              <a:cs typeface="Consolas" pitchFamily="49" charset="0"/>
+            </a:endParaRPr>
+          </a:p>
+          <a:p>
+            <a:pPr marL="547687" lvl="3" indent="-282575">
+              <a:lnSpc>
+                <a:spcPct val="100000"/>
+              </a:lnSpc>
+              <a:buClr>
+                <a:schemeClr val="accent5">
+                  <a:lumMod val="40000"/>
+                  <a:lumOff val="60000"/>
+                </a:schemeClr>
+              </a:buClr>
+              <a:buSzPct val="70000"/>
+              <a:buFont typeface="Wingdings 2" pitchFamily="18" charset="2"/>
+              <a:buChar char=""/>
+              <a:tabLst>
+                <a:tab pos="282575" algn="l"/>
+              </a:tabLst>
+            </a:pPr>
+            <a:r>
+              <a:rPr lang="en-US" sz="3000" dirty="0" smtClean="0"/>
+              <a:t>Grouping stand-alone content (video or image)</a:t>
+            </a:r>
+          </a:p>
+          <a:p>
+            <a:pPr marL="547687" lvl="3" indent="-282575">
+              <a:lnSpc>
+                <a:spcPct val="100000"/>
+              </a:lnSpc>
+              <a:buClr>
+                <a:schemeClr val="accent5">
+                  <a:lumMod val="40000"/>
+                  <a:lumOff val="60000"/>
+                </a:schemeClr>
+              </a:buClr>
+              <a:buSzPct val="70000"/>
+              <a:buFont typeface="Wingdings 2" pitchFamily="18" charset="2"/>
+              <a:buChar char=""/>
+              <a:tabLst>
+                <a:tab pos="282575" algn="l"/>
+              </a:tabLst>
+            </a:pPr>
+            <a:r>
+              <a:rPr lang="en-US" sz="3000" dirty="0" smtClean="0"/>
+              <a:t>Figure (a figure, e.g. inside an article)</a:t>
+            </a:r>
+          </a:p>
+          <a:p>
+            <a:pPr marL="282575" lvl="2" indent="-282575">
+              <a:lnSpc>
+                <a:spcPct val="100000"/>
+              </a:lnSpc>
+              <a:buClr>
+                <a:schemeClr val="accent5">
+                  <a:lumMod val="40000"/>
+                  <a:lumOff val="60000"/>
+                </a:schemeClr>
+              </a:buClr>
+              <a:buSzPct val="70000"/>
+              <a:buFont typeface="Wingdings 2" pitchFamily="18" charset="2"/>
+              <a:buChar char=""/>
+              <a:tabLst>
+                <a:tab pos="282575" algn="l"/>
+              </a:tabLst>
+            </a:pPr>
+            <a:r>
+              <a:rPr lang="en-US" sz="3200" dirty="0">
+                <a:solidFill>
+                  <a:schemeClr val="accent5">
+                    <a:lumMod val="20000"/>
+                    <a:lumOff val="80000"/>
+                  </a:schemeClr>
+                </a:solidFill>
+                <a:latin typeface="Consolas" pitchFamily="49" charset="0"/>
+                <a:cs typeface="Consolas" pitchFamily="49" charset="0"/>
+              </a:rPr>
+              <a:t>&lt;</a:t>
+            </a:r>
+            <a:r>
+              <a:rPr lang="en-US" sz="3200" noProof="1">
+                <a:solidFill>
+                  <a:schemeClr val="accent5">
+                    <a:lumMod val="20000"/>
+                    <a:lumOff val="80000"/>
+                  </a:schemeClr>
+                </a:solidFill>
+                <a:latin typeface="Consolas" pitchFamily="49" charset="0"/>
+                <a:cs typeface="Consolas" pitchFamily="49" charset="0"/>
+              </a:rPr>
+              <a:t>figcaption</a:t>
+            </a:r>
+            <a:r>
+              <a:rPr lang="en-US" sz="3200" dirty="0">
+                <a:solidFill>
+                  <a:schemeClr val="accent5">
+                    <a:lumMod val="20000"/>
+                    <a:lumOff val="80000"/>
+                  </a:schemeClr>
+                </a:solidFill>
+                <a:latin typeface="Consolas" pitchFamily="49" charset="0"/>
+                <a:cs typeface="Consolas" pitchFamily="49" charset="0"/>
+              </a:rPr>
+              <a:t>&gt;</a:t>
+            </a:r>
+          </a:p>
+          <a:p>
+            <a:pPr marL="547687" lvl="3" indent="-282575">
+              <a:lnSpc>
+                <a:spcPct val="100000"/>
+              </a:lnSpc>
+              <a:buClr>
+                <a:schemeClr val="accent5">
+                  <a:lumMod val="40000"/>
+                  <a:lumOff val="60000"/>
+                </a:schemeClr>
+              </a:buClr>
+              <a:buSzPct val="70000"/>
+              <a:buFont typeface="Wingdings 2" pitchFamily="18" charset="2"/>
+              <a:buChar char=""/>
+              <a:tabLst>
+                <a:tab pos="282575" algn="l"/>
+              </a:tabLst>
+            </a:pPr>
+            <a:r>
+              <a:rPr lang="en-US" sz="3000" dirty="0"/>
+              <a:t>A caption of </a:t>
+            </a:r>
+            <a:r>
+              <a:rPr lang="en-US" sz="3000" dirty="0" smtClean="0"/>
+              <a:t>a </a:t>
+            </a:r>
+            <a:r>
+              <a:rPr lang="en-US" sz="3000" dirty="0"/>
+              <a:t>figure (inside the </a:t>
+            </a:r>
+            <a:r>
+              <a:rPr lang="en-US" sz="3000" noProof="1">
+                <a:solidFill>
+                  <a:schemeClr val="accent5">
+                    <a:lumMod val="20000"/>
+                    <a:lumOff val="80000"/>
+                  </a:schemeClr>
+                </a:solidFill>
+                <a:latin typeface="Consolas" pitchFamily="49" charset="0"/>
+                <a:cs typeface="Consolas" pitchFamily="49" charset="0"/>
+              </a:rPr>
+              <a:t>&lt;figure&gt;</a:t>
+            </a:r>
+            <a:r>
+              <a:rPr lang="en-US" sz="3000" dirty="0"/>
+              <a:t> tag)</a:t>
+            </a:r>
+          </a:p>
+          <a:p>
+            <a:pPr marL="282575" lvl="2" indent="-282575">
+              <a:lnSpc>
+                <a:spcPct val="100000"/>
+              </a:lnSpc>
+              <a:buClr>
+                <a:schemeClr val="accent5">
+                  <a:lumMod val="40000"/>
+                  <a:lumOff val="60000"/>
+                </a:schemeClr>
+              </a:buClr>
+              <a:buSzPct val="70000"/>
+              <a:buFont typeface="Wingdings 2" pitchFamily="18" charset="2"/>
+              <a:buChar char=""/>
+              <a:tabLst>
+                <a:tab pos="282575" algn="l"/>
+              </a:tabLst>
+            </a:pPr>
+            <a:r>
+              <a:rPr lang="en-US" sz="3200" dirty="0">
+                <a:solidFill>
+                  <a:schemeClr val="accent5">
+                    <a:lumMod val="20000"/>
+                    <a:lumOff val="80000"/>
+                  </a:schemeClr>
+                </a:solidFill>
+                <a:latin typeface="Consolas" pitchFamily="49" charset="0"/>
+                <a:cs typeface="Consolas" pitchFamily="49" charset="0"/>
+              </a:rPr>
+              <a:t>&lt;video</a:t>
+            </a:r>
+            <a:r>
+              <a:rPr lang="en-US" sz="3200" dirty="0" smtClean="0">
+                <a:solidFill>
+                  <a:schemeClr val="accent5">
+                    <a:lumMod val="20000"/>
+                    <a:lumOff val="80000"/>
+                  </a:schemeClr>
+                </a:solidFill>
+                <a:latin typeface="Consolas" pitchFamily="49" charset="0"/>
+                <a:cs typeface="Consolas" pitchFamily="49" charset="0"/>
+              </a:rPr>
+              <a:t>&gt;</a:t>
+            </a:r>
+            <a:r>
+              <a:rPr lang="en-US" sz="3200" dirty="0">
+                <a:solidFill>
+                  <a:schemeClr val="tx1">
+                    <a:lumMod val="40000"/>
+                    <a:lumOff val="60000"/>
+                  </a:schemeClr>
+                </a:solidFill>
+              </a:rPr>
+              <a:t> (</a:t>
+            </a:r>
+            <a:r>
+              <a:rPr lang="en-US" sz="3200" dirty="0">
+                <a:solidFill>
+                  <a:schemeClr val="tx1">
+                    <a:lumMod val="40000"/>
+                    <a:lumOff val="60000"/>
+                  </a:schemeClr>
+                </a:solidFill>
+                <a:hlinkClick r:id="rId2"/>
+              </a:rPr>
+              <a:t>info</a:t>
+            </a:r>
+            <a:r>
+              <a:rPr lang="en-US" sz="3200" dirty="0">
+                <a:solidFill>
+                  <a:schemeClr val="tx1">
+                    <a:lumMod val="40000"/>
+                    <a:lumOff val="60000"/>
+                  </a:schemeClr>
+                </a:solidFill>
+              </a:rPr>
+              <a:t>)</a:t>
+            </a:r>
+          </a:p>
+          <a:p>
+            <a:pPr marL="547687" lvl="3" indent="-282575">
+              <a:lnSpc>
+                <a:spcPct val="100000"/>
+              </a:lnSpc>
+              <a:buClr>
+                <a:schemeClr val="accent5">
+                  <a:lumMod val="40000"/>
+                  <a:lumOff val="60000"/>
+                </a:schemeClr>
+              </a:buClr>
+              <a:buSzPct val="70000"/>
+              <a:buFont typeface="Wingdings 2" pitchFamily="18" charset="2"/>
+              <a:buChar char=""/>
+              <a:tabLst>
+                <a:tab pos="282575" algn="l"/>
+              </a:tabLst>
+            </a:pPr>
+            <a:r>
+              <a:rPr lang="en-US" sz="3000" dirty="0" smtClean="0"/>
+              <a:t>Video </a:t>
+            </a:r>
+            <a:r>
+              <a:rPr lang="en-US" sz="3000" dirty="0"/>
+              <a:t>element (uses the built-in </a:t>
+            </a:r>
+            <a:r>
+              <a:rPr lang="en-US" sz="3000" dirty="0" smtClean="0"/>
+              <a:t>player)</a:t>
+            </a:r>
+            <a:endParaRPr lang="en-US" sz="3000" dirty="0"/>
+          </a:p>
+          <a:p>
+            <a:pPr marL="282575" lvl="2" indent="-282575">
+              <a:lnSpc>
+                <a:spcPct val="100000"/>
+              </a:lnSpc>
+              <a:buClr>
+                <a:schemeClr val="accent5">
+                  <a:lumMod val="40000"/>
+                  <a:lumOff val="60000"/>
+                </a:schemeClr>
+              </a:buClr>
+              <a:buSzPct val="70000"/>
+              <a:buFont typeface="Wingdings 2" pitchFamily="18" charset="2"/>
+              <a:buChar char=""/>
+              <a:tabLst>
+                <a:tab pos="282575" algn="l"/>
+              </a:tabLst>
+            </a:pPr>
+            <a:r>
+              <a:rPr lang="en-US" sz="3200" dirty="0" smtClean="0">
+                <a:solidFill>
+                  <a:schemeClr val="accent5">
+                    <a:lumMod val="20000"/>
+                    <a:lumOff val="80000"/>
+                  </a:schemeClr>
+                </a:solidFill>
+                <a:latin typeface="Consolas" pitchFamily="49" charset="0"/>
+                <a:cs typeface="Consolas" pitchFamily="49" charset="0"/>
+              </a:rPr>
+              <a:t>&lt;</a:t>
+            </a:r>
+            <a:r>
+              <a:rPr lang="en-US" sz="3200" noProof="1">
+                <a:solidFill>
+                  <a:schemeClr val="accent5">
+                    <a:lumMod val="20000"/>
+                    <a:lumOff val="80000"/>
+                  </a:schemeClr>
+                </a:solidFill>
+                <a:latin typeface="Consolas" pitchFamily="49" charset="0"/>
+                <a:cs typeface="Consolas" pitchFamily="49" charset="0"/>
+              </a:rPr>
+              <a:t>audio</a:t>
+            </a:r>
+            <a:r>
+              <a:rPr lang="en-US" sz="3200" dirty="0" smtClean="0">
+                <a:solidFill>
+                  <a:schemeClr val="accent5">
+                    <a:lumMod val="20000"/>
+                    <a:lumOff val="80000"/>
+                  </a:schemeClr>
+                </a:solidFill>
+                <a:latin typeface="Consolas" pitchFamily="49" charset="0"/>
+                <a:cs typeface="Consolas" pitchFamily="49" charset="0"/>
+              </a:rPr>
+              <a:t>&gt;</a:t>
+            </a:r>
+            <a:r>
+              <a:rPr lang="en-US" sz="3200" dirty="0">
+                <a:solidFill>
+                  <a:schemeClr val="tx1">
+                    <a:lumMod val="40000"/>
+                    <a:lumOff val="60000"/>
+                  </a:schemeClr>
+                </a:solidFill>
+              </a:rPr>
+              <a:t> (</a:t>
+            </a:r>
+            <a:r>
+              <a:rPr lang="en-US" sz="3200" dirty="0">
+                <a:solidFill>
+                  <a:schemeClr val="tx1">
+                    <a:lumMod val="40000"/>
+                    <a:lumOff val="60000"/>
+                  </a:schemeClr>
+                </a:solidFill>
+                <a:hlinkClick r:id="rId3"/>
+              </a:rPr>
+              <a:t>info</a:t>
+            </a:r>
+            <a:r>
+              <a:rPr lang="en-US" sz="3200" dirty="0">
+                <a:solidFill>
+                  <a:schemeClr val="tx1">
+                    <a:lumMod val="40000"/>
+                    <a:lumOff val="60000"/>
+                  </a:schemeClr>
+                </a:solidFill>
+              </a:rPr>
+              <a:t>)</a:t>
+            </a:r>
+          </a:p>
+          <a:p>
+            <a:pPr marL="547687" lvl="3" indent="-282575">
+              <a:lnSpc>
+                <a:spcPct val="100000"/>
+              </a:lnSpc>
+              <a:buClr>
+                <a:schemeClr val="accent5">
+                  <a:lumMod val="40000"/>
+                  <a:lumOff val="60000"/>
+                </a:schemeClr>
+              </a:buClr>
+              <a:buSzPct val="70000"/>
+              <a:buFont typeface="Wingdings 2" pitchFamily="18" charset="2"/>
+              <a:buChar char=""/>
+              <a:tabLst>
+                <a:tab pos="282575" algn="l"/>
+              </a:tabLst>
+            </a:pPr>
+            <a:r>
+              <a:rPr lang="en-US" sz="3000" dirty="0" smtClean="0"/>
+              <a:t>A </a:t>
+            </a:r>
+            <a:r>
+              <a:rPr lang="en-US" sz="3000" dirty="0"/>
+              <a:t>standard for playing audio </a:t>
+            </a:r>
+            <a:r>
+              <a:rPr lang="en-US" sz="3000" dirty="0" smtClean="0"/>
+              <a:t>files (built-in player)</a:t>
+            </a:r>
+            <a:endParaRPr lang="en-US" sz="3000" dirty="0"/>
+          </a:p>
+        </p:txBody>
+      </p:sp>
+      <p:sp>
+        <p:nvSpPr>
+          <p:cNvPr id="4" name="Slide Number Placeholder 3"/>
+          <p:cNvSpPr>
+            <a:spLocks noGrp="1"/>
+          </p:cNvSpPr>
+          <p:nvPr>
+            <p:ph type="sldNum" sz="quarter" idx="10"/>
+          </p:nvPr>
+        </p:nvSpPr>
+        <p:spPr/>
+        <p:txBody>
+          <a:bodyPr/>
+          <a:lstStyle/>
+          <a:p>
+            <a:fld id="{B6F15528-21DE-4FAA-801E-634DDDAF4B2B}" type="slidenum">
+              <a:rPr lang="en-US" smtClean="0"/>
+              <a:pPr/>
+              <a:t>19</a:t>
+            </a:fld>
+            <a:endParaRPr lang="en-US"/>
+          </a:p>
+        </p:txBody>
+      </p:sp>
+    </p:spTree>
+    <p:extLst>
+      <p:ext uri="{BB962C8B-B14F-4D97-AF65-F5344CB8AC3E}">
+        <p14:creationId xmlns:p14="http://schemas.microsoft.com/office/powerpoint/2010/main" val="1626963388"/>
+      </p:ext>
+    </p:extLst>
+  </p:cSld>
+  <p:clrMapOvr>
+    <a:masterClrMapping/>
+  </p:clrMapOvr>
+  <p:timing>
+    <p:tnLst>
+      <p:par>
+        <p:cTn id="1" dur="indefinite" restart="never" nodeType="tmRoot"/>
+      </p:par>
+    </p:tnLst>
+  </p:timing>
+</p:sld>
+</file>
+
+<file path=ppt/slides/slide2.xml><?xml version="1.0" encoding="utf-8"?>
+<p:sld xmlns:a="http://schemas.openxmlformats.org/drawingml/2006/main" xmlns:r="http://schemas.openxmlformats.org/officeDocument/2006/relationships" xmlns:p="http://schemas.openxmlformats.org/presentationml/2006/main">
+  <p:cSld>
+    <p:spTree>
+      <p:nvGrpSpPr>
+        <p:cNvPr id="1" name=""/>
+        <p:cNvGrpSpPr/>
+        <p:nvPr/>
+      </p:nvGrpSpPr>
+      <p:grpSpPr>
+        <a:xfrm>
+          <a:off x="0" y="0"/>
+          <a:ext cx="0" cy="0"/>
+          <a:chOff x="0" y="0"/>
+          <a:chExt cx="0" cy="0"/>
+        </a:xfrm>
+      </p:grpSpPr>
+      <p:sp>
+        <p:nvSpPr>
+          <p:cNvPr id="2" name="Title 1"/>
+          <p:cNvSpPr>
+            <a:spLocks noGrp="1"/>
+          </p:cNvSpPr>
+          <p:nvPr>
+            <p:ph type="title"/>
+          </p:nvPr>
+        </p:nvSpPr>
+        <p:spPr/>
+        <p:txBody>
+          <a:bodyPr/>
+          <a:lstStyle/>
+          <a:p>
+            <a:r>
+              <a:rPr lang="en-US" dirty="0" smtClean="0"/>
+              <a:t>Table of Contents</a:t>
+            </a:r>
+            <a:endParaRPr lang="en-US" dirty="0"/>
+          </a:p>
+        </p:txBody>
+      </p:sp>
+      <p:sp>
+        <p:nvSpPr>
+          <p:cNvPr id="3" name="Content Placeholder 2"/>
+          <p:cNvSpPr>
+            <a:spLocks noGrp="1"/>
+          </p:cNvSpPr>
+          <p:nvPr>
+            <p:ph idx="1"/>
+          </p:nvPr>
+        </p:nvSpPr>
+        <p:spPr/>
+        <p:txBody>
+          <a:bodyPr/>
+          <a:lstStyle/>
+          <a:p>
+            <a:r>
+              <a:rPr lang="en-US" dirty="0"/>
+              <a:t>Web Page</a:t>
+            </a:r>
+          </a:p>
+          <a:p>
+            <a:pPr lvl="1"/>
+            <a:r>
+              <a:rPr lang="en-US" dirty="0"/>
+              <a:t>HTML, CSS and JavaScript</a:t>
+            </a:r>
+          </a:p>
+          <a:p>
+            <a:r>
+              <a:rPr lang="en-US" dirty="0"/>
+              <a:t>The Semantic HTML</a:t>
+            </a:r>
+          </a:p>
+          <a:p>
+            <a:r>
+              <a:rPr lang="en-US" dirty="0"/>
+              <a:t>HTML5 Semantic Tags</a:t>
+            </a:r>
+          </a:p>
+          <a:p>
+            <a:r>
+              <a:rPr lang="en-US" dirty="0"/>
+              <a:t>Other </a:t>
+            </a:r>
+            <a:r>
+              <a:rPr lang="en-US" dirty="0" smtClean="0"/>
+              <a:t>Semantics</a:t>
+            </a:r>
+          </a:p>
+          <a:p>
+            <a:r>
+              <a:rPr lang="en-US" dirty="0" smtClean="0"/>
+              <a:t>Accessibility</a:t>
+            </a:r>
+          </a:p>
+          <a:p>
+            <a:r>
+              <a:rPr lang="en-US" dirty="0"/>
+              <a:t>Search Engine </a:t>
+            </a:r>
+            <a:r>
+              <a:rPr lang="en-US" dirty="0" smtClean="0"/>
+              <a:t>Optimization</a:t>
+            </a:r>
+          </a:p>
+          <a:p>
+            <a:r>
+              <a:rPr lang="en-US" dirty="0" smtClean="0"/>
+              <a:t>Structured Data Markup</a:t>
+            </a:r>
+          </a:p>
+          <a:p>
+            <a:endParaRPr lang="en-US" dirty="0" smtClean="0"/>
+          </a:p>
+        </p:txBody>
+      </p:sp>
+      <p:pic>
+        <p:nvPicPr>
+          <p:cNvPr id="2050" name="Picture 2" descr="http://cdn0.fiverrcdn.com/photos/485137/medium/1312964974_217279354_5-Learn-Joomla-PHP-HTML-CSS-PhotoShop-and-Flash-Online-Sindh.jpg?1321225228"/>
+          <p:cNvPicPr>
+            <a:picLocks noChangeAspect="1" noChangeArrowheads="1"/>
+          </p:cNvPicPr>
+          <p:nvPr/>
+        </p:nvPicPr>
+        <p:blipFill>
+          <a:blip r:embed="rId2">
+            <a:extLst>
+              <a:ext uri="{28A0092B-C50C-407E-A947-70E740481C1C}">
+                <a14:useLocalDpi xmlns:a14="http://schemas.microsoft.com/office/drawing/2010/main" val="0"/>
+              </a:ext>
+            </a:extLst>
+          </a:blip>
+          <a:srcRect/>
+          <a:stretch>
+            <a:fillRect/>
+          </a:stretch>
+        </p:blipFill>
+        <p:spPr bwMode="auto">
+          <a:xfrm>
+            <a:off x="5379720" y="2438400"/>
+            <a:ext cx="3192493" cy="2226344"/>
+          </a:xfrm>
+          <a:prstGeom prst="roundRect">
+            <a:avLst>
+              <a:gd name="adj" fmla="val 8622"/>
+            </a:avLst>
+          </a:prstGeom>
+          <a:noFill/>
+          <a:ln w="28575">
+            <a:solidFill>
+              <a:srgbClr val="DDE7F2"/>
+            </a:solidFill>
+          </a:ln>
+          <a:extLst>
+            <a:ext uri="{909E8E84-426E-40DD-AFC4-6F175D3DCCD1}">
+              <a14:hiddenFill xmlns:a14="http://schemas.microsoft.com/office/drawing/2010/main">
+                <a:solidFill>
+                  <a:srgbClr val="FFFFFF"/>
+                </a:solidFill>
+              </a14:hiddenFill>
+            </a:ext>
+          </a:extLst>
+        </p:spPr>
+      </p:pic>
+      <p:sp>
+        <p:nvSpPr>
+          <p:cNvPr id="4" name="Slide Number Placeholder 3"/>
+          <p:cNvSpPr>
+            <a:spLocks noGrp="1"/>
+          </p:cNvSpPr>
+          <p:nvPr>
+            <p:ph type="sldNum" sz="quarter" idx="10"/>
+          </p:nvPr>
+        </p:nvSpPr>
+        <p:spPr/>
+        <p:txBody>
+          <a:bodyPr/>
+          <a:lstStyle/>
+          <a:p>
+            <a:fld id="{B6F15528-21DE-4FAA-801E-634DDDAF4B2B}" type="slidenum">
+              <a:rPr lang="en-US" smtClean="0"/>
+              <a:pPr/>
+              <a:t>2</a:t>
+            </a:fld>
+            <a:endParaRPr lang="en-US"/>
+          </a:p>
+        </p:txBody>
+      </p:sp>
+    </p:spTree>
+    <p:extLst>
+      <p:ext uri="{BB962C8B-B14F-4D97-AF65-F5344CB8AC3E}">
+        <p14:creationId xmlns:p14="http://schemas.microsoft.com/office/powerpoint/2010/main" val="118429748"/>
+      </p:ext>
+    </p:extLst>
+  </p:cSld>
+  <p:clrMapOvr>
+    <a:masterClrMapping/>
+  </p:clrMapOvr>
+  <p:timing>
+    <p:tnLst>
+      <p:par>
+        <p:cTn id="1" dur="indefinite" restart="never" nodeType="tmRoot"/>
+      </p:par>
+    </p:tnLst>
+  </p:timing>
+</p:sld>
+</file>
+
+<file path=ppt/slides/slide20.xml><?xml version="1.0" encoding="utf-8"?>
+<p:sld xmlns:a="http://schemas.openxmlformats.org/drawingml/2006/main" xmlns:r="http://schemas.openxmlformats.org/officeDocument/2006/relationships" xmlns:p="http://schemas.openxmlformats.org/presentationml/2006/main">
+  <p:cSld>
+    <p:spTree>
+      <p:nvGrpSpPr>
+        <p:cNvPr id="1" name=""/>
+        <p:cNvGrpSpPr/>
+        <p:nvPr/>
+      </p:nvGrpSpPr>
+      <p:grpSpPr>
+        <a:xfrm>
+          <a:off x="0" y="0"/>
+          <a:ext cx="0" cy="0"/>
+          <a:chOff x="0" y="0"/>
+          <a:chExt cx="0" cy="0"/>
+        </a:xfrm>
+      </p:grpSpPr>
+      <p:sp>
+        <p:nvSpPr>
+          <p:cNvPr id="2" name="Title 1"/>
+          <p:cNvSpPr>
+            <a:spLocks noGrp="1"/>
+          </p:cNvSpPr>
+          <p:nvPr>
+            <p:ph type="title"/>
+          </p:nvPr>
+        </p:nvSpPr>
+        <p:spPr/>
+        <p:txBody>
+          <a:bodyPr/>
+          <a:lstStyle/>
+          <a:p>
+            <a:r>
+              <a:rPr lang="en-US" dirty="0"/>
+              <a:t>HTML5 Content Tags </a:t>
+            </a:r>
+            <a:r>
+              <a:rPr lang="en-US" dirty="0" smtClean="0"/>
+              <a:t>(3)</a:t>
+            </a:r>
+            <a:endParaRPr lang="en-US" dirty="0"/>
+          </a:p>
+        </p:txBody>
+      </p:sp>
+      <p:sp>
+        <p:nvSpPr>
+          <p:cNvPr id="3" name="Content Placeholder 2"/>
+          <p:cNvSpPr>
+            <a:spLocks noGrp="1"/>
+          </p:cNvSpPr>
+          <p:nvPr>
+            <p:ph idx="1"/>
+          </p:nvPr>
+        </p:nvSpPr>
+        <p:spPr/>
+        <p:txBody>
+          <a:bodyPr/>
+          <a:lstStyle/>
+          <a:p>
+            <a:pPr marL="282575" lvl="2" indent="-282575">
+              <a:lnSpc>
+                <a:spcPct val="100000"/>
+              </a:lnSpc>
+              <a:buClr>
+                <a:schemeClr val="accent5">
+                  <a:lumMod val="40000"/>
+                  <a:lumOff val="60000"/>
+                </a:schemeClr>
+              </a:buClr>
+              <a:buSzPct val="70000"/>
+              <a:buFont typeface="Wingdings 2" pitchFamily="18" charset="2"/>
+              <a:buChar char=""/>
+              <a:tabLst>
+                <a:tab pos="282575" algn="l"/>
+              </a:tabLst>
+            </a:pPr>
+            <a:r>
+              <a:rPr lang="en-US" sz="3200" noProof="1">
+                <a:solidFill>
+                  <a:schemeClr val="accent5">
+                    <a:lumMod val="20000"/>
+                    <a:lumOff val="80000"/>
+                  </a:schemeClr>
+                </a:solidFill>
+                <a:latin typeface="Consolas" pitchFamily="49" charset="0"/>
+                <a:cs typeface="Consolas" pitchFamily="49" charset="0"/>
+              </a:rPr>
+              <a:t>&lt;dialog</a:t>
+            </a:r>
+            <a:r>
+              <a:rPr lang="en-US" sz="3200" dirty="0" smtClean="0">
+                <a:solidFill>
+                  <a:schemeClr val="accent5">
+                    <a:lumMod val="20000"/>
+                    <a:lumOff val="80000"/>
+                  </a:schemeClr>
+                </a:solidFill>
+                <a:latin typeface="Consolas" pitchFamily="49" charset="0"/>
+                <a:cs typeface="Consolas" pitchFamily="49" charset="0"/>
+              </a:rPr>
+              <a:t>&gt;</a:t>
+            </a:r>
+            <a:endParaRPr lang="en-US" sz="3200" dirty="0">
+              <a:solidFill>
+                <a:schemeClr val="accent5">
+                  <a:lumMod val="20000"/>
+                  <a:lumOff val="80000"/>
+                </a:schemeClr>
+              </a:solidFill>
+              <a:latin typeface="Consolas" pitchFamily="49" charset="0"/>
+              <a:cs typeface="Consolas" pitchFamily="49" charset="0"/>
+            </a:endParaRPr>
+          </a:p>
+          <a:p>
+            <a:pPr marL="547687" lvl="3" indent="-282575">
+              <a:lnSpc>
+                <a:spcPct val="100000"/>
+              </a:lnSpc>
+              <a:buClr>
+                <a:schemeClr val="accent5">
+                  <a:lumMod val="40000"/>
+                  <a:lumOff val="60000"/>
+                </a:schemeClr>
+              </a:buClr>
+              <a:buSzPct val="70000"/>
+              <a:buFont typeface="Wingdings 2" pitchFamily="18" charset="2"/>
+              <a:buChar char=""/>
+              <a:tabLst>
+                <a:tab pos="282575" algn="l"/>
+              </a:tabLst>
+            </a:pPr>
+            <a:r>
+              <a:rPr lang="en-US" sz="3000" dirty="0"/>
+              <a:t>Defines a dialog box or </a:t>
+            </a:r>
+            <a:r>
+              <a:rPr lang="en-US" sz="3000" dirty="0" smtClean="0"/>
+              <a:t>window</a:t>
+            </a:r>
+          </a:p>
+          <a:p>
+            <a:pPr marL="282575" lvl="2" indent="-282575">
+              <a:lnSpc>
+                <a:spcPct val="100000"/>
+              </a:lnSpc>
+              <a:buClr>
+                <a:schemeClr val="accent5">
+                  <a:lumMod val="40000"/>
+                  <a:lumOff val="60000"/>
+                </a:schemeClr>
+              </a:buClr>
+              <a:buSzPct val="70000"/>
+              <a:buFont typeface="Wingdings 2" pitchFamily="18" charset="2"/>
+              <a:buChar char=""/>
+              <a:tabLst>
+                <a:tab pos="282575" algn="l"/>
+              </a:tabLst>
+            </a:pPr>
+            <a:r>
+              <a:rPr lang="en-US" sz="3400" noProof="1">
+                <a:solidFill>
+                  <a:schemeClr val="accent5">
+                    <a:lumMod val="20000"/>
+                    <a:lumOff val="80000"/>
+                  </a:schemeClr>
+                </a:solidFill>
+                <a:latin typeface="Consolas" pitchFamily="49" charset="0"/>
+                <a:cs typeface="Consolas" pitchFamily="49" charset="0"/>
+              </a:rPr>
+              <a:t>&lt;meter</a:t>
+            </a:r>
+            <a:r>
+              <a:rPr lang="en-US" sz="3400" dirty="0" smtClean="0">
+                <a:solidFill>
+                  <a:schemeClr val="accent5">
+                    <a:lumMod val="20000"/>
+                    <a:lumOff val="80000"/>
+                  </a:schemeClr>
+                </a:solidFill>
+                <a:latin typeface="Consolas" pitchFamily="49" charset="0"/>
+                <a:cs typeface="Consolas" pitchFamily="49" charset="0"/>
+              </a:rPr>
+              <a:t>&gt;</a:t>
+            </a:r>
+            <a:r>
+              <a:rPr lang="en-US" sz="3200" dirty="0">
+                <a:solidFill>
+                  <a:schemeClr val="tx1">
+                    <a:lumMod val="40000"/>
+                    <a:lumOff val="60000"/>
+                  </a:schemeClr>
+                </a:solidFill>
+              </a:rPr>
+              <a:t> / </a:t>
+            </a:r>
+            <a:r>
+              <a:rPr lang="en-US" sz="3400" dirty="0" smtClean="0">
+                <a:solidFill>
+                  <a:schemeClr val="accent5">
+                    <a:lumMod val="20000"/>
+                    <a:lumOff val="80000"/>
+                  </a:schemeClr>
+                </a:solidFill>
+                <a:latin typeface="Consolas" pitchFamily="49" charset="0"/>
+                <a:cs typeface="Consolas" pitchFamily="49" charset="0"/>
+              </a:rPr>
+              <a:t>&lt;progress&gt;</a:t>
+            </a:r>
+          </a:p>
+          <a:p>
+            <a:pPr marL="547687" lvl="3" indent="-282575">
+              <a:lnSpc>
+                <a:spcPct val="100000"/>
+              </a:lnSpc>
+              <a:buClr>
+                <a:schemeClr val="accent5">
+                  <a:lumMod val="40000"/>
+                  <a:lumOff val="60000"/>
+                </a:schemeClr>
+              </a:buClr>
+              <a:buSzPct val="70000"/>
+              <a:buFont typeface="Wingdings 2" pitchFamily="18" charset="2"/>
+              <a:buChar char=""/>
+              <a:tabLst>
+                <a:tab pos="282575" algn="l"/>
+              </a:tabLst>
+            </a:pPr>
+            <a:r>
+              <a:rPr lang="en-US" sz="3000" dirty="0"/>
+              <a:t>Defines a scalar measurement within a known range (a gauge</a:t>
+            </a:r>
+            <a:r>
+              <a:rPr lang="en-US" sz="3000" dirty="0" smtClean="0"/>
+              <a:t>) or task progress</a:t>
+            </a:r>
+          </a:p>
+          <a:p>
+            <a:pPr marL="282575" lvl="2" indent="-282575">
+              <a:lnSpc>
+                <a:spcPct val="100000"/>
+              </a:lnSpc>
+              <a:buClr>
+                <a:schemeClr val="accent5">
+                  <a:lumMod val="40000"/>
+                  <a:lumOff val="60000"/>
+                </a:schemeClr>
+              </a:buClr>
+              <a:buSzPct val="70000"/>
+              <a:buFont typeface="Wingdings 2" pitchFamily="18" charset="2"/>
+              <a:buChar char=""/>
+              <a:tabLst>
+                <a:tab pos="282575" algn="l"/>
+              </a:tabLst>
+            </a:pPr>
+            <a:r>
+              <a:rPr lang="en-US" sz="3200" noProof="1">
+                <a:solidFill>
+                  <a:schemeClr val="accent5">
+                    <a:lumMod val="20000"/>
+                    <a:lumOff val="80000"/>
+                  </a:schemeClr>
+                </a:solidFill>
+                <a:latin typeface="Consolas" pitchFamily="49" charset="0"/>
+                <a:cs typeface="Consolas" pitchFamily="49" charset="0"/>
+              </a:rPr>
+              <a:t>&lt;output</a:t>
+            </a:r>
+            <a:r>
+              <a:rPr lang="en-US" sz="3200" dirty="0" smtClean="0">
+                <a:solidFill>
+                  <a:schemeClr val="accent5">
+                    <a:lumMod val="20000"/>
+                    <a:lumOff val="80000"/>
+                  </a:schemeClr>
+                </a:solidFill>
+                <a:latin typeface="Consolas" pitchFamily="49" charset="0"/>
+                <a:cs typeface="Consolas" pitchFamily="49" charset="0"/>
+              </a:rPr>
+              <a:t>&gt;</a:t>
+            </a:r>
+            <a:endParaRPr lang="en-US" sz="3200" dirty="0">
+              <a:solidFill>
+                <a:schemeClr val="accent5">
+                  <a:lumMod val="20000"/>
+                  <a:lumOff val="80000"/>
+                </a:schemeClr>
+              </a:solidFill>
+              <a:latin typeface="Consolas" pitchFamily="49" charset="0"/>
+              <a:cs typeface="Consolas" pitchFamily="49" charset="0"/>
+            </a:endParaRPr>
+          </a:p>
+          <a:p>
+            <a:pPr marL="547687" lvl="3" indent="-282575">
+              <a:lnSpc>
+                <a:spcPct val="100000"/>
+              </a:lnSpc>
+              <a:buClr>
+                <a:schemeClr val="accent5">
+                  <a:lumMod val="40000"/>
+                  <a:lumOff val="60000"/>
+                </a:schemeClr>
+              </a:buClr>
+              <a:buSzPct val="70000"/>
+              <a:buFont typeface="Wingdings 2" pitchFamily="18" charset="2"/>
+              <a:buChar char=""/>
+              <a:tabLst>
+                <a:tab pos="282575" algn="l"/>
+              </a:tabLst>
+            </a:pPr>
+            <a:r>
+              <a:rPr lang="en-US" sz="3000" dirty="0"/>
+              <a:t>Defines the result of a </a:t>
+            </a:r>
+            <a:r>
+              <a:rPr lang="en-US" sz="3000" dirty="0" smtClean="0"/>
+              <a:t>calculation</a:t>
+            </a:r>
+          </a:p>
+          <a:p>
+            <a:pPr marL="282575" lvl="2" indent="-282575">
+              <a:lnSpc>
+                <a:spcPct val="100000"/>
+              </a:lnSpc>
+              <a:buClr>
+                <a:schemeClr val="accent5">
+                  <a:lumMod val="40000"/>
+                  <a:lumOff val="60000"/>
+                </a:schemeClr>
+              </a:buClr>
+              <a:buSzPct val="70000"/>
+              <a:buFont typeface="Wingdings 2" pitchFamily="18" charset="2"/>
+              <a:buChar char=""/>
+              <a:tabLst>
+                <a:tab pos="282575" algn="l"/>
+              </a:tabLst>
+            </a:pPr>
+            <a:r>
+              <a:rPr lang="en-US" sz="3400" noProof="1" smtClean="0">
+                <a:solidFill>
+                  <a:schemeClr val="accent5">
+                    <a:lumMod val="20000"/>
+                    <a:lumOff val="80000"/>
+                  </a:schemeClr>
+                </a:solidFill>
+                <a:latin typeface="Consolas" pitchFamily="49" charset="0"/>
+                <a:cs typeface="Consolas" pitchFamily="49" charset="0"/>
+              </a:rPr>
+              <a:t>&lt;wbr</a:t>
+            </a:r>
+            <a:r>
+              <a:rPr lang="en-US" sz="3400" dirty="0" smtClean="0">
+                <a:solidFill>
+                  <a:schemeClr val="accent5">
+                    <a:lumMod val="20000"/>
+                    <a:lumOff val="80000"/>
+                  </a:schemeClr>
+                </a:solidFill>
+                <a:latin typeface="Consolas" pitchFamily="49" charset="0"/>
+                <a:cs typeface="Consolas" pitchFamily="49" charset="0"/>
+              </a:rPr>
+              <a:t>&gt;</a:t>
+            </a:r>
+          </a:p>
+          <a:p>
+            <a:pPr marL="547687" lvl="3" indent="-282575">
+              <a:lnSpc>
+                <a:spcPct val="100000"/>
+              </a:lnSpc>
+              <a:buClr>
+                <a:schemeClr val="accent5">
+                  <a:lumMod val="40000"/>
+                  <a:lumOff val="60000"/>
+                </a:schemeClr>
+              </a:buClr>
+              <a:buSzPct val="70000"/>
+              <a:buFont typeface="Wingdings 2" pitchFamily="18" charset="2"/>
+              <a:buChar char=""/>
+              <a:tabLst>
+                <a:tab pos="282575" algn="l"/>
+              </a:tabLst>
+            </a:pPr>
+            <a:r>
+              <a:rPr lang="en-US" sz="3000" dirty="0" smtClean="0"/>
+              <a:t>Defines </a:t>
+            </a:r>
+            <a:r>
+              <a:rPr lang="en-US" sz="3000" dirty="0"/>
+              <a:t>a possible line-break</a:t>
+            </a:r>
+          </a:p>
+        </p:txBody>
+      </p:sp>
+      <p:sp>
+        <p:nvSpPr>
+          <p:cNvPr id="4" name="Slide Number Placeholder 3"/>
+          <p:cNvSpPr>
+            <a:spLocks noGrp="1"/>
+          </p:cNvSpPr>
+          <p:nvPr>
+            <p:ph type="sldNum" sz="quarter" idx="10"/>
+          </p:nvPr>
+        </p:nvSpPr>
+        <p:spPr/>
+        <p:txBody>
+          <a:bodyPr/>
+          <a:lstStyle/>
+          <a:p>
+            <a:fld id="{B6F15528-21DE-4FAA-801E-634DDDAF4B2B}" type="slidenum">
+              <a:rPr lang="en-US" smtClean="0"/>
+              <a:pPr/>
+              <a:t>20</a:t>
+            </a:fld>
+            <a:endParaRPr lang="en-US"/>
+          </a:p>
+        </p:txBody>
+      </p:sp>
+      <p:pic>
+        <p:nvPicPr>
+          <p:cNvPr id="5" name="Picture 4"/>
+          <p:cNvPicPr>
+            <a:picLocks noChangeAspect="1"/>
+          </p:cNvPicPr>
+          <p:nvPr/>
+        </p:nvPicPr>
+        <p:blipFill>
+          <a:blip r:embed="rId2"/>
+          <a:stretch>
+            <a:fillRect/>
+          </a:stretch>
+        </p:blipFill>
+        <p:spPr>
+          <a:xfrm>
+            <a:off x="6934200" y="3450107"/>
+            <a:ext cx="1552792" cy="781159"/>
+          </a:xfrm>
+          <a:prstGeom prst="rect">
+            <a:avLst/>
+          </a:prstGeom>
+        </p:spPr>
+      </p:pic>
+      <p:pic>
+        <p:nvPicPr>
+          <p:cNvPr id="6" name="Picture 5"/>
+          <p:cNvPicPr>
+            <a:picLocks noChangeAspect="1"/>
+          </p:cNvPicPr>
+          <p:nvPr/>
+        </p:nvPicPr>
+        <p:blipFill>
+          <a:blip r:embed="rId3"/>
+          <a:stretch>
+            <a:fillRect/>
+          </a:stretch>
+        </p:blipFill>
+        <p:spPr>
+          <a:xfrm>
+            <a:off x="6934200" y="1676192"/>
+            <a:ext cx="1552792" cy="1095528"/>
+          </a:xfrm>
+          <a:prstGeom prst="rect">
+            <a:avLst/>
+          </a:prstGeom>
+        </p:spPr>
+      </p:pic>
+      <p:sp>
+        <p:nvSpPr>
+          <p:cNvPr id="7" name="TextBox 6"/>
+          <p:cNvSpPr txBox="1"/>
+          <p:nvPr/>
+        </p:nvSpPr>
+        <p:spPr>
+          <a:xfrm>
+            <a:off x="6835755" y="5791200"/>
+            <a:ext cx="1774845" cy="553998"/>
+          </a:xfrm>
+          <a:prstGeom prst="rect">
+            <a:avLst/>
+          </a:prstGeom>
+          <a:noFill/>
+        </p:spPr>
+        <p:txBody>
+          <a:bodyPr wrap="none" rtlCol="0">
+            <a:spAutoFit/>
+          </a:bodyPr>
+          <a:lstStyle/>
+          <a:p>
+            <a:r>
+              <a:rPr lang="en-US" sz="3000" b="1" dirty="0" smtClean="0">
+                <a:solidFill>
+                  <a:srgbClr val="EBFFD2"/>
+                </a:solidFill>
+                <a:effectLst>
+                  <a:outerShdw blurRad="38100" dist="38100" dir="2700000" algn="tl">
+                    <a:srgbClr val="000000">
+                      <a:alpha val="43137"/>
+                    </a:srgbClr>
+                  </a:outerShdw>
+                </a:effectLst>
+                <a:hlinkClick r:id="rId4"/>
+              </a:rPr>
+              <a:t>More info</a:t>
+            </a:r>
+            <a:endParaRPr lang="en-US" sz="2800" b="1" dirty="0">
+              <a:effectLst>
+                <a:outerShdw blurRad="38100" dist="38100" dir="2700000" algn="tl">
+                  <a:srgbClr val="000000">
+                    <a:alpha val="43137"/>
+                  </a:srgbClr>
+                </a:outerShdw>
+              </a:effectLst>
+            </a:endParaRPr>
+          </a:p>
+        </p:txBody>
+      </p:sp>
+    </p:spTree>
+    <p:extLst>
+      <p:ext uri="{BB962C8B-B14F-4D97-AF65-F5344CB8AC3E}">
+        <p14:creationId xmlns:p14="http://schemas.microsoft.com/office/powerpoint/2010/main" val="2802147120"/>
+      </p:ext>
+    </p:extLst>
+  </p:cSld>
+  <p:clrMapOvr>
+    <a:masterClrMapping/>
+  </p:clrMapOvr>
+  <p:timing>
+    <p:tnLst>
+      <p:par>
+        <p:cTn id="1" dur="indefinite" restart="never" nodeType="tmRoot"/>
+      </p:par>
+    </p:tnLst>
+  </p:timing>
+</p:sld>
+</file>
+
+<file path=ppt/slides/slide21.xml><?xml version="1.0" encoding="utf-8"?>
 <p:sld xmlns:a="http://schemas.openxmlformats.org/drawingml/2006/main" xmlns:r="http://schemas.openxmlformats.org/officeDocument/2006/relationships" xmlns:p="http://schemas.openxmlformats.org/presentationml/2006/main">
   <p:cSld>
     <p:spTree>
@@ -9045,689 +11424,6 @@
 </p:sld>
 </file>
 
-<file path=ppt/slides/slide2.xml><?xml version="1.0" encoding="utf-8"?>
-<p:sld xmlns:a="http://schemas.openxmlformats.org/drawingml/2006/main" xmlns:r="http://schemas.openxmlformats.org/officeDocument/2006/relationships" xmlns:p="http://schemas.openxmlformats.org/presentationml/2006/main">
-  <p:cSld>
-    <p:spTree>
-      <p:nvGrpSpPr>
-        <p:cNvPr id="1" name=""/>
-        <p:cNvGrpSpPr/>
-        <p:nvPr/>
-      </p:nvGrpSpPr>
-      <p:grpSpPr>
-        <a:xfrm>
-          <a:off x="0" y="0"/>
-          <a:ext cx="0" cy="0"/>
-          <a:chOff x="0" y="0"/>
-          <a:chExt cx="0" cy="0"/>
-        </a:xfrm>
-      </p:grpSpPr>
-      <p:sp>
-        <p:nvSpPr>
-          <p:cNvPr id="2" name="Title 1"/>
-          <p:cNvSpPr>
-            <a:spLocks noGrp="1"/>
-          </p:cNvSpPr>
-          <p:nvPr>
-            <p:ph type="title"/>
-          </p:nvPr>
-        </p:nvSpPr>
-        <p:spPr/>
-        <p:txBody>
-          <a:bodyPr/>
-          <a:lstStyle/>
-          <a:p>
-            <a:r>
-              <a:rPr lang="en-US" dirty="0" smtClean="0"/>
-              <a:t>Table of Contents</a:t>
-            </a:r>
-            <a:endParaRPr lang="en-US" dirty="0"/>
-          </a:p>
-        </p:txBody>
-      </p:sp>
-      <p:sp>
-        <p:nvSpPr>
-          <p:cNvPr id="3" name="Content Placeholder 2"/>
-          <p:cNvSpPr>
-            <a:spLocks noGrp="1"/>
-          </p:cNvSpPr>
-          <p:nvPr>
-            <p:ph idx="1"/>
-          </p:nvPr>
-        </p:nvSpPr>
-        <p:spPr/>
-        <p:txBody>
-          <a:bodyPr/>
-          <a:lstStyle/>
-          <a:p>
-            <a:r>
-              <a:rPr lang="en-US" dirty="0"/>
-              <a:t>Web Page</a:t>
-            </a:r>
-          </a:p>
-          <a:p>
-            <a:pPr lvl="1"/>
-            <a:r>
-              <a:rPr lang="en-US" dirty="0"/>
-              <a:t>HTML, CSS and JavaScript</a:t>
-            </a:r>
-          </a:p>
-          <a:p>
-            <a:r>
-              <a:rPr lang="en-US" dirty="0"/>
-              <a:t>The Semantic HTML</a:t>
-            </a:r>
-          </a:p>
-          <a:p>
-            <a:r>
-              <a:rPr lang="en-US" dirty="0"/>
-              <a:t>HTML5 Semantic Tags</a:t>
-            </a:r>
-          </a:p>
-          <a:p>
-            <a:r>
-              <a:rPr lang="en-US" dirty="0"/>
-              <a:t>Other Semantics</a:t>
-            </a:r>
-          </a:p>
-        </p:txBody>
-      </p:sp>
-      <p:pic>
-        <p:nvPicPr>
-          <p:cNvPr id="2050" name="Picture 2" descr="http://cdn0.fiverrcdn.com/photos/485137/medium/1312964974_217279354_5-Learn-Joomla-PHP-HTML-CSS-PhotoShop-and-Flash-Online-Sindh.jpg?1321225228"/>
-          <p:cNvPicPr>
-            <a:picLocks noChangeAspect="1" noChangeArrowheads="1"/>
-          </p:cNvPicPr>
-          <p:nvPr/>
-        </p:nvPicPr>
-        <p:blipFill>
-          <a:blip r:embed="rId2">
-            <a:extLst>
-              <a:ext uri="{28A0092B-C50C-407E-A947-70E740481C1C}">
-                <a14:useLocalDpi xmlns:a14="http://schemas.microsoft.com/office/drawing/2010/main" val="0"/>
-              </a:ext>
-            </a:extLst>
-          </a:blip>
-          <a:srcRect/>
-          <a:stretch>
-            <a:fillRect/>
-          </a:stretch>
-        </p:blipFill>
-        <p:spPr bwMode="auto">
-          <a:xfrm>
-            <a:off x="4610100" y="3641056"/>
-            <a:ext cx="3848100" cy="2683544"/>
-          </a:xfrm>
-          <a:prstGeom prst="roundRect">
-            <a:avLst>
-              <a:gd name="adj" fmla="val 8622"/>
-            </a:avLst>
-          </a:prstGeom>
-          <a:noFill/>
-          <a:ln w="28575">
-            <a:solidFill>
-              <a:srgbClr val="DDE7F2"/>
-            </a:solidFill>
-          </a:ln>
-          <a:extLst>
-            <a:ext uri="{909E8E84-426E-40DD-AFC4-6F175D3DCCD1}">
-              <a14:hiddenFill xmlns:a14="http://schemas.microsoft.com/office/drawing/2010/main">
-                <a:solidFill>
-                  <a:srgbClr val="FFFFFF"/>
-                </a:solidFill>
-              </a14:hiddenFill>
-            </a:ext>
-          </a:extLst>
-        </p:spPr>
-      </p:pic>
-    </p:spTree>
-    <p:extLst>
-      <p:ext uri="{BB962C8B-B14F-4D97-AF65-F5344CB8AC3E}">
-        <p14:creationId xmlns:p14="http://schemas.microsoft.com/office/powerpoint/2010/main" val="118429748"/>
-      </p:ext>
-    </p:extLst>
-  </p:cSld>
-  <p:clrMapOvr>
-    <a:masterClrMapping/>
-  </p:clrMapOvr>
-  <p:timing>
-    <p:tnLst>
-      <p:par>
-        <p:cTn id="1" dur="indefinite" restart="never" nodeType="tmRoot"/>
-      </p:par>
-    </p:tnLst>
-  </p:timing>
-</p:sld>
-</file>
-
-<file path=ppt/slides/slide20.xml><?xml version="1.0" encoding="utf-8"?>
-<p:sld xmlns:a="http://schemas.openxmlformats.org/drawingml/2006/main" xmlns:r="http://schemas.openxmlformats.org/officeDocument/2006/relationships" xmlns:p="http://schemas.openxmlformats.org/presentationml/2006/main">
-  <p:cSld>
-    <p:spTree>
-      <p:nvGrpSpPr>
-        <p:cNvPr id="1" name=""/>
-        <p:cNvGrpSpPr/>
-        <p:nvPr/>
-      </p:nvGrpSpPr>
-      <p:grpSpPr>
-        <a:xfrm>
-          <a:off x="0" y="0"/>
-          <a:ext cx="0" cy="0"/>
-          <a:chOff x="0" y="0"/>
-          <a:chExt cx="0" cy="0"/>
-        </a:xfrm>
-      </p:grpSpPr>
-      <p:sp>
-        <p:nvSpPr>
-          <p:cNvPr id="4" name="Title 3"/>
-          <p:cNvSpPr>
-            <a:spLocks noGrp="1"/>
-          </p:cNvSpPr>
-          <p:nvPr>
-            <p:ph type="title"/>
-          </p:nvPr>
-        </p:nvSpPr>
-        <p:spPr/>
-        <p:txBody>
-          <a:bodyPr/>
-          <a:lstStyle/>
-          <a:p>
-            <a:r>
-              <a:rPr lang="en-US" dirty="0" smtClean="0"/>
-              <a:t>Other Semantics</a:t>
-            </a:r>
-            <a:endParaRPr lang="en-US" dirty="0"/>
-          </a:p>
-        </p:txBody>
-      </p:sp>
-      <p:sp>
-        <p:nvSpPr>
-          <p:cNvPr id="5" name="Content Placeholder 4"/>
-          <p:cNvSpPr>
-            <a:spLocks noGrp="1"/>
-          </p:cNvSpPr>
-          <p:nvPr>
-            <p:ph idx="1"/>
-          </p:nvPr>
-        </p:nvSpPr>
-        <p:spPr>
-          <a:xfrm>
-            <a:off x="228600" y="838200"/>
-            <a:ext cx="8686800" cy="5791200"/>
-          </a:xfrm>
-        </p:spPr>
-        <p:txBody>
-          <a:bodyPr/>
-          <a:lstStyle/>
-          <a:p>
-            <a:pPr>
-              <a:lnSpc>
-                <a:spcPct val="100000"/>
-              </a:lnSpc>
-            </a:pPr>
-            <a:r>
-              <a:rPr lang="en-US" dirty="0" smtClean="0"/>
-              <a:t>Headings</a:t>
-            </a:r>
-          </a:p>
-          <a:p>
-            <a:pPr lvl="1">
-              <a:lnSpc>
-                <a:spcPct val="100000"/>
-              </a:lnSpc>
-            </a:pPr>
-            <a:r>
-              <a:rPr lang="en-US" dirty="0" smtClean="0"/>
-              <a:t>Always use headings (</a:t>
-            </a:r>
-            <a:r>
-              <a:rPr lang="en-US" dirty="0" smtClean="0">
-                <a:solidFill>
-                  <a:schemeClr val="accent5">
-                    <a:lumMod val="20000"/>
-                    <a:lumOff val="80000"/>
-                  </a:schemeClr>
-                </a:solidFill>
-                <a:latin typeface="Consolas" pitchFamily="49" charset="0"/>
-                <a:cs typeface="Consolas" pitchFamily="49" charset="0"/>
-              </a:rPr>
-              <a:t>&lt;h1</a:t>
-            </a:r>
-            <a:r>
-              <a:rPr lang="en-US" dirty="0">
-                <a:solidFill>
-                  <a:schemeClr val="accent5">
-                    <a:lumMod val="20000"/>
-                    <a:lumOff val="80000"/>
-                  </a:schemeClr>
-                </a:solidFill>
-                <a:latin typeface="Consolas" pitchFamily="49" charset="0"/>
-                <a:cs typeface="Consolas" pitchFamily="49" charset="0"/>
-              </a:rPr>
-              <a:t>&gt;</a:t>
-            </a:r>
-            <a:r>
-              <a:rPr lang="en-US" dirty="0"/>
-              <a:t> – </a:t>
-            </a:r>
-            <a:r>
-              <a:rPr lang="en-US" dirty="0" smtClean="0">
-                <a:solidFill>
-                  <a:schemeClr val="accent5">
-                    <a:lumMod val="20000"/>
-                    <a:lumOff val="80000"/>
-                  </a:schemeClr>
-                </a:solidFill>
-                <a:latin typeface="Consolas" pitchFamily="49" charset="0"/>
-                <a:cs typeface="Consolas" pitchFamily="49" charset="0"/>
-              </a:rPr>
-              <a:t>&lt;h6&gt;</a:t>
-            </a:r>
-            <a:r>
-              <a:rPr lang="en-US" dirty="0" smtClean="0"/>
-              <a:t>) when you need a heading or title</a:t>
-            </a:r>
-          </a:p>
-          <a:p>
-            <a:pPr lvl="2">
-              <a:lnSpc>
-                <a:spcPct val="100000"/>
-              </a:lnSpc>
-            </a:pPr>
-            <a:r>
-              <a:rPr lang="en-US" dirty="0" smtClean="0"/>
-              <a:t>Like in a MS Word document</a:t>
-            </a:r>
-          </a:p>
-          <a:p>
-            <a:pPr lvl="2">
-              <a:lnSpc>
-                <a:spcPct val="100000"/>
-              </a:lnSpc>
-            </a:pPr>
-            <a:r>
-              <a:rPr lang="en-US" dirty="0" smtClean="0"/>
-              <a:t>Google uses it to mark important content</a:t>
-            </a:r>
-          </a:p>
-          <a:p>
-            <a:pPr>
-              <a:lnSpc>
-                <a:spcPct val="100000"/>
-              </a:lnSpc>
-            </a:pPr>
-            <a:r>
-              <a:rPr lang="en-US" dirty="0" smtClean="0"/>
-              <a:t>Strong </a:t>
-            </a:r>
-            <a:r>
-              <a:rPr lang="en-US" dirty="0" smtClean="0">
-                <a:solidFill>
-                  <a:schemeClr val="accent5">
-                    <a:lumMod val="20000"/>
-                    <a:lumOff val="80000"/>
-                  </a:schemeClr>
-                </a:solidFill>
-                <a:latin typeface="Consolas" pitchFamily="49" charset="0"/>
-                <a:cs typeface="Consolas" pitchFamily="49" charset="0"/>
-              </a:rPr>
-              <a:t>&lt;strong&gt;</a:t>
-            </a:r>
-            <a:r>
-              <a:rPr lang="en-US" dirty="0" smtClean="0"/>
-              <a:t> vs. Bold </a:t>
-            </a:r>
-            <a:r>
-              <a:rPr lang="en-US" dirty="0" smtClean="0">
-                <a:solidFill>
-                  <a:schemeClr val="accent5">
-                    <a:lumMod val="20000"/>
-                    <a:lumOff val="80000"/>
-                  </a:schemeClr>
-                </a:solidFill>
-                <a:latin typeface="Consolas" pitchFamily="49" charset="0"/>
-                <a:cs typeface="Consolas" pitchFamily="49" charset="0"/>
-              </a:rPr>
-              <a:t>&lt;b&gt;</a:t>
-            </a:r>
-            <a:endParaRPr lang="en-US" dirty="0">
-              <a:solidFill>
-                <a:schemeClr val="accent5">
-                  <a:lumMod val="20000"/>
-                  <a:lumOff val="80000"/>
-                </a:schemeClr>
-              </a:solidFill>
-              <a:latin typeface="Consolas" pitchFamily="49" charset="0"/>
-              <a:cs typeface="Consolas" pitchFamily="49" charset="0"/>
-            </a:endParaRPr>
-          </a:p>
-          <a:p>
-            <a:pPr lvl="1">
-              <a:lnSpc>
-                <a:spcPct val="100000"/>
-              </a:lnSpc>
-            </a:pPr>
-            <a:r>
-              <a:rPr lang="en-US" dirty="0" smtClean="0">
-                <a:solidFill>
-                  <a:schemeClr val="accent5">
-                    <a:lumMod val="20000"/>
-                    <a:lumOff val="80000"/>
-                  </a:schemeClr>
-                </a:solidFill>
-                <a:latin typeface="Consolas" pitchFamily="49" charset="0"/>
-                <a:cs typeface="Consolas" pitchFamily="49" charset="0"/>
-              </a:rPr>
-              <a:t>&lt;b&gt;</a:t>
-            </a:r>
-            <a:r>
-              <a:rPr lang="en-US" dirty="0" smtClean="0"/>
-              <a:t> does not mean anything</a:t>
-            </a:r>
-          </a:p>
-          <a:p>
-            <a:pPr lvl="2">
-              <a:lnSpc>
-                <a:spcPct val="100000"/>
-              </a:lnSpc>
-            </a:pPr>
-            <a:r>
-              <a:rPr lang="en-US" dirty="0" smtClean="0"/>
-              <a:t>It just makes the text bolder</a:t>
-            </a:r>
-          </a:p>
-          <a:p>
-            <a:pPr lvl="1">
-              <a:lnSpc>
-                <a:spcPct val="100000"/>
-              </a:lnSpc>
-            </a:pPr>
-            <a:r>
-              <a:rPr lang="en-US" dirty="0" smtClean="0">
-                <a:solidFill>
-                  <a:schemeClr val="accent5">
-                    <a:lumMod val="20000"/>
-                    <a:lumOff val="80000"/>
-                  </a:schemeClr>
-                </a:solidFill>
-                <a:latin typeface="Consolas" pitchFamily="49" charset="0"/>
-                <a:cs typeface="Consolas" pitchFamily="49" charset="0"/>
-              </a:rPr>
-              <a:t>&lt;strong&gt;</a:t>
-            </a:r>
-            <a:r>
-              <a:rPr lang="en-US" dirty="0" smtClean="0"/>
-              <a:t> marks the text is "</a:t>
-            </a:r>
-            <a:r>
-              <a:rPr lang="en-US" i="1" dirty="0" smtClean="0"/>
-              <a:t>stronger</a:t>
-            </a:r>
-            <a:r>
-              <a:rPr lang="en-US" dirty="0" smtClean="0"/>
-              <a:t>" than the other, surrounding text</a:t>
-            </a:r>
-          </a:p>
-        </p:txBody>
-      </p:sp>
-    </p:spTree>
-    <p:extLst>
-      <p:ext uri="{BB962C8B-B14F-4D97-AF65-F5344CB8AC3E}">
-        <p14:creationId xmlns:p14="http://schemas.microsoft.com/office/powerpoint/2010/main" val="1954503342"/>
-      </p:ext>
-    </p:extLst>
-  </p:cSld>
-  <p:clrMapOvr>
-    <a:masterClrMapping/>
-  </p:clrMapOvr>
-  <p:timing>
-    <p:tnLst>
-      <p:par>
-        <p:cTn id="1" dur="indefinite" restart="never" nodeType="tmRoot"/>
-      </p:par>
-    </p:tnLst>
-  </p:timing>
-</p:sld>
-</file>
-
-<file path=ppt/slides/slide21.xml><?xml version="1.0" encoding="utf-8"?>
-<p:sld xmlns:a="http://schemas.openxmlformats.org/drawingml/2006/main" xmlns:r="http://schemas.openxmlformats.org/officeDocument/2006/relationships" xmlns:p="http://schemas.openxmlformats.org/presentationml/2006/main">
-  <p:cSld>
-    <p:spTree>
-      <p:nvGrpSpPr>
-        <p:cNvPr id="1" name=""/>
-        <p:cNvGrpSpPr/>
-        <p:nvPr/>
-      </p:nvGrpSpPr>
-      <p:grpSpPr>
-        <a:xfrm>
-          <a:off x="0" y="0"/>
-          <a:ext cx="0" cy="0"/>
-          <a:chOff x="0" y="0"/>
-          <a:chExt cx="0" cy="0"/>
-        </a:xfrm>
-      </p:grpSpPr>
-      <p:sp>
-        <p:nvSpPr>
-          <p:cNvPr id="4" name="Title 3"/>
-          <p:cNvSpPr>
-            <a:spLocks noGrp="1"/>
-          </p:cNvSpPr>
-          <p:nvPr>
-            <p:ph type="title"/>
-          </p:nvPr>
-        </p:nvSpPr>
-        <p:spPr/>
-        <p:txBody>
-          <a:bodyPr/>
-          <a:lstStyle/>
-          <a:p>
-            <a:r>
-              <a:rPr lang="en-US" dirty="0" smtClean="0"/>
-              <a:t>Other Semantics (2)</a:t>
-            </a:r>
-            <a:endParaRPr lang="en-US" dirty="0"/>
-          </a:p>
-        </p:txBody>
-      </p:sp>
-      <p:sp>
-        <p:nvSpPr>
-          <p:cNvPr id="5" name="Content Placeholder 4"/>
-          <p:cNvSpPr>
-            <a:spLocks noGrp="1"/>
-          </p:cNvSpPr>
-          <p:nvPr>
-            <p:ph idx="1"/>
-          </p:nvPr>
-        </p:nvSpPr>
-        <p:spPr>
-          <a:xfrm>
-            <a:off x="228600" y="1143000"/>
-            <a:ext cx="8686800" cy="5486400"/>
-          </a:xfrm>
-        </p:spPr>
-        <p:txBody>
-          <a:bodyPr/>
-          <a:lstStyle/>
-          <a:p>
-            <a:pPr>
-              <a:lnSpc>
-                <a:spcPct val="100000"/>
-              </a:lnSpc>
-            </a:pPr>
-            <a:r>
-              <a:rPr lang="en-US" dirty="0" smtClean="0"/>
-              <a:t>Emphasis </a:t>
-            </a:r>
-            <a:r>
-              <a:rPr lang="en-US" noProof="1" smtClean="0">
-                <a:solidFill>
-                  <a:schemeClr val="accent5">
-                    <a:lumMod val="20000"/>
-                    <a:lumOff val="80000"/>
-                  </a:schemeClr>
-                </a:solidFill>
-                <a:latin typeface="Consolas" pitchFamily="49" charset="0"/>
-                <a:cs typeface="Consolas" pitchFamily="49" charset="0"/>
-              </a:rPr>
-              <a:t>&lt;em&gt;</a:t>
-            </a:r>
-            <a:r>
-              <a:rPr lang="en-US" noProof="1" smtClean="0"/>
-              <a:t> </a:t>
-            </a:r>
-            <a:r>
-              <a:rPr lang="en-US" dirty="0" smtClean="0"/>
-              <a:t>vs. Italic </a:t>
-            </a:r>
-            <a:r>
-              <a:rPr lang="en-US" noProof="1" smtClean="0">
-                <a:solidFill>
-                  <a:schemeClr val="accent5">
-                    <a:lumMod val="20000"/>
-                    <a:lumOff val="80000"/>
-                  </a:schemeClr>
-                </a:solidFill>
-                <a:latin typeface="Consolas" pitchFamily="49" charset="0"/>
-                <a:cs typeface="Consolas" pitchFamily="49" charset="0"/>
-              </a:rPr>
-              <a:t>&lt;i&gt;</a:t>
-            </a:r>
-          </a:p>
-          <a:p>
-            <a:pPr lvl="1">
-              <a:lnSpc>
-                <a:spcPct val="100000"/>
-              </a:lnSpc>
-            </a:pPr>
-            <a:r>
-              <a:rPr lang="en-US" dirty="0" smtClean="0"/>
-              <a:t>Emphasis does not always mean, that the code should be </a:t>
-            </a:r>
-            <a:r>
-              <a:rPr lang="en-US" i="1" dirty="0" smtClean="0"/>
-              <a:t>italic</a:t>
-            </a:r>
-          </a:p>
-          <a:p>
-            <a:pPr lvl="2">
-              <a:lnSpc>
-                <a:spcPct val="100000"/>
-              </a:lnSpc>
-            </a:pPr>
-            <a:r>
-              <a:rPr lang="en-US" dirty="0" smtClean="0"/>
-              <a:t>It could be bolder, italic and underlined</a:t>
-            </a:r>
-          </a:p>
-          <a:p>
-            <a:pPr lvl="1">
-              <a:lnSpc>
-                <a:spcPct val="100000"/>
-              </a:lnSpc>
-            </a:pPr>
-            <a:r>
-              <a:rPr lang="en-US" dirty="0" smtClean="0"/>
-              <a:t>The styles for the emphasis text should </a:t>
-            </a:r>
-            <a:r>
-              <a:rPr lang="en-US" smtClean="0"/>
-              <a:t>be set with </a:t>
-            </a:r>
-            <a:r>
-              <a:rPr lang="en-US" dirty="0" smtClean="0"/>
-              <a:t>CSS</a:t>
-            </a:r>
-          </a:p>
-          <a:p>
-            <a:pPr lvl="2">
-              <a:lnSpc>
-                <a:spcPct val="100000"/>
-              </a:lnSpc>
-            </a:pPr>
-            <a:r>
-              <a:rPr lang="en-US" dirty="0" smtClean="0"/>
-              <a:t>Not by HTML</a:t>
-            </a:r>
-          </a:p>
-          <a:p>
-            <a:pPr>
-              <a:lnSpc>
-                <a:spcPct val="100000"/>
-              </a:lnSpc>
-            </a:pPr>
-            <a:r>
-              <a:rPr lang="en-US" dirty="0" smtClean="0"/>
-              <a:t>Old browsers (like IE6)?</a:t>
-            </a:r>
-          </a:p>
-          <a:p>
-            <a:pPr lvl="1">
-              <a:lnSpc>
-                <a:spcPct val="100000"/>
-              </a:lnSpc>
-            </a:pPr>
-            <a:r>
-              <a:rPr lang="en-US" dirty="0" smtClean="0"/>
-              <a:t>Use </a:t>
-            </a:r>
-            <a:r>
-              <a:rPr lang="en-US" dirty="0" smtClean="0">
-                <a:solidFill>
-                  <a:srgbClr val="4A6B82"/>
-                </a:solidFill>
-                <a:latin typeface="Arial"/>
-                <a:hlinkClick r:id="rId2"/>
-              </a:rPr>
-              <a:t>Modernizr</a:t>
-            </a:r>
-            <a:r>
-              <a:rPr lang="en-US" dirty="0" smtClean="0">
-                <a:solidFill>
-                  <a:srgbClr val="4A6B82"/>
-                </a:solidFill>
-                <a:latin typeface="Arial"/>
-              </a:rPr>
-              <a:t> </a:t>
-            </a:r>
-            <a:r>
-              <a:rPr lang="en-US" dirty="0" smtClean="0"/>
-              <a:t>or </a:t>
-            </a:r>
-            <a:r>
-              <a:rPr lang="en-US" u="sng" dirty="0" smtClean="0">
-                <a:solidFill>
-                  <a:srgbClr val="4A6B82"/>
-                </a:solidFill>
-                <a:latin typeface="Arial"/>
-                <a:hlinkClick r:id="rId3"/>
-              </a:rPr>
-              <a:t>HTML5shiv</a:t>
-            </a:r>
-            <a:endParaRPr lang="en-US" dirty="0" smtClean="0"/>
-          </a:p>
-        </p:txBody>
-      </p:sp>
-    </p:spTree>
-    <p:extLst>
-      <p:ext uri="{BB962C8B-B14F-4D97-AF65-F5344CB8AC3E}">
-        <p14:creationId xmlns:p14="http://schemas.microsoft.com/office/powerpoint/2010/main" val="340389202"/>
-      </p:ext>
-    </p:extLst>
-  </p:cSld>
-  <p:clrMapOvr>
-    <a:masterClrMapping/>
-  </p:clrMapOvr>
-  <p:timing>
-    <p:tnLst>
-      <p:par>
-        <p:cTn id="1" dur="indefinite" restart="never" nodeType="tmRoot"/>
-      </p:par>
-    </p:tnLst>
-  </p:timing>
-</p:sld>
-</file>
-
 <file path=ppt/slides/slide22.xml><?xml version="1.0" encoding="utf-8"?>
 <p:sld xmlns:a="http://schemas.openxmlformats.org/drawingml/2006/main" xmlns:r="http://schemas.openxmlformats.org/officeDocument/2006/relationships" xmlns:p="http://schemas.openxmlformats.org/presentationml/2006/main">
   <p:cSld>
@@ -9762,7 +11458,7 @@
           <a:p>
             <a:r>
               <a:rPr lang="en-US" dirty="0" smtClean="0"/>
-              <a:t>Semantic Web</a:t>
+              <a:t>Other Semantics</a:t>
             </a:r>
             <a:endParaRPr lang="en-US" dirty="0"/>
           </a:p>
@@ -9770,38 +11466,262 @@
       </p:sp>
       <p:sp>
         <p:nvSpPr>
-          <p:cNvPr id="5" name="Text Placeholder 4"/>
+          <p:cNvPr id="5" name="Content Placeholder 4"/>
           <p:cNvSpPr>
             <a:spLocks noGrp="1"/>
           </p:cNvSpPr>
           <p:nvPr>
-            <p:ph type="body" sz="quarter" idx="10"/>
+            <p:ph idx="1"/>
           </p:nvPr>
         </p:nvSpPr>
         <p:spPr>
           <a:xfrm>
-            <a:off x="6067890" y="6400800"/>
-            <a:ext cx="2957797" cy="369332"/>
+            <a:off x="228600" y="838200"/>
+            <a:ext cx="8686800" cy="5791200"/>
           </a:xfrm>
         </p:spPr>
         <p:txBody>
           <a:bodyPr/>
           <a:lstStyle/>
           <a:p>
+            <a:pPr>
+              <a:lnSpc>
+                <a:spcPct val="100000"/>
+              </a:lnSpc>
+            </a:pPr>
+            <a:r>
+              <a:rPr lang="en-US" dirty="0" smtClean="0"/>
+              <a:t>Headings</a:t>
+            </a:r>
+          </a:p>
+          <a:p>
+            <a:pPr lvl="1">
+              <a:lnSpc>
+                <a:spcPct val="100000"/>
+              </a:lnSpc>
+            </a:pPr>
+            <a:r>
+              <a:rPr lang="en-US" dirty="0" smtClean="0"/>
+              <a:t>Always use headings (</a:t>
+            </a:r>
             <a:r>
               <a:rPr lang="en-US" dirty="0" smtClean="0">
-                <a:hlinkClick r:id="rId2"/>
+                <a:solidFill>
+                  <a:schemeClr val="accent5">
+                    <a:lumMod val="20000"/>
+                    <a:lumOff val="80000"/>
+                  </a:schemeClr>
+                </a:solidFill>
+                <a:latin typeface="Consolas" pitchFamily="49" charset="0"/>
+                <a:cs typeface="Consolas" pitchFamily="49" charset="0"/>
               </a:rPr>
-              <a:t>http://academy.telerik.com</a:t>
-            </a:r>
-            <a:endParaRPr lang="en-US" dirty="0"/>
+              <a:t>&lt;h1</a:t>
+            </a:r>
+            <a:r>
+              <a:rPr lang="en-US" dirty="0">
+                <a:solidFill>
+                  <a:schemeClr val="accent5">
+                    <a:lumMod val="20000"/>
+                    <a:lumOff val="80000"/>
+                  </a:schemeClr>
+                </a:solidFill>
+                <a:latin typeface="Consolas" pitchFamily="49" charset="0"/>
+                <a:cs typeface="Consolas" pitchFamily="49" charset="0"/>
+              </a:rPr>
+              <a:t>&gt;</a:t>
+            </a:r>
+            <a:r>
+              <a:rPr lang="en-US" dirty="0"/>
+              <a:t> – </a:t>
+            </a:r>
+            <a:r>
+              <a:rPr lang="en-US" dirty="0" smtClean="0">
+                <a:solidFill>
+                  <a:schemeClr val="accent5">
+                    <a:lumMod val="20000"/>
+                    <a:lumOff val="80000"/>
+                  </a:schemeClr>
+                </a:solidFill>
+                <a:latin typeface="Consolas" pitchFamily="49" charset="0"/>
+                <a:cs typeface="Consolas" pitchFamily="49" charset="0"/>
+              </a:rPr>
+              <a:t>&lt;h6&gt;</a:t>
+            </a:r>
+            <a:r>
+              <a:rPr lang="en-US" dirty="0" smtClean="0"/>
+              <a:t>) when you need a heading or title</a:t>
+            </a:r>
+          </a:p>
+          <a:p>
+            <a:pPr lvl="2">
+              <a:lnSpc>
+                <a:spcPct val="100000"/>
+              </a:lnSpc>
+            </a:pPr>
+            <a:r>
+              <a:rPr lang="en-US" dirty="0" smtClean="0"/>
+              <a:t>Like in a MS Word document</a:t>
+            </a:r>
+          </a:p>
+          <a:p>
+            <a:pPr lvl="2">
+              <a:lnSpc>
+                <a:spcPct val="100000"/>
+              </a:lnSpc>
+            </a:pPr>
+            <a:r>
+              <a:rPr lang="en-US" dirty="0" smtClean="0"/>
+              <a:t>Google uses it to mark important content</a:t>
+            </a:r>
+          </a:p>
+          <a:p>
+            <a:pPr>
+              <a:lnSpc>
+                <a:spcPct val="100000"/>
+              </a:lnSpc>
+            </a:pPr>
+            <a:r>
+              <a:rPr lang="en-US" dirty="0" smtClean="0"/>
+              <a:t>Strong </a:t>
+            </a:r>
+            <a:r>
+              <a:rPr lang="en-US" dirty="0" smtClean="0">
+                <a:solidFill>
+                  <a:schemeClr val="accent5">
+                    <a:lumMod val="20000"/>
+                    <a:lumOff val="80000"/>
+                  </a:schemeClr>
+                </a:solidFill>
+                <a:latin typeface="Consolas" pitchFamily="49" charset="0"/>
+                <a:cs typeface="Consolas" pitchFamily="49" charset="0"/>
+              </a:rPr>
+              <a:t>&lt;strong&gt;</a:t>
+            </a:r>
+            <a:r>
+              <a:rPr lang="en-US" dirty="0" smtClean="0"/>
+              <a:t> vs. Bold </a:t>
+            </a:r>
+            <a:r>
+              <a:rPr lang="en-US" dirty="0" smtClean="0">
+                <a:solidFill>
+                  <a:schemeClr val="accent5">
+                    <a:lumMod val="20000"/>
+                    <a:lumOff val="80000"/>
+                  </a:schemeClr>
+                </a:solidFill>
+                <a:latin typeface="Consolas" pitchFamily="49" charset="0"/>
+                <a:cs typeface="Consolas" pitchFamily="49" charset="0"/>
+              </a:rPr>
+              <a:t>&lt;b&gt;</a:t>
+            </a:r>
+            <a:endParaRPr lang="en-US" dirty="0">
+              <a:solidFill>
+                <a:schemeClr val="accent5">
+                  <a:lumMod val="20000"/>
+                  <a:lumOff val="80000"/>
+                </a:schemeClr>
+              </a:solidFill>
+              <a:latin typeface="Consolas" pitchFamily="49" charset="0"/>
+              <a:cs typeface="Consolas" pitchFamily="49" charset="0"/>
+            </a:endParaRPr>
+          </a:p>
+          <a:p>
+            <a:pPr lvl="1">
+              <a:lnSpc>
+                <a:spcPct val="100000"/>
+              </a:lnSpc>
+            </a:pPr>
+            <a:r>
+              <a:rPr lang="en-US" dirty="0" smtClean="0">
+                <a:solidFill>
+                  <a:schemeClr val="accent5">
+                    <a:lumMod val="20000"/>
+                    <a:lumOff val="80000"/>
+                  </a:schemeClr>
+                </a:solidFill>
+                <a:latin typeface="Consolas" pitchFamily="49" charset="0"/>
+                <a:cs typeface="Consolas" pitchFamily="49" charset="0"/>
+              </a:rPr>
+              <a:t>&lt;b&gt;</a:t>
+            </a:r>
+            <a:r>
+              <a:rPr lang="en-US" dirty="0" smtClean="0"/>
+              <a:t> does not mean anything</a:t>
+            </a:r>
+          </a:p>
+          <a:p>
+            <a:pPr lvl="2">
+              <a:lnSpc>
+                <a:spcPct val="100000"/>
+              </a:lnSpc>
+            </a:pPr>
+            <a:r>
+              <a:rPr lang="en-US" dirty="0" smtClean="0"/>
+              <a:t>It just makes the text bolder</a:t>
+            </a:r>
+          </a:p>
+          <a:p>
+            <a:pPr lvl="1">
+              <a:lnSpc>
+                <a:spcPct val="100000"/>
+              </a:lnSpc>
+            </a:pPr>
+            <a:r>
+              <a:rPr lang="en-US" dirty="0" smtClean="0">
+                <a:solidFill>
+                  <a:schemeClr val="accent5">
+                    <a:lumMod val="20000"/>
+                    <a:lumOff val="80000"/>
+                  </a:schemeClr>
+                </a:solidFill>
+                <a:latin typeface="Consolas" pitchFamily="49" charset="0"/>
+                <a:cs typeface="Consolas" pitchFamily="49" charset="0"/>
+              </a:rPr>
+              <a:t>&lt;strong&gt;</a:t>
+            </a:r>
+            <a:r>
+              <a:rPr lang="en-US" dirty="0" smtClean="0"/>
+              <a:t> marks the text is "</a:t>
+            </a:r>
+            <a:r>
+              <a:rPr lang="en-US" i="1" dirty="0" smtClean="0"/>
+              <a:t>stronger</a:t>
+            </a:r>
+            <a:r>
+              <a:rPr lang="en-US" dirty="0" smtClean="0"/>
+              <a:t>" than the other, surrounding text</a:t>
+            </a:r>
+          </a:p>
+        </p:txBody>
+      </p:sp>
+      <p:sp>
+        <p:nvSpPr>
+          <p:cNvPr id="2" name="Slide Number Placeholder 1"/>
+          <p:cNvSpPr>
+            <a:spLocks noGrp="1"/>
+          </p:cNvSpPr>
+          <p:nvPr>
+            <p:ph type="sldNum" sz="quarter" idx="10"/>
+          </p:nvPr>
+        </p:nvSpPr>
+        <p:spPr/>
+        <p:txBody>
+          <a:bodyPr/>
+          <a:lstStyle/>
+          <a:p>
+            <a:fld id="{B6F15528-21DE-4FAA-801E-634DDDAF4B2B}" type="slidenum">
+              <a:rPr lang="en-US" smtClean="0"/>
+              <a:pPr/>
+              <a:t>22</a:t>
+            </a:fld>
+            <a:endParaRPr lang="en-US"/>
           </a:p>
         </p:txBody>
       </p:sp>
     </p:spTree>
     <p:extLst>
       <p:ext uri="{BB962C8B-B14F-4D97-AF65-F5344CB8AC3E}">
-        <p14:creationId xmlns:p14="http://schemas.microsoft.com/office/powerpoint/2010/main" val="3201767473"/>
+        <p14:creationId xmlns:p14="http://schemas.microsoft.com/office/powerpoint/2010/main" val="1954503342"/>
       </p:ext>
     </p:extLst>
   </p:cSld>
@@ -9852,7 +11772,7 @@
           <a:p>
             <a:r>
               <a:rPr lang="en-US" dirty="0" smtClean="0"/>
-              <a:t>Homework</a:t>
+              <a:t>Other Semantics (2)</a:t>
             </a:r>
             <a:endParaRPr lang="en-US" dirty="0"/>
           </a:p>
@@ -9870,7 +11790,7 @@
         </p:nvSpPr>
         <p:spPr>
           <a:xfrm>
-            <a:off x="228600" y="1066800"/>
+            <a:off x="228600" y="1143000"/>
             <a:ext cx="8686800" cy="5486400"/>
           </a:xfrm>
         </p:spPr>
@@ -9878,148 +11798,1463 @@
           <a:bodyPr/>
           <a:lstStyle/>
           <a:p>
-            <a:pPr marL="514350" indent="-514350">
+            <a:pPr>
               <a:lnSpc>
                 <a:spcPct val="100000"/>
               </a:lnSpc>
-              <a:buFont typeface="+mj-lt"/>
-              <a:buAutoNum type="arabicPeriod"/>
             </a:pPr>
             <a:r>
-              <a:rPr lang="en-US" sz="2800" dirty="0" smtClean="0"/>
-              <a:t>Refactor the </a:t>
-            </a:r>
-            <a:r>
-              <a:rPr lang="en-US" sz="2800" dirty="0">
+              <a:rPr lang="en-US" dirty="0" smtClean="0"/>
+              <a:t>Emphasis </a:t>
+            </a:r>
+            <a:r>
+              <a:rPr lang="en-US" noProof="1" smtClean="0">
                 <a:solidFill>
                   <a:schemeClr val="accent5">
                     <a:lumMod val="20000"/>
                     <a:lumOff val="80000"/>
                   </a:schemeClr>
                 </a:solidFill>
+                <a:latin typeface="Consolas" pitchFamily="49" charset="0"/>
+                <a:cs typeface="Consolas" pitchFamily="49" charset="0"/>
               </a:rPr>
-              <a:t>r</a:t>
-            </a:r>
-            <a:r>
-              <a:rPr lang="en-US" sz="2800" dirty="0" smtClean="0">
+              <a:t>&lt;em&gt;</a:t>
+            </a:r>
+            <a:r>
+              <a:rPr lang="en-US" noProof="1" smtClean="0"/>
+              <a:t> </a:t>
+            </a:r>
+            <a:r>
+              <a:rPr lang="en-US" dirty="0" smtClean="0"/>
+              <a:t>vs. Italic </a:t>
+            </a:r>
+            <a:r>
+              <a:rPr lang="en-US" noProof="1" smtClean="0">
                 <a:solidFill>
                   <a:schemeClr val="accent5">
                     <a:lumMod val="20000"/>
                     <a:lumOff val="80000"/>
                   </a:schemeClr>
                 </a:solidFill>
+                <a:latin typeface="Consolas" pitchFamily="49" charset="0"/>
+                <a:cs typeface="Consolas" pitchFamily="49" charset="0"/>
               </a:rPr>
-              <a:t>efactoring-homework.html</a:t>
-            </a:r>
-            <a:r>
-              <a:rPr lang="en-US" sz="2800" dirty="0" smtClean="0"/>
-              <a:t> web page and make its HTML semantic</a:t>
-            </a:r>
-          </a:p>
-          <a:p>
-            <a:pPr marL="514350" indent="-514350">
-              <a:lnSpc>
-                <a:spcPct val="100000"/>
-              </a:lnSpc>
-              <a:buFont typeface="+mj-lt"/>
-              <a:buAutoNum type="arabicPeriod"/>
-            </a:pPr>
-            <a:r>
-              <a:rPr lang="en-US" sz="2800" dirty="0" smtClean="0"/>
-              <a:t>Create a web page using semantic HTML by the design in </a:t>
-            </a:r>
-            <a:r>
-              <a:rPr lang="en-US" sz="2800" dirty="0" smtClean="0">
-                <a:solidFill>
-                  <a:schemeClr val="accent5">
-                    <a:lumMod val="20000"/>
-                    <a:lumOff val="80000"/>
-                  </a:schemeClr>
-                </a:solidFill>
-              </a:rPr>
-              <a:t>homework-design-1.pptx</a:t>
-            </a:r>
-          </a:p>
-          <a:p>
-            <a:pPr marL="514350" indent="-514350">
-              <a:lnSpc>
-                <a:spcPct val="100000"/>
-              </a:lnSpc>
-              <a:buFont typeface="+mj-lt"/>
-              <a:buAutoNum type="arabicPeriod"/>
-            </a:pPr>
-            <a:r>
-              <a:rPr lang="en-US" sz="2800" dirty="0" smtClean="0"/>
-              <a:t>Create a web page using semantic HTML by the design in </a:t>
-            </a:r>
-            <a:r>
-              <a:rPr lang="en-US" sz="2800" dirty="0" smtClean="0">
-                <a:solidFill>
-                  <a:schemeClr val="accent5">
-                    <a:lumMod val="20000"/>
-                    <a:lumOff val="80000"/>
-                  </a:schemeClr>
-                </a:solidFill>
-              </a:rPr>
-              <a:t>homework-design-2.pptx</a:t>
-            </a:r>
-          </a:p>
-          <a:p>
-            <a:pPr marL="800100" lvl="1" indent="-228600">
+              <a:t>&lt;i&gt;</a:t>
+            </a:r>
+          </a:p>
+          <a:p>
+            <a:pPr lvl="1">
               <a:lnSpc>
                 <a:spcPct val="100000"/>
               </a:lnSpc>
             </a:pPr>
             <a:r>
-              <a:rPr lang="en-US" sz="2600" dirty="0" smtClean="0"/>
-              <a:t>*</a:t>
-            </a:r>
-            <a:r>
-              <a:rPr lang="en-US" sz="2600" dirty="0"/>
-              <a:t>Note: do not try to make the same </a:t>
-            </a:r>
-            <a:r>
-              <a:rPr lang="en-US" sz="2600" dirty="0" smtClean="0"/>
-              <a:t>styles in Exercise 2 and Exercise 3</a:t>
-            </a:r>
-            <a:endParaRPr lang="en-US" sz="2600" dirty="0"/>
-          </a:p>
-          <a:p>
-            <a:pPr marL="1154113" lvl="2" indent="-354013">
+              <a:rPr lang="en-US" dirty="0" smtClean="0"/>
+              <a:t>Emphasis does not always mean, that the code should be </a:t>
+            </a:r>
+            <a:r>
+              <a:rPr lang="en-US" i="1" dirty="0" smtClean="0"/>
+              <a:t>italic</a:t>
+            </a:r>
+          </a:p>
+          <a:p>
+            <a:pPr lvl="2">
               <a:lnSpc>
                 <a:spcPct val="100000"/>
               </a:lnSpc>
             </a:pPr>
             <a:r>
-              <a:rPr lang="en-US" sz="2400" dirty="0" smtClean="0"/>
-              <a:t>Implement just </a:t>
-            </a:r>
-            <a:r>
-              <a:rPr lang="en-US" sz="2400" dirty="0"/>
-              <a:t>the </a:t>
-            </a:r>
-            <a:r>
-              <a:rPr lang="en-US" sz="2400" dirty="0" smtClean="0"/>
-              <a:t>content with its semantics</a:t>
-            </a:r>
-          </a:p>
-          <a:p>
-            <a:pPr marL="862013" lvl="1" indent="-354013">
+              <a:rPr lang="en-US" dirty="0" smtClean="0"/>
+              <a:t>It could be bolder, italic and underlined</a:t>
+            </a:r>
+          </a:p>
+          <a:p>
+            <a:pPr lvl="1">
               <a:lnSpc>
                 <a:spcPct val="100000"/>
               </a:lnSpc>
             </a:pPr>
             <a:r>
-              <a:rPr lang="en-US" sz="2600" dirty="0" smtClean="0"/>
-              <a:t>Use some kind of approach to support old (non-HTML5-compatible) Web browsers like IE6-IE8</a:t>
-            </a:r>
+              <a:rPr lang="en-US" dirty="0" smtClean="0"/>
+              <a:t>The styles for the emphasis text should be set with CSS</a:t>
+            </a:r>
+          </a:p>
+          <a:p>
+            <a:pPr lvl="2">
+              <a:lnSpc>
+                <a:spcPct val="100000"/>
+              </a:lnSpc>
+            </a:pPr>
+            <a:r>
+              <a:rPr lang="en-US" dirty="0" smtClean="0"/>
+              <a:t>Not by HTML</a:t>
+            </a:r>
+          </a:p>
+          <a:p>
+            <a:pPr>
+              <a:lnSpc>
+                <a:spcPct val="100000"/>
+              </a:lnSpc>
+            </a:pPr>
+            <a:r>
+              <a:rPr lang="en-US" dirty="0" smtClean="0"/>
+              <a:t>Old browsers (like IE6)?</a:t>
+            </a:r>
+          </a:p>
+          <a:p>
+            <a:pPr lvl="1">
+              <a:lnSpc>
+                <a:spcPct val="100000"/>
+              </a:lnSpc>
+            </a:pPr>
+            <a:r>
+              <a:rPr lang="en-US" dirty="0" smtClean="0"/>
+              <a:t>Use </a:t>
+            </a:r>
+            <a:r>
+              <a:rPr lang="en-US" dirty="0" smtClean="0">
+                <a:solidFill>
+                  <a:srgbClr val="4A6B82"/>
+                </a:solidFill>
+                <a:latin typeface="Arial"/>
+                <a:hlinkClick r:id="rId2"/>
+              </a:rPr>
+              <a:t>Modernizr</a:t>
+            </a:r>
+            <a:r>
+              <a:rPr lang="en-US" dirty="0" smtClean="0">
+                <a:solidFill>
+                  <a:srgbClr val="4A6B82"/>
+                </a:solidFill>
+                <a:latin typeface="Arial"/>
+              </a:rPr>
+              <a:t> </a:t>
+            </a:r>
+            <a:r>
+              <a:rPr lang="en-US" dirty="0" smtClean="0"/>
+              <a:t>or </a:t>
+            </a:r>
+            <a:r>
+              <a:rPr lang="en-US" u="sng" dirty="0" smtClean="0">
+                <a:solidFill>
+                  <a:srgbClr val="4A6B82"/>
+                </a:solidFill>
+                <a:latin typeface="Arial"/>
+                <a:hlinkClick r:id="rId3"/>
+              </a:rPr>
+              <a:t>HTML5shiv</a:t>
+            </a:r>
+            <a:endParaRPr lang="en-US" dirty="0" smtClean="0"/>
+          </a:p>
+        </p:txBody>
+      </p:sp>
+      <p:sp>
+        <p:nvSpPr>
+          <p:cNvPr id="2" name="Slide Number Placeholder 1"/>
+          <p:cNvSpPr>
+            <a:spLocks noGrp="1"/>
+          </p:cNvSpPr>
+          <p:nvPr>
+            <p:ph type="sldNum" sz="quarter" idx="10"/>
+          </p:nvPr>
+        </p:nvSpPr>
+        <p:spPr/>
+        <p:txBody>
+          <a:bodyPr/>
+          <a:lstStyle/>
+          <a:p>
+            <a:fld id="{B6F15528-21DE-4FAA-801E-634DDDAF4B2B}" type="slidenum">
+              <a:rPr lang="en-US" smtClean="0"/>
+              <a:pPr/>
+              <a:t>23</a:t>
+            </a:fld>
+            <a:endParaRPr lang="en-US"/>
           </a:p>
         </p:txBody>
       </p:sp>
     </p:spTree>
     <p:extLst>
       <p:ext uri="{BB962C8B-B14F-4D97-AF65-F5344CB8AC3E}">
-        <p14:creationId xmlns:p14="http://schemas.microsoft.com/office/powerpoint/2010/main" val="2287847628"/>
+        <p14:creationId xmlns:p14="http://schemas.microsoft.com/office/powerpoint/2010/main" val="340389202"/>
+      </p:ext>
+    </p:extLst>
+  </p:cSld>
+  <p:clrMapOvr>
+    <a:masterClrMapping/>
+  </p:clrMapOvr>
+  <p:timing>
+    <p:tnLst>
+      <p:par>
+        <p:cTn id="1" dur="indefinite" restart="never" nodeType="tmRoot"/>
+      </p:par>
+    </p:tnLst>
+  </p:timing>
+</p:sld>
+</file>
+
+<file path=ppt/slides/slide24.xml><?xml version="1.0" encoding="utf-8"?>
+<p:sld xmlns:a="http://schemas.openxmlformats.org/drawingml/2006/main" xmlns:r="http://schemas.openxmlformats.org/officeDocument/2006/relationships" xmlns:p="http://schemas.openxmlformats.org/presentationml/2006/main">
+  <p:cSld>
+    <p:spTree>
+      <p:nvGrpSpPr>
+        <p:cNvPr id="1" name=""/>
+        <p:cNvGrpSpPr/>
+        <p:nvPr/>
+      </p:nvGrpSpPr>
+      <p:grpSpPr>
+        <a:xfrm>
+          <a:off x="0" y="0"/>
+          <a:ext cx="0" cy="0"/>
+          <a:chOff x="0" y="0"/>
+          <a:chExt cx="0" cy="0"/>
+        </a:xfrm>
+      </p:grpSpPr>
+      <p:sp>
+        <p:nvSpPr>
+          <p:cNvPr id="5" name="Title 4"/>
+          <p:cNvSpPr>
+            <a:spLocks noGrp="1"/>
+          </p:cNvSpPr>
+          <p:nvPr>
+            <p:ph type="ctrTitle"/>
+          </p:nvPr>
+        </p:nvSpPr>
+        <p:spPr>
+          <a:xfrm>
+            <a:off x="1295400" y="1066800"/>
+            <a:ext cx="6553200" cy="1295401"/>
+          </a:xfrm>
+        </p:spPr>
+        <p:txBody>
+          <a:bodyPr/>
+          <a:lstStyle/>
+          <a:p>
+            <a:r>
+              <a:rPr lang="en-US" dirty="0" smtClean="0"/>
+              <a:t>Accessibility</a:t>
+            </a:r>
+            <a:endParaRPr lang="en-US" dirty="0"/>
+          </a:p>
+        </p:txBody>
+      </p:sp>
+      <p:sp>
+        <p:nvSpPr>
+          <p:cNvPr id="6" name="Subtitle 5"/>
+          <p:cNvSpPr>
+            <a:spLocks noGrp="1"/>
+          </p:cNvSpPr>
+          <p:nvPr>
+            <p:ph type="subTitle" idx="1"/>
+          </p:nvPr>
+        </p:nvSpPr>
+        <p:spPr>
+          <a:xfrm>
+            <a:off x="1447800" y="2286000"/>
+            <a:ext cx="6248399" cy="797720"/>
+          </a:xfrm>
+        </p:spPr>
+        <p:txBody>
+          <a:bodyPr/>
+          <a:lstStyle/>
+          <a:p>
+            <a:r>
+              <a:rPr lang="en-US" i="1" dirty="0" smtClean="0"/>
+              <a:t>“A person’s a person,</a:t>
+            </a:r>
+            <a:br>
+              <a:rPr lang="en-US" i="1" dirty="0" smtClean="0"/>
+            </a:br>
+            <a:r>
+              <a:rPr lang="en-US" i="1" dirty="0" smtClean="0"/>
+              <a:t>no matter how small”</a:t>
+            </a:r>
+            <a:endParaRPr lang="en-US" i="1" dirty="0"/>
+          </a:p>
+        </p:txBody>
+      </p:sp>
+      <p:sp>
+        <p:nvSpPr>
+          <p:cNvPr id="4" name="TextBox 3"/>
+          <p:cNvSpPr txBox="1"/>
+          <p:nvPr/>
+        </p:nvSpPr>
+        <p:spPr>
+          <a:xfrm>
+            <a:off x="5486400" y="3159920"/>
+            <a:ext cx="1599284" cy="523220"/>
+          </a:xfrm>
+          <a:prstGeom prst="rect">
+            <a:avLst/>
+          </a:prstGeom>
+          <a:noFill/>
+        </p:spPr>
+        <p:txBody>
+          <a:bodyPr wrap="none" rtlCol="0">
+            <a:spAutoFit/>
+          </a:bodyPr>
+          <a:lstStyle/>
+          <a:p>
+            <a:pPr algn="ctr" eaLnBrk="0" hangingPunct="0">
+              <a:spcBef>
+                <a:spcPct val="20000"/>
+              </a:spcBef>
+              <a:buClr>
+                <a:schemeClr val="accent5">
+                  <a:lumMod val="40000"/>
+                  <a:lumOff val="60000"/>
+                </a:schemeClr>
+              </a:buClr>
+              <a:buSzPct val="70000"/>
+            </a:pPr>
+            <a:r>
+              <a:rPr lang="en-US" sz="2800" b="1" dirty="0" smtClean="0">
+                <a:solidFill>
+                  <a:srgbClr val="FAF7C8"/>
+                </a:solidFill>
+                <a:effectLst>
+                  <a:outerShdw blurRad="38100" dist="38100" dir="2700000" algn="tl">
+                    <a:srgbClr val="000000">
+                      <a:alpha val="43137"/>
+                    </a:srgbClr>
+                  </a:outerShdw>
+                </a:effectLst>
+                <a:latin typeface="+mn-lt"/>
+              </a:rPr>
+              <a:t>Dr. Seuss</a:t>
+            </a:r>
+          </a:p>
+        </p:txBody>
+      </p:sp>
+      <p:pic>
+        <p:nvPicPr>
+          <p:cNvPr id="8194" name="Picture 2"/>
+          <p:cNvPicPr>
+            <a:picLocks noChangeAspect="1" noChangeArrowheads="1"/>
+          </p:cNvPicPr>
+          <p:nvPr/>
+        </p:nvPicPr>
+        <p:blipFill>
+          <a:blip r:embed="rId2" cstate="print">
+            <a:extLst>
+              <a:ext uri="{28A0092B-C50C-407E-A947-70E740481C1C}">
+                <a14:useLocalDpi xmlns:a14="http://schemas.microsoft.com/office/drawing/2010/main" val="0"/>
+              </a:ext>
+            </a:extLst>
+          </a:blip>
+          <a:srcRect/>
+          <a:stretch>
+            <a:fillRect/>
+          </a:stretch>
+        </p:blipFill>
+        <p:spPr bwMode="auto">
+          <a:xfrm>
+            <a:off x="1752600" y="4059135"/>
+            <a:ext cx="5486400" cy="2080328"/>
+          </a:xfrm>
+          <a:prstGeom prst="rect">
+            <a:avLst/>
+          </a:prstGeom>
+          <a:noFill/>
+          <a:ln>
+            <a:noFill/>
+          </a:ln>
+          <a:effectLst>
+            <a:glow rad="101600">
+              <a:schemeClr val="accent6">
+                <a:satMod val="175000"/>
+                <a:alpha val="40000"/>
+              </a:schemeClr>
+            </a:glow>
+            <a:outerShdw dist="35921" dir="2700000" algn="ctr" rotWithShape="0">
+              <a:schemeClr val="bg2"/>
+            </a:outerShdw>
+          </a:effectLst>
+          <a:extLst>
+            <a:ext uri="{909E8E84-426E-40DD-AFC4-6F175D3DCCD1}">
+              <a14:hiddenFill xmlns:a14="http://schemas.microsoft.com/office/drawing/2010/main">
+                <a:solidFill>
+                  <a:schemeClr val="accent1"/>
+                </a:solidFill>
+              </a14:hiddenFill>
+            </a:ext>
+            <a:ext uri="{91240B29-F687-4F45-9708-019B960494DF}">
+              <a14:hiddenLine xmlns:a14="http://schemas.microsoft.com/office/drawing/2010/main" w="9525">
+                <a:solidFill>
+                  <a:schemeClr val="tx1"/>
+                </a:solidFill>
+                <a:miter lim="800000"/>
+                <a:headEnd/>
+                <a:tailEnd/>
+              </a14:hiddenLine>
+            </a:ext>
+          </a:extLst>
+        </p:spPr>
+      </p:pic>
+    </p:spTree>
+    <p:extLst>
+      <p:ext uri="{BB962C8B-B14F-4D97-AF65-F5344CB8AC3E}">
+        <p14:creationId xmlns:p14="http://schemas.microsoft.com/office/powerpoint/2010/main" val="4135898417"/>
+      </p:ext>
+    </p:extLst>
+  </p:cSld>
+  <p:clrMapOvr>
+    <a:masterClrMapping/>
+  </p:clrMapOvr>
+  <p:timing>
+    <p:tnLst>
+      <p:par>
+        <p:cTn id="1" dur="indefinite" restart="never" nodeType="tmRoot"/>
+      </p:par>
+    </p:tnLst>
+  </p:timing>
+</p:sld>
+</file>
+
+<file path=ppt/slides/slide25.xml><?xml version="1.0" encoding="utf-8"?>
+<p:sld xmlns:a="http://schemas.openxmlformats.org/drawingml/2006/main" xmlns:r="http://schemas.openxmlformats.org/officeDocument/2006/relationships" xmlns:p="http://schemas.openxmlformats.org/presentationml/2006/main">
+  <p:cSld>
+    <p:spTree>
+      <p:nvGrpSpPr>
+        <p:cNvPr id="1" name=""/>
+        <p:cNvGrpSpPr/>
+        <p:nvPr/>
+      </p:nvGrpSpPr>
+      <p:grpSpPr>
+        <a:xfrm>
+          <a:off x="0" y="0"/>
+          <a:ext cx="0" cy="0"/>
+          <a:chOff x="0" y="0"/>
+          <a:chExt cx="0" cy="0"/>
+        </a:xfrm>
+      </p:grpSpPr>
+      <p:sp>
+        <p:nvSpPr>
+          <p:cNvPr id="2" name="Title 1"/>
+          <p:cNvSpPr>
+            <a:spLocks noGrp="1"/>
+          </p:cNvSpPr>
+          <p:nvPr>
+            <p:ph type="title"/>
+          </p:nvPr>
+        </p:nvSpPr>
+        <p:spPr/>
+        <p:txBody>
+          <a:bodyPr/>
+          <a:lstStyle/>
+          <a:p>
+            <a:r>
+              <a:rPr lang="en-US" dirty="0" smtClean="0"/>
+              <a:t>Accessibility</a:t>
+            </a:r>
+            <a:endParaRPr lang="en-US" dirty="0"/>
+          </a:p>
+        </p:txBody>
+      </p:sp>
+      <p:sp>
+        <p:nvSpPr>
+          <p:cNvPr id="3" name="Content Placeholder 2"/>
+          <p:cNvSpPr>
+            <a:spLocks noGrp="1"/>
+          </p:cNvSpPr>
+          <p:nvPr>
+            <p:ph idx="1"/>
+          </p:nvPr>
+        </p:nvSpPr>
+        <p:spPr/>
+        <p:txBody>
+          <a:bodyPr/>
+          <a:lstStyle/>
+          <a:p>
+            <a:pPr>
+              <a:lnSpc>
+                <a:spcPct val="100000"/>
+              </a:lnSpc>
+            </a:pPr>
+            <a:r>
+              <a:rPr lang="en-US" dirty="0" smtClean="0"/>
+              <a:t>Craft content minding disabled users</a:t>
+            </a:r>
+          </a:p>
+          <a:p>
+            <a:pPr lvl="1">
+              <a:lnSpc>
+                <a:spcPct val="100000"/>
+              </a:lnSpc>
+            </a:pPr>
+            <a:r>
+              <a:rPr lang="en-US" dirty="0" smtClean="0"/>
+              <a:t>Blind - include text equivalents of images, use labels in forms</a:t>
+            </a:r>
+          </a:p>
+          <a:p>
+            <a:pPr lvl="1">
+              <a:lnSpc>
+                <a:spcPct val="100000"/>
+              </a:lnSpc>
+            </a:pPr>
+            <a:r>
+              <a:rPr lang="en-US" dirty="0" smtClean="0"/>
+              <a:t>Colorblind - do not convey information using color only</a:t>
+            </a:r>
+          </a:p>
+          <a:p>
+            <a:pPr lvl="1">
+              <a:lnSpc>
+                <a:spcPct val="100000"/>
+              </a:lnSpc>
+            </a:pPr>
+            <a:r>
+              <a:rPr lang="en-US" dirty="0" smtClean="0"/>
+              <a:t>Visually impaired - avoid small font sizes</a:t>
+            </a:r>
+          </a:p>
+          <a:p>
+            <a:pPr lvl="1">
+              <a:lnSpc>
+                <a:spcPct val="100000"/>
+              </a:lnSpc>
+            </a:pPr>
+            <a:r>
+              <a:rPr lang="en-US" dirty="0" smtClean="0"/>
+              <a:t>Epileptic - avoid flashing content (3Hz or more)</a:t>
+            </a:r>
+          </a:p>
+          <a:p>
+            <a:pPr lvl="1">
+              <a:lnSpc>
+                <a:spcPct val="100000"/>
+              </a:lnSpc>
+            </a:pPr>
+            <a:r>
+              <a:rPr lang="en-US" dirty="0" smtClean="0"/>
+              <a:t>Physical disabilities - avoid functionality that relies only on the mouse or keyboard</a:t>
+            </a:r>
+          </a:p>
+        </p:txBody>
+      </p:sp>
+      <p:sp>
+        <p:nvSpPr>
+          <p:cNvPr id="4" name="Slide Number Placeholder 3"/>
+          <p:cNvSpPr>
+            <a:spLocks noGrp="1"/>
+          </p:cNvSpPr>
+          <p:nvPr>
+            <p:ph type="sldNum" sz="quarter" idx="10"/>
+          </p:nvPr>
+        </p:nvSpPr>
+        <p:spPr/>
+        <p:txBody>
+          <a:bodyPr/>
+          <a:lstStyle/>
+          <a:p>
+            <a:pPr>
+              <a:defRPr/>
+            </a:pPr>
+            <a:fld id="{58452FF4-89E3-4D1B-9927-2DBDC00E58D7}" type="slidenum">
+              <a:rPr lang="en-US" smtClean="0"/>
+              <a:pPr>
+                <a:defRPr/>
+              </a:pPr>
+              <a:t>25</a:t>
+            </a:fld>
+            <a:endParaRPr lang="en-US" dirty="0"/>
+          </a:p>
+        </p:txBody>
+      </p:sp>
+    </p:spTree>
+    <p:extLst>
+      <p:ext uri="{BB962C8B-B14F-4D97-AF65-F5344CB8AC3E}">
+        <p14:creationId xmlns:p14="http://schemas.microsoft.com/office/powerpoint/2010/main" val="1891620039"/>
+      </p:ext>
+    </p:extLst>
+  </p:cSld>
+  <p:clrMapOvr>
+    <a:masterClrMapping/>
+  </p:clrMapOvr>
+</p:sld>
+</file>
+
+<file path=ppt/slides/slide26.xml><?xml version="1.0" encoding="utf-8"?>
+<p:sld xmlns:a="http://schemas.openxmlformats.org/drawingml/2006/main" xmlns:r="http://schemas.openxmlformats.org/officeDocument/2006/relationships" xmlns:p="http://schemas.openxmlformats.org/presentationml/2006/main">
+  <p:cSld>
+    <p:spTree>
+      <p:nvGrpSpPr>
+        <p:cNvPr id="1" name=""/>
+        <p:cNvGrpSpPr/>
+        <p:nvPr/>
+      </p:nvGrpSpPr>
+      <p:grpSpPr>
+        <a:xfrm>
+          <a:off x="0" y="0"/>
+          <a:ext cx="0" cy="0"/>
+          <a:chOff x="0" y="0"/>
+          <a:chExt cx="0" cy="0"/>
+        </a:xfrm>
+      </p:grpSpPr>
+      <p:sp>
+        <p:nvSpPr>
+          <p:cNvPr id="2" name="Title 1"/>
+          <p:cNvSpPr>
+            <a:spLocks noGrp="1"/>
+          </p:cNvSpPr>
+          <p:nvPr>
+            <p:ph type="title"/>
+          </p:nvPr>
+        </p:nvSpPr>
+        <p:spPr/>
+        <p:txBody>
+          <a:bodyPr/>
+          <a:lstStyle/>
+          <a:p>
+            <a:r>
+              <a:rPr lang="en-US" dirty="0" smtClean="0"/>
+              <a:t>Accessibility (2)</a:t>
+            </a:r>
+            <a:endParaRPr lang="en-US" dirty="0"/>
+          </a:p>
+        </p:txBody>
+      </p:sp>
+      <p:sp>
+        <p:nvSpPr>
+          <p:cNvPr id="3" name="Content Placeholder 2"/>
+          <p:cNvSpPr>
+            <a:spLocks noGrp="1"/>
+          </p:cNvSpPr>
+          <p:nvPr>
+            <p:ph idx="1"/>
+          </p:nvPr>
+        </p:nvSpPr>
+        <p:spPr>
+          <a:xfrm>
+            <a:off x="228600" y="1066800"/>
+            <a:ext cx="8686800" cy="4876800"/>
+          </a:xfrm>
+        </p:spPr>
+        <p:txBody>
+          <a:bodyPr/>
+          <a:lstStyle/>
+          <a:p>
+            <a:pPr>
+              <a:lnSpc>
+                <a:spcPct val="100000"/>
+              </a:lnSpc>
+            </a:pPr>
+            <a:r>
+              <a:rPr lang="en-US" dirty="0" smtClean="0"/>
+              <a:t>Why implement accessibility?</a:t>
+            </a:r>
+          </a:p>
+          <a:p>
+            <a:pPr lvl="1">
+              <a:lnSpc>
+                <a:spcPct val="100000"/>
+              </a:lnSpc>
+            </a:pPr>
+            <a:r>
+              <a:rPr lang="en-US" dirty="0" smtClean="0"/>
+              <a:t>Some accessibility features are mandatory for government sites in some countries (US, NL, SW)</a:t>
+            </a:r>
+          </a:p>
+          <a:p>
+            <a:pPr lvl="1">
+              <a:lnSpc>
+                <a:spcPct val="100000"/>
+              </a:lnSpc>
+            </a:pPr>
+            <a:r>
+              <a:rPr lang="en-US" dirty="0" smtClean="0"/>
+              <a:t>“Everyone gets visited by a very important blind user, named Google”</a:t>
+            </a:r>
+          </a:p>
+          <a:p>
+            <a:pPr lvl="1">
+              <a:lnSpc>
+                <a:spcPct val="100000"/>
+              </a:lnSpc>
+            </a:pPr>
+            <a:r>
+              <a:rPr lang="en-US" dirty="0" smtClean="0"/>
+              <a:t>Some SEO and accessibility considerations overlap</a:t>
+            </a:r>
+          </a:p>
+        </p:txBody>
+      </p:sp>
+      <p:sp>
+        <p:nvSpPr>
+          <p:cNvPr id="4" name="Slide Number Placeholder 3"/>
+          <p:cNvSpPr>
+            <a:spLocks noGrp="1"/>
+          </p:cNvSpPr>
+          <p:nvPr>
+            <p:ph type="sldNum" sz="quarter" idx="10"/>
+          </p:nvPr>
+        </p:nvSpPr>
+        <p:spPr/>
+        <p:txBody>
+          <a:bodyPr/>
+          <a:lstStyle/>
+          <a:p>
+            <a:pPr>
+              <a:defRPr/>
+            </a:pPr>
+            <a:fld id="{58452FF4-89E3-4D1B-9927-2DBDC00E58D7}" type="slidenum">
+              <a:rPr lang="en-US" smtClean="0"/>
+              <a:pPr>
+                <a:defRPr/>
+              </a:pPr>
+              <a:t>26</a:t>
+            </a:fld>
+            <a:endParaRPr lang="en-US" dirty="0"/>
+          </a:p>
+        </p:txBody>
+      </p:sp>
+    </p:spTree>
+    <p:extLst>
+      <p:ext uri="{BB962C8B-B14F-4D97-AF65-F5344CB8AC3E}">
+        <p14:creationId xmlns:p14="http://schemas.microsoft.com/office/powerpoint/2010/main" val="2315458668"/>
+      </p:ext>
+    </p:extLst>
+  </p:cSld>
+  <p:clrMapOvr>
+    <a:masterClrMapping/>
+  </p:clrMapOvr>
+</p:sld>
+</file>
+
+<file path=ppt/slides/slide27.xml><?xml version="1.0" encoding="utf-8"?>
+<p:sld xmlns:a="http://schemas.openxmlformats.org/drawingml/2006/main" xmlns:r="http://schemas.openxmlformats.org/officeDocument/2006/relationships" xmlns:p="http://schemas.openxmlformats.org/presentationml/2006/main">
+  <p:cSld>
+    <p:spTree>
+      <p:nvGrpSpPr>
+        <p:cNvPr id="1" name=""/>
+        <p:cNvGrpSpPr/>
+        <p:nvPr/>
+      </p:nvGrpSpPr>
+      <p:grpSpPr>
+        <a:xfrm>
+          <a:off x="0" y="0"/>
+          <a:ext cx="0" cy="0"/>
+          <a:chOff x="0" y="0"/>
+          <a:chExt cx="0" cy="0"/>
+        </a:xfrm>
+      </p:grpSpPr>
+      <p:sp>
+        <p:nvSpPr>
+          <p:cNvPr id="2" name="Title 1"/>
+          <p:cNvSpPr>
+            <a:spLocks noGrp="1"/>
+          </p:cNvSpPr>
+          <p:nvPr>
+            <p:ph type="title"/>
+          </p:nvPr>
+        </p:nvSpPr>
+        <p:spPr>
+          <a:xfrm>
+            <a:off x="1828800" y="0"/>
+            <a:ext cx="7086600" cy="914400"/>
+          </a:xfrm>
+        </p:spPr>
+        <p:txBody>
+          <a:bodyPr/>
+          <a:lstStyle/>
+          <a:p>
+            <a:r>
+              <a:rPr lang="en-US" dirty="0" smtClean="0"/>
+              <a:t>Accessibility (3)</a:t>
+            </a:r>
+            <a:endParaRPr lang="en-US" dirty="0"/>
+          </a:p>
+        </p:txBody>
+      </p:sp>
+      <p:sp>
+        <p:nvSpPr>
+          <p:cNvPr id="3" name="Content Placeholder 2"/>
+          <p:cNvSpPr>
+            <a:spLocks noGrp="1"/>
+          </p:cNvSpPr>
+          <p:nvPr>
+            <p:ph idx="1"/>
+          </p:nvPr>
+        </p:nvSpPr>
+        <p:spPr/>
+        <p:txBody>
+          <a:bodyPr/>
+          <a:lstStyle/>
+          <a:p>
+            <a:pPr>
+              <a:lnSpc>
+                <a:spcPct val="100000"/>
+              </a:lnSpc>
+            </a:pPr>
+            <a:r>
+              <a:rPr lang="en-US" dirty="0" smtClean="0"/>
+              <a:t>Standards</a:t>
+            </a:r>
+          </a:p>
+          <a:p>
+            <a:pPr lvl="1">
+              <a:lnSpc>
+                <a:spcPct val="100000"/>
+              </a:lnSpc>
+            </a:pPr>
+            <a:r>
+              <a:rPr lang="en-US" dirty="0" smtClean="0"/>
+              <a:t>Web Content Accessibility Guidelines (WCAG) - </a:t>
+            </a:r>
+            <a:r>
+              <a:rPr lang="en-US" dirty="0" smtClean="0">
+                <a:hlinkClick r:id="rId2"/>
+              </a:rPr>
+              <a:t>http://www.w3.org/WAI/intro/wcag</a:t>
+            </a:r>
+            <a:r>
+              <a:rPr lang="en-US" dirty="0" smtClean="0"/>
+              <a:t> </a:t>
+            </a:r>
+          </a:p>
+          <a:p>
+            <a:pPr lvl="1">
+              <a:lnSpc>
+                <a:spcPct val="100000"/>
+              </a:lnSpc>
+            </a:pPr>
+            <a:r>
+              <a:rPr lang="en-US" dirty="0" smtClean="0"/>
+              <a:t>Section 508 - </a:t>
+            </a:r>
+            <a:r>
+              <a:rPr lang="en-US" dirty="0" smtClean="0">
+                <a:hlinkClick r:id="rId3"/>
+              </a:rPr>
+              <a:t>http://www.section508.gov</a:t>
+            </a:r>
+            <a:r>
+              <a:rPr lang="en-US" dirty="0" smtClean="0"/>
+              <a:t> </a:t>
+            </a:r>
+          </a:p>
+          <a:p>
+            <a:pPr>
+              <a:lnSpc>
+                <a:spcPct val="100000"/>
+              </a:lnSpc>
+            </a:pPr>
+            <a:r>
+              <a:rPr lang="en-US" dirty="0" smtClean="0"/>
+              <a:t>Tools</a:t>
+            </a:r>
+          </a:p>
+          <a:p>
+            <a:pPr lvl="1">
+              <a:lnSpc>
+                <a:spcPct val="100000"/>
+              </a:lnSpc>
+            </a:pPr>
+            <a:r>
+              <a:rPr lang="en-US" dirty="0" smtClean="0"/>
+              <a:t>Will never replace manual testing, but may help</a:t>
+            </a:r>
+          </a:p>
+          <a:p>
+            <a:pPr lvl="1">
+              <a:lnSpc>
+                <a:spcPct val="100000"/>
+              </a:lnSpc>
+            </a:pPr>
+            <a:r>
+              <a:rPr lang="en-US" dirty="0" smtClean="0"/>
+              <a:t>WAVE - </a:t>
+            </a:r>
+            <a:r>
+              <a:rPr lang="en-US" dirty="0" smtClean="0">
+                <a:hlinkClick r:id="rId4"/>
+              </a:rPr>
+              <a:t>http://wave.webaim.org/</a:t>
+            </a:r>
+            <a:r>
+              <a:rPr lang="en-US" dirty="0" smtClean="0"/>
+              <a:t> </a:t>
+            </a:r>
+          </a:p>
+        </p:txBody>
+      </p:sp>
+      <p:sp>
+        <p:nvSpPr>
+          <p:cNvPr id="4" name="Slide Number Placeholder 3"/>
+          <p:cNvSpPr>
+            <a:spLocks noGrp="1"/>
+          </p:cNvSpPr>
+          <p:nvPr>
+            <p:ph type="sldNum" sz="quarter" idx="10"/>
+          </p:nvPr>
+        </p:nvSpPr>
+        <p:spPr/>
+        <p:txBody>
+          <a:bodyPr/>
+          <a:lstStyle/>
+          <a:p>
+            <a:pPr>
+              <a:defRPr/>
+            </a:pPr>
+            <a:fld id="{58452FF4-89E3-4D1B-9927-2DBDC00E58D7}" type="slidenum">
+              <a:rPr lang="en-US" smtClean="0"/>
+              <a:pPr>
+                <a:defRPr/>
+              </a:pPr>
+              <a:t>27</a:t>
+            </a:fld>
+            <a:endParaRPr lang="en-US" dirty="0"/>
+          </a:p>
+        </p:txBody>
+      </p:sp>
+    </p:spTree>
+    <p:extLst>
+      <p:ext uri="{BB962C8B-B14F-4D97-AF65-F5344CB8AC3E}">
+        <p14:creationId xmlns:p14="http://schemas.microsoft.com/office/powerpoint/2010/main" val="2031359761"/>
+      </p:ext>
+    </p:extLst>
+  </p:cSld>
+  <p:clrMapOvr>
+    <a:masterClrMapping/>
+  </p:clrMapOvr>
+  <p:timing>
+    <p:tnLst>
+      <p:par>
+        <p:cTn id="1" dur="indefinite" restart="never" nodeType="tmRoot"/>
+      </p:par>
+    </p:tnLst>
+  </p:timing>
+</p:sld>
+</file>
+
+<file path=ppt/slides/slide28.xml><?xml version="1.0" encoding="utf-8"?>
+<p:sld xmlns:a="http://schemas.openxmlformats.org/drawingml/2006/main" xmlns:r="http://schemas.openxmlformats.org/officeDocument/2006/relationships" xmlns:p="http://schemas.openxmlformats.org/presentationml/2006/main">
+  <p:cSld>
+    <p:spTree>
+      <p:nvGrpSpPr>
+        <p:cNvPr id="1" name=""/>
+        <p:cNvGrpSpPr/>
+        <p:nvPr/>
+      </p:nvGrpSpPr>
+      <p:grpSpPr>
+        <a:xfrm>
+          <a:off x="0" y="0"/>
+          <a:ext cx="0" cy="0"/>
+          <a:chOff x="0" y="0"/>
+          <a:chExt cx="0" cy="0"/>
+        </a:xfrm>
+      </p:grpSpPr>
+      <p:sp>
+        <p:nvSpPr>
+          <p:cNvPr id="5" name="Title 4"/>
+          <p:cNvSpPr>
+            <a:spLocks noGrp="1"/>
+          </p:cNvSpPr>
+          <p:nvPr>
+            <p:ph type="ctrTitle"/>
+          </p:nvPr>
+        </p:nvSpPr>
+        <p:spPr>
+          <a:xfrm>
+            <a:off x="1295400" y="1143000"/>
+            <a:ext cx="6553200" cy="1295401"/>
+          </a:xfrm>
+        </p:spPr>
+        <p:txBody>
+          <a:bodyPr/>
+          <a:lstStyle/>
+          <a:p>
+            <a:r>
+              <a:rPr lang="en-US" dirty="0" smtClean="0"/>
+              <a:t>Search Engine Optimization</a:t>
+            </a:r>
+            <a:endParaRPr lang="en-US" dirty="0"/>
+          </a:p>
+        </p:txBody>
+      </p:sp>
+      <p:sp>
+        <p:nvSpPr>
+          <p:cNvPr id="6" name="Subtitle 5"/>
+          <p:cNvSpPr>
+            <a:spLocks noGrp="1"/>
+          </p:cNvSpPr>
+          <p:nvPr>
+            <p:ph type="subTitle" idx="1"/>
+          </p:nvPr>
+        </p:nvSpPr>
+        <p:spPr>
+          <a:xfrm>
+            <a:off x="1447800" y="2514600"/>
+            <a:ext cx="6248399" cy="797720"/>
+          </a:xfrm>
+        </p:spPr>
+        <p:txBody>
+          <a:bodyPr/>
+          <a:lstStyle/>
+          <a:p>
+            <a:r>
+              <a:rPr lang="en-US" dirty="0" smtClean="0"/>
+              <a:t>Getting ahead in search engines</a:t>
+            </a:r>
+            <a:endParaRPr lang="en-US" dirty="0"/>
+          </a:p>
+        </p:txBody>
+      </p:sp>
+      <p:pic>
+        <p:nvPicPr>
+          <p:cNvPr id="7171" name="Picture 3"/>
+          <p:cNvPicPr>
+            <a:picLocks noChangeAspect="1" noChangeArrowheads="1"/>
+          </p:cNvPicPr>
+          <p:nvPr/>
+        </p:nvPicPr>
+        <p:blipFill>
+          <a:blip r:embed="rId2">
+            <a:extLst>
+              <a:ext uri="{28A0092B-C50C-407E-A947-70E740481C1C}">
+                <a14:useLocalDpi xmlns:a14="http://schemas.microsoft.com/office/drawing/2010/main" val="0"/>
+              </a:ext>
+            </a:extLst>
+          </a:blip>
+          <a:srcRect/>
+          <a:stretch>
+            <a:fillRect/>
+          </a:stretch>
+        </p:blipFill>
+        <p:spPr bwMode="auto">
+          <a:xfrm rot="931389">
+            <a:off x="756631" y="4224556"/>
+            <a:ext cx="3309239" cy="1549826"/>
+          </a:xfrm>
+          <a:prstGeom prst="rect">
+            <a:avLst/>
+          </a:prstGeom>
+          <a:noFill/>
+          <a:ln>
+            <a:noFill/>
+          </a:ln>
+          <a:effectLst>
+            <a:glow rad="228600">
+              <a:schemeClr val="accent6">
+                <a:lumMod val="20000"/>
+                <a:lumOff val="80000"/>
+                <a:alpha val="40000"/>
+              </a:schemeClr>
+            </a:glow>
+            <a:outerShdw dist="35921" dir="2700000" algn="ctr" rotWithShape="0">
+              <a:schemeClr val="bg2"/>
+            </a:outerShdw>
+          </a:effectLst>
+          <a:extLst>
+            <a:ext uri="{909E8E84-426E-40DD-AFC4-6F175D3DCCD1}">
+              <a14:hiddenFill xmlns:a14="http://schemas.microsoft.com/office/drawing/2010/main">
+                <a:solidFill>
+                  <a:schemeClr val="accent1"/>
+                </a:solidFill>
+              </a14:hiddenFill>
+            </a:ext>
+            <a:ext uri="{91240B29-F687-4F45-9708-019B960494DF}">
+              <a14:hiddenLine xmlns:a14="http://schemas.microsoft.com/office/drawing/2010/main" w="9525">
+                <a:solidFill>
+                  <a:schemeClr val="tx1"/>
+                </a:solidFill>
+                <a:miter lim="800000"/>
+                <a:headEnd/>
+                <a:tailEnd/>
+              </a14:hiddenLine>
+            </a:ext>
+          </a:extLst>
+        </p:spPr>
+      </p:pic>
+      <p:pic>
+        <p:nvPicPr>
+          <p:cNvPr id="7172" name="Picture 4"/>
+          <p:cNvPicPr>
+            <a:picLocks noChangeAspect="1" noChangeArrowheads="1"/>
+          </p:cNvPicPr>
+          <p:nvPr/>
+        </p:nvPicPr>
+        <p:blipFill>
+          <a:blip r:embed="rId3">
+            <a:extLst>
+              <a:ext uri="{28A0092B-C50C-407E-A947-70E740481C1C}">
+                <a14:useLocalDpi xmlns:a14="http://schemas.microsoft.com/office/drawing/2010/main" val="0"/>
+              </a:ext>
+            </a:extLst>
+          </a:blip>
+          <a:srcRect/>
+          <a:stretch>
+            <a:fillRect/>
+          </a:stretch>
+        </p:blipFill>
+        <p:spPr bwMode="auto">
+          <a:xfrm rot="20229235">
+            <a:off x="4669169" y="4200134"/>
+            <a:ext cx="3822122" cy="1199469"/>
+          </a:xfrm>
+          <a:prstGeom prst="rect">
+            <a:avLst/>
+          </a:prstGeom>
+          <a:noFill/>
+          <a:ln>
+            <a:noFill/>
+          </a:ln>
+          <a:effectLst>
+            <a:glow rad="228600">
+              <a:schemeClr val="accent6">
+                <a:lumMod val="20000"/>
+                <a:lumOff val="80000"/>
+                <a:alpha val="40000"/>
+              </a:schemeClr>
+            </a:glow>
+            <a:outerShdw dist="35921" dir="2700000" algn="ctr" rotWithShape="0">
+              <a:schemeClr val="bg2"/>
+            </a:outerShdw>
+          </a:effectLst>
+          <a:extLst>
+            <a:ext uri="{909E8E84-426E-40DD-AFC4-6F175D3DCCD1}">
+              <a14:hiddenFill xmlns:a14="http://schemas.microsoft.com/office/drawing/2010/main">
+                <a:solidFill>
+                  <a:schemeClr val="accent1"/>
+                </a:solidFill>
+              </a14:hiddenFill>
+            </a:ext>
+            <a:ext uri="{91240B29-F687-4F45-9708-019B960494DF}">
+              <a14:hiddenLine xmlns:a14="http://schemas.microsoft.com/office/drawing/2010/main" w="9525">
+                <a:solidFill>
+                  <a:schemeClr val="tx1"/>
+                </a:solidFill>
+                <a:miter lim="800000"/>
+                <a:headEnd/>
+                <a:tailEnd/>
+              </a14:hiddenLine>
+            </a:ext>
+          </a:extLst>
+        </p:spPr>
+      </p:pic>
+    </p:spTree>
+    <p:extLst>
+      <p:ext uri="{BB962C8B-B14F-4D97-AF65-F5344CB8AC3E}">
+        <p14:creationId xmlns:p14="http://schemas.microsoft.com/office/powerpoint/2010/main" val="727511246"/>
+      </p:ext>
+    </p:extLst>
+  </p:cSld>
+  <p:clrMapOvr>
+    <a:masterClrMapping/>
+  </p:clrMapOvr>
+  <p:timing>
+    <p:tnLst>
+      <p:par>
+        <p:cTn id="1" dur="indefinite" restart="never" nodeType="tmRoot"/>
+      </p:par>
+    </p:tnLst>
+  </p:timing>
+</p:sld>
+</file>
+
+<file path=ppt/slides/slide29.xml><?xml version="1.0" encoding="utf-8"?>
+<p:sld xmlns:a="http://schemas.openxmlformats.org/drawingml/2006/main" xmlns:r="http://schemas.openxmlformats.org/officeDocument/2006/relationships" xmlns:p="http://schemas.openxmlformats.org/presentationml/2006/main">
+  <p:cSld>
+    <p:spTree>
+      <p:nvGrpSpPr>
+        <p:cNvPr id="1" name=""/>
+        <p:cNvGrpSpPr/>
+        <p:nvPr/>
+      </p:nvGrpSpPr>
+      <p:grpSpPr>
+        <a:xfrm>
+          <a:off x="0" y="0"/>
+          <a:ext cx="0" cy="0"/>
+          <a:chOff x="0" y="0"/>
+          <a:chExt cx="0" cy="0"/>
+        </a:xfrm>
+      </p:grpSpPr>
+      <p:sp>
+        <p:nvSpPr>
+          <p:cNvPr id="2" name="Title 1"/>
+          <p:cNvSpPr>
+            <a:spLocks noGrp="1"/>
+          </p:cNvSpPr>
+          <p:nvPr>
+            <p:ph type="title"/>
+          </p:nvPr>
+        </p:nvSpPr>
+        <p:spPr/>
+        <p:txBody>
+          <a:bodyPr/>
+          <a:lstStyle/>
+          <a:p>
+            <a:r>
+              <a:rPr lang="en-US" dirty="0" smtClean="0"/>
+              <a:t>Search Engine Optimization</a:t>
+            </a:r>
+            <a:endParaRPr lang="en-US" dirty="0"/>
+          </a:p>
+        </p:txBody>
+      </p:sp>
+      <p:sp>
+        <p:nvSpPr>
+          <p:cNvPr id="3" name="Content Placeholder 2"/>
+          <p:cNvSpPr>
+            <a:spLocks noGrp="1"/>
+          </p:cNvSpPr>
+          <p:nvPr>
+            <p:ph idx="1"/>
+          </p:nvPr>
+        </p:nvSpPr>
+        <p:spPr/>
+        <p:txBody>
+          <a:bodyPr/>
+          <a:lstStyle/>
+          <a:p>
+            <a:pPr>
+              <a:lnSpc>
+                <a:spcPct val="100000"/>
+              </a:lnSpc>
+              <a:spcBef>
+                <a:spcPts val="300"/>
+              </a:spcBef>
+              <a:spcAft>
+                <a:spcPts val="300"/>
+              </a:spcAft>
+            </a:pPr>
+            <a:r>
+              <a:rPr lang="en-US" dirty="0" smtClean="0"/>
+              <a:t>Search engines use so-called “</a:t>
+            </a:r>
+            <a:r>
+              <a:rPr lang="en-US" dirty="0" smtClean="0">
+                <a:solidFill>
+                  <a:schemeClr val="accent5">
+                    <a:lumMod val="20000"/>
+                    <a:lumOff val="80000"/>
+                  </a:schemeClr>
+                </a:solidFill>
+              </a:rPr>
+              <a:t>crawlers</a:t>
+            </a:r>
+            <a:r>
+              <a:rPr lang="en-US" dirty="0" smtClean="0"/>
+              <a:t>” to get the content of the page and index it</a:t>
+            </a:r>
+          </a:p>
+          <a:p>
+            <a:pPr>
+              <a:lnSpc>
+                <a:spcPct val="100000"/>
+              </a:lnSpc>
+              <a:spcBef>
+                <a:spcPts val="300"/>
+              </a:spcBef>
+              <a:spcAft>
+                <a:spcPts val="300"/>
+              </a:spcAft>
+            </a:pPr>
+            <a:r>
+              <a:rPr lang="en-US" dirty="0" smtClean="0"/>
+              <a:t>The crawlers weigh the data on the page</a:t>
+            </a:r>
+          </a:p>
+          <a:p>
+            <a:pPr lvl="1">
+              <a:lnSpc>
+                <a:spcPct val="100000"/>
+              </a:lnSpc>
+              <a:spcBef>
+                <a:spcPts val="300"/>
+              </a:spcBef>
+              <a:spcAft>
+                <a:spcPts val="300"/>
+              </a:spcAft>
+            </a:pPr>
+            <a:r>
+              <a:rPr lang="en-US" dirty="0" smtClean="0">
+                <a:solidFill>
+                  <a:schemeClr val="accent5">
+                    <a:lumMod val="20000"/>
+                    <a:lumOff val="80000"/>
+                  </a:schemeClr>
+                </a:solidFill>
+                <a:latin typeface="Consolas" pitchFamily="49" charset="0"/>
+                <a:cs typeface="Consolas" pitchFamily="49" charset="0"/>
+              </a:rPr>
+              <a:t>&lt;title&gt;</a:t>
+            </a:r>
+            <a:r>
+              <a:rPr lang="en-US" dirty="0" smtClean="0"/>
+              <a:t>, </a:t>
+            </a:r>
+            <a:r>
+              <a:rPr lang="en-US" dirty="0" smtClean="0">
+                <a:solidFill>
+                  <a:schemeClr val="accent5">
+                    <a:lumMod val="20000"/>
+                    <a:lumOff val="80000"/>
+                  </a:schemeClr>
+                </a:solidFill>
+              </a:rPr>
+              <a:t>page URL</a:t>
+            </a:r>
+            <a:r>
+              <a:rPr lang="en-US" dirty="0" smtClean="0"/>
+              <a:t> and </a:t>
+            </a:r>
+            <a:r>
+              <a:rPr lang="en-US" dirty="0" smtClean="0">
+                <a:solidFill>
+                  <a:schemeClr val="accent5">
+                    <a:lumMod val="20000"/>
+                    <a:lumOff val="80000"/>
+                  </a:schemeClr>
+                </a:solidFill>
+              </a:rPr>
+              <a:t>headings</a:t>
+            </a:r>
+            <a:r>
+              <a:rPr lang="en-US" dirty="0" smtClean="0"/>
+              <a:t> have great weight</a:t>
+            </a:r>
+          </a:p>
+          <a:p>
+            <a:pPr lvl="1">
+              <a:lnSpc>
+                <a:spcPct val="100000"/>
+              </a:lnSpc>
+              <a:spcBef>
+                <a:spcPts val="300"/>
+              </a:spcBef>
+              <a:spcAft>
+                <a:spcPts val="300"/>
+              </a:spcAft>
+            </a:pPr>
+            <a:r>
+              <a:rPr lang="en-US" dirty="0" smtClean="0"/>
+              <a:t>Links from highly valued pages to your page increase its value (Google </a:t>
+            </a:r>
+            <a:r>
+              <a:rPr lang="en-US" dirty="0" smtClean="0">
+                <a:solidFill>
+                  <a:schemeClr val="accent5">
+                    <a:lumMod val="20000"/>
+                    <a:lumOff val="80000"/>
+                  </a:schemeClr>
+                </a:solidFill>
+              </a:rPr>
+              <a:t>Page Rank</a:t>
+            </a:r>
+            <a:r>
+              <a:rPr lang="en-US" dirty="0" smtClean="0"/>
+              <a:t>)</a:t>
+            </a:r>
+          </a:p>
+          <a:p>
+            <a:pPr lvl="1">
+              <a:lnSpc>
+                <a:spcPct val="100000"/>
+              </a:lnSpc>
+              <a:spcBef>
+                <a:spcPts val="300"/>
+              </a:spcBef>
+              <a:spcAft>
+                <a:spcPts val="300"/>
+              </a:spcAft>
+            </a:pPr>
+            <a:r>
+              <a:rPr lang="en-US" dirty="0" smtClean="0"/>
+              <a:t>Add alt text to images</a:t>
+            </a:r>
+          </a:p>
+          <a:p>
+            <a:pPr lvl="1">
+              <a:lnSpc>
+                <a:spcPct val="100000"/>
+              </a:lnSpc>
+              <a:spcBef>
+                <a:spcPts val="300"/>
+              </a:spcBef>
+              <a:spcAft>
+                <a:spcPts val="300"/>
+              </a:spcAft>
+            </a:pPr>
+            <a:r>
+              <a:rPr lang="en-US" dirty="0" smtClean="0"/>
+              <a:t>Use relevant keywords in the content and </a:t>
+            </a:r>
+            <a:r>
+              <a:rPr lang="en-US" dirty="0" smtClean="0">
+                <a:solidFill>
+                  <a:schemeClr val="accent5">
+                    <a:lumMod val="20000"/>
+                    <a:lumOff val="80000"/>
+                  </a:schemeClr>
+                </a:solidFill>
+                <a:latin typeface="Consolas" pitchFamily="49" charset="0"/>
+                <a:cs typeface="Consolas" pitchFamily="49" charset="0"/>
+              </a:rPr>
+              <a:t>&lt;meta&gt;</a:t>
+            </a:r>
+            <a:r>
+              <a:rPr lang="en-US" dirty="0" smtClean="0"/>
+              <a:t> tags</a:t>
+            </a:r>
+          </a:p>
+          <a:p>
+            <a:pPr>
+              <a:lnSpc>
+                <a:spcPct val="100000"/>
+              </a:lnSpc>
+              <a:spcBef>
+                <a:spcPts val="300"/>
+              </a:spcBef>
+              <a:spcAft>
+                <a:spcPts val="300"/>
+              </a:spcAft>
+            </a:pPr>
+            <a:r>
+              <a:rPr lang="en-US" dirty="0"/>
+              <a:t>No SEO technique will replace good </a:t>
+            </a:r>
+            <a:r>
+              <a:rPr lang="en-US" dirty="0" smtClean="0"/>
+              <a:t>content</a:t>
+            </a:r>
+            <a:endParaRPr lang="en-US" dirty="0"/>
+          </a:p>
+        </p:txBody>
+      </p:sp>
+      <p:sp>
+        <p:nvSpPr>
+          <p:cNvPr id="4" name="Slide Number Placeholder 3"/>
+          <p:cNvSpPr>
+            <a:spLocks noGrp="1"/>
+          </p:cNvSpPr>
+          <p:nvPr>
+            <p:ph type="sldNum" sz="quarter" idx="10"/>
+          </p:nvPr>
+        </p:nvSpPr>
+        <p:spPr/>
+        <p:txBody>
+          <a:bodyPr/>
+          <a:lstStyle/>
+          <a:p>
+            <a:pPr>
+              <a:defRPr/>
+            </a:pPr>
+            <a:fld id="{58452FF4-89E3-4D1B-9927-2DBDC00E58D7}" type="slidenum">
+              <a:rPr lang="en-US" smtClean="0"/>
+              <a:pPr>
+                <a:defRPr/>
+              </a:pPr>
+              <a:t>29</a:t>
+            </a:fld>
+            <a:endParaRPr lang="en-US" dirty="0"/>
+          </a:p>
+        </p:txBody>
+      </p:sp>
+    </p:spTree>
+    <p:extLst>
+      <p:ext uri="{BB962C8B-B14F-4D97-AF65-F5344CB8AC3E}">
+        <p14:creationId xmlns:p14="http://schemas.microsoft.com/office/powerpoint/2010/main" val="2537159952"/>
       </p:ext>
     </p:extLst>
   </p:cSld>
@@ -10147,6 +13382,1297 @@
 </p:sld>
 </file>
 
+<file path=ppt/slides/slide30.xml><?xml version="1.0" encoding="utf-8"?>
+<p:sld xmlns:a="http://schemas.openxmlformats.org/drawingml/2006/main" xmlns:r="http://schemas.openxmlformats.org/officeDocument/2006/relationships" xmlns:p="http://schemas.openxmlformats.org/presentationml/2006/main">
+  <p:cSld>
+    <p:spTree>
+      <p:nvGrpSpPr>
+        <p:cNvPr id="1" name=""/>
+        <p:cNvGrpSpPr/>
+        <p:nvPr/>
+      </p:nvGrpSpPr>
+      <p:grpSpPr>
+        <a:xfrm>
+          <a:off x="0" y="0"/>
+          <a:ext cx="0" cy="0"/>
+          <a:chOff x="0" y="0"/>
+          <a:chExt cx="0" cy="0"/>
+        </a:xfrm>
+      </p:grpSpPr>
+      <p:sp>
+        <p:nvSpPr>
+          <p:cNvPr id="5" name="Title 4"/>
+          <p:cNvSpPr>
+            <a:spLocks noGrp="1"/>
+          </p:cNvSpPr>
+          <p:nvPr>
+            <p:ph type="ctrTitle"/>
+          </p:nvPr>
+        </p:nvSpPr>
+        <p:spPr>
+          <a:xfrm>
+            <a:off x="1295400" y="1066800"/>
+            <a:ext cx="6553200" cy="1295401"/>
+          </a:xfrm>
+        </p:spPr>
+        <p:txBody>
+          <a:bodyPr/>
+          <a:lstStyle/>
+          <a:p>
+            <a:r>
+              <a:rPr lang="en-US" dirty="0" smtClean="0"/>
+              <a:t>Structured Data Markup</a:t>
+            </a:r>
+            <a:endParaRPr lang="en-US" dirty="0"/>
+          </a:p>
+        </p:txBody>
+      </p:sp>
+      <p:sp>
+        <p:nvSpPr>
+          <p:cNvPr id="6" name="Subtitle 5"/>
+          <p:cNvSpPr>
+            <a:spLocks noGrp="1"/>
+          </p:cNvSpPr>
+          <p:nvPr>
+            <p:ph type="subTitle" idx="1"/>
+          </p:nvPr>
+        </p:nvSpPr>
+        <p:spPr>
+          <a:xfrm>
+            <a:off x="1688331" y="2631279"/>
+            <a:ext cx="5767338" cy="797720"/>
+          </a:xfrm>
+        </p:spPr>
+        <p:txBody>
+          <a:bodyPr/>
+          <a:lstStyle/>
+          <a:p>
+            <a:r>
+              <a:rPr lang="en-US" dirty="0" smtClean="0"/>
+              <a:t>Annotate </a:t>
+            </a:r>
+            <a:r>
+              <a:rPr lang="en-US" dirty="0"/>
+              <a:t>your content so machines can understand it</a:t>
+            </a:r>
+          </a:p>
+        </p:txBody>
+      </p:sp>
+      <p:pic>
+        <p:nvPicPr>
+          <p:cNvPr id="1026" name="Picture 2" descr="HTML5 Microdata"/>
+          <p:cNvPicPr>
+            <a:picLocks noChangeAspect="1" noChangeArrowheads="1"/>
+          </p:cNvPicPr>
+          <p:nvPr/>
+        </p:nvPicPr>
+        <p:blipFill>
+          <a:blip r:embed="rId2">
+            <a:extLst>
+              <a:ext uri="{28A0092B-C50C-407E-A947-70E740481C1C}">
+                <a14:useLocalDpi xmlns:a14="http://schemas.microsoft.com/office/drawing/2010/main" val="0"/>
+              </a:ext>
+            </a:extLst>
+          </a:blip>
+          <a:srcRect/>
+          <a:stretch>
+            <a:fillRect/>
+          </a:stretch>
+        </p:blipFill>
+        <p:spPr bwMode="auto">
+          <a:xfrm>
+            <a:off x="952500" y="3657600"/>
+            <a:ext cx="7239000" cy="2743201"/>
+          </a:xfrm>
+          <a:prstGeom prst="rect">
+            <a:avLst/>
+          </a:prstGeom>
+          <a:ln>
+            <a:noFill/>
+          </a:ln>
+          <a:effectLst>
+            <a:softEdge rad="112500"/>
+          </a:effectLst>
+          <a:extLst>
+            <a:ext uri="{909E8E84-426E-40DD-AFC4-6F175D3DCCD1}">
+              <a14:hiddenFill xmlns:a14="http://schemas.microsoft.com/office/drawing/2010/main">
+                <a:solidFill>
+                  <a:srgbClr val="FFFFFF"/>
+                </a:solidFill>
+              </a14:hiddenFill>
+            </a:ext>
+          </a:extLst>
+        </p:spPr>
+      </p:pic>
+    </p:spTree>
+    <p:extLst>
+      <p:ext uri="{BB962C8B-B14F-4D97-AF65-F5344CB8AC3E}">
+        <p14:creationId xmlns:p14="http://schemas.microsoft.com/office/powerpoint/2010/main" val="2156855868"/>
+      </p:ext>
+    </p:extLst>
+  </p:cSld>
+  <p:clrMapOvr>
+    <a:masterClrMapping/>
+  </p:clrMapOvr>
+  <p:timing>
+    <p:tnLst>
+      <p:par>
+        <p:cTn id="1" dur="indefinite" restart="never" nodeType="tmRoot"/>
+      </p:par>
+    </p:tnLst>
+  </p:timing>
+</p:sld>
+</file>
+
+<file path=ppt/slides/slide31.xml><?xml version="1.0" encoding="utf-8"?>
+<p:sld xmlns:a="http://schemas.openxmlformats.org/drawingml/2006/main" xmlns:r="http://schemas.openxmlformats.org/officeDocument/2006/relationships" xmlns:p="http://schemas.openxmlformats.org/presentationml/2006/main">
+  <p:cSld>
+    <p:spTree>
+      <p:nvGrpSpPr>
+        <p:cNvPr id="1" name=""/>
+        <p:cNvGrpSpPr/>
+        <p:nvPr/>
+      </p:nvGrpSpPr>
+      <p:grpSpPr>
+        <a:xfrm>
+          <a:off x="0" y="0"/>
+          <a:ext cx="0" cy="0"/>
+          <a:chOff x="0" y="0"/>
+          <a:chExt cx="0" cy="0"/>
+        </a:xfrm>
+      </p:grpSpPr>
+      <p:sp>
+        <p:nvSpPr>
+          <p:cNvPr id="4" name="Title 3"/>
+          <p:cNvSpPr>
+            <a:spLocks noGrp="1"/>
+          </p:cNvSpPr>
+          <p:nvPr>
+            <p:ph type="title"/>
+          </p:nvPr>
+        </p:nvSpPr>
+        <p:spPr/>
+        <p:txBody>
+          <a:bodyPr/>
+          <a:lstStyle/>
+          <a:p>
+            <a:r>
+              <a:rPr lang="en-US" dirty="0"/>
+              <a:t>Structured </a:t>
+            </a:r>
+            <a:r>
+              <a:rPr lang="en-US" dirty="0" smtClean="0"/>
+              <a:t>Data Markup</a:t>
+            </a:r>
+            <a:endParaRPr lang="en-US" dirty="0"/>
+          </a:p>
+        </p:txBody>
+      </p:sp>
+      <p:sp>
+        <p:nvSpPr>
+          <p:cNvPr id="5" name="Content Placeholder 4"/>
+          <p:cNvSpPr>
+            <a:spLocks noGrp="1"/>
+          </p:cNvSpPr>
+          <p:nvPr>
+            <p:ph idx="1"/>
+          </p:nvPr>
+        </p:nvSpPr>
+        <p:spPr>
+          <a:xfrm>
+            <a:off x="228600" y="762000"/>
+            <a:ext cx="8686800" cy="5791200"/>
+          </a:xfrm>
+        </p:spPr>
+        <p:txBody>
+          <a:bodyPr/>
+          <a:lstStyle/>
+          <a:p>
+            <a:pPr>
+              <a:spcBef>
+                <a:spcPts val="300"/>
+              </a:spcBef>
+              <a:spcAft>
+                <a:spcPts val="0"/>
+              </a:spcAft>
+            </a:pPr>
+            <a:r>
+              <a:rPr lang="en-US" dirty="0" smtClean="0"/>
+              <a:t>A </a:t>
+            </a:r>
+            <a:r>
+              <a:rPr lang="en-US" dirty="0"/>
+              <a:t>standard way to annotate your content so machines can understand </a:t>
+            </a:r>
+            <a:r>
+              <a:rPr lang="en-US" dirty="0" smtClean="0"/>
+              <a:t>it</a:t>
+            </a:r>
+          </a:p>
+          <a:p>
+            <a:pPr>
+              <a:spcBef>
+                <a:spcPts val="300"/>
+              </a:spcBef>
+              <a:spcAft>
+                <a:spcPts val="0"/>
+              </a:spcAft>
+            </a:pPr>
+            <a:r>
+              <a:rPr lang="en-US" dirty="0"/>
+              <a:t>Google (and other search engines) </a:t>
+            </a:r>
+            <a:r>
+              <a:rPr lang="en-US" dirty="0" smtClean="0"/>
+              <a:t>can</a:t>
+            </a:r>
+          </a:p>
+          <a:p>
+            <a:pPr lvl="1">
+              <a:spcBef>
+                <a:spcPts val="300"/>
+              </a:spcBef>
+              <a:spcAft>
+                <a:spcPts val="0"/>
+              </a:spcAft>
+            </a:pPr>
+            <a:r>
+              <a:rPr lang="en-US" dirty="0" smtClean="0"/>
+              <a:t>use </a:t>
+            </a:r>
+            <a:r>
+              <a:rPr lang="en-US" dirty="0"/>
+              <a:t>that data to index your content </a:t>
+            </a:r>
+            <a:r>
+              <a:rPr lang="en-US" dirty="0" smtClean="0"/>
+              <a:t>better</a:t>
+            </a:r>
+          </a:p>
+          <a:p>
+            <a:pPr lvl="1">
+              <a:spcBef>
+                <a:spcPts val="300"/>
+              </a:spcBef>
+              <a:spcAft>
+                <a:spcPts val="0"/>
+              </a:spcAft>
+            </a:pPr>
+            <a:r>
+              <a:rPr lang="en-US" dirty="0"/>
+              <a:t>present it more prominently in search </a:t>
+            </a:r>
+            <a:r>
+              <a:rPr lang="en-US" dirty="0" smtClean="0"/>
+              <a:t>results</a:t>
+            </a:r>
+          </a:p>
+          <a:p>
+            <a:pPr lvl="1">
+              <a:spcBef>
+                <a:spcPts val="300"/>
+              </a:spcBef>
+              <a:spcAft>
+                <a:spcPts val="0"/>
+              </a:spcAft>
+            </a:pPr>
+            <a:endParaRPr lang="en-US" dirty="0"/>
+          </a:p>
+          <a:p>
+            <a:pPr lvl="1">
+              <a:spcBef>
+                <a:spcPts val="300"/>
+              </a:spcBef>
+              <a:spcAft>
+                <a:spcPts val="0"/>
+              </a:spcAft>
+            </a:pPr>
+            <a:endParaRPr lang="en-US" dirty="0" smtClean="0"/>
+          </a:p>
+          <a:p>
+            <a:pPr lvl="1">
+              <a:spcBef>
+                <a:spcPts val="300"/>
+              </a:spcBef>
+              <a:spcAft>
+                <a:spcPts val="0"/>
+              </a:spcAft>
+            </a:pPr>
+            <a:r>
+              <a:rPr lang="en-US" dirty="0" smtClean="0"/>
+              <a:t>Provide answers </a:t>
+            </a:r>
+            <a:r>
+              <a:rPr lang="en-US" dirty="0"/>
+              <a:t>from the Knowledge </a:t>
+            </a:r>
+            <a:r>
+              <a:rPr lang="en-US" dirty="0" smtClean="0"/>
+              <a:t>Graph</a:t>
+            </a:r>
+          </a:p>
+          <a:p>
+            <a:pPr lvl="1">
+              <a:spcBef>
+                <a:spcPts val="300"/>
+              </a:spcBef>
+              <a:spcAft>
+                <a:spcPts val="0"/>
+              </a:spcAft>
+            </a:pPr>
+            <a:endParaRPr lang="en-US" dirty="0"/>
+          </a:p>
+        </p:txBody>
+      </p:sp>
+      <p:pic>
+        <p:nvPicPr>
+          <p:cNvPr id="2050" name="Picture 2" descr="image of a Google rich snippet for a recipe"/>
+          <p:cNvPicPr>
+            <a:picLocks noChangeAspect="1" noChangeArrowheads="1"/>
+          </p:cNvPicPr>
+          <p:nvPr/>
+        </p:nvPicPr>
+        <p:blipFill>
+          <a:blip r:embed="rId3">
+            <a:extLst>
+              <a:ext uri="{28A0092B-C50C-407E-A947-70E740481C1C}">
+                <a14:useLocalDpi xmlns:a14="http://schemas.microsoft.com/office/drawing/2010/main" val="0"/>
+              </a:ext>
+            </a:extLst>
+          </a:blip>
+          <a:srcRect/>
+          <a:stretch>
+            <a:fillRect/>
+          </a:stretch>
+        </p:blipFill>
+        <p:spPr bwMode="auto">
+          <a:xfrm>
+            <a:off x="2447774" y="3505200"/>
+            <a:ext cx="4248451" cy="952500"/>
+          </a:xfrm>
+          <a:prstGeom prst="rect">
+            <a:avLst/>
+          </a:prstGeom>
+          <a:noFill/>
+          <a:extLst>
+            <a:ext uri="{909E8E84-426E-40DD-AFC4-6F175D3DCCD1}">
+              <a14:hiddenFill xmlns:a14="http://schemas.microsoft.com/office/drawing/2010/main">
+                <a:solidFill>
+                  <a:srgbClr val="FFFFFF"/>
+                </a:solidFill>
+              </a14:hiddenFill>
+            </a:ext>
+          </a:extLst>
+        </p:spPr>
+      </p:pic>
+      <p:pic>
+        <p:nvPicPr>
+          <p:cNvPr id="2052" name="Picture 4" descr="Venue events in Google Maps, powered by the Knowledge Graph"/>
+          <p:cNvPicPr>
+            <a:picLocks noChangeAspect="1" noChangeArrowheads="1"/>
+          </p:cNvPicPr>
+          <p:nvPr/>
+        </p:nvPicPr>
+        <p:blipFill>
+          <a:blip r:embed="rId4">
+            <a:extLst>
+              <a:ext uri="{28A0092B-C50C-407E-A947-70E740481C1C}">
+                <a14:useLocalDpi xmlns:a14="http://schemas.microsoft.com/office/drawing/2010/main" val="0"/>
+              </a:ext>
+            </a:extLst>
+          </a:blip>
+          <a:srcRect/>
+          <a:stretch>
+            <a:fillRect/>
+          </a:stretch>
+        </p:blipFill>
+        <p:spPr bwMode="auto">
+          <a:xfrm>
+            <a:off x="1943099" y="5105400"/>
+            <a:ext cx="5257800" cy="1360602"/>
+          </a:xfrm>
+          <a:prstGeom prst="rect">
+            <a:avLst/>
+          </a:prstGeom>
+          <a:noFill/>
+          <a:extLst>
+            <a:ext uri="{909E8E84-426E-40DD-AFC4-6F175D3DCCD1}">
+              <a14:hiddenFill xmlns:a14="http://schemas.microsoft.com/office/drawing/2010/main">
+                <a:solidFill>
+                  <a:srgbClr val="FFFFFF"/>
+                </a:solidFill>
+              </a14:hiddenFill>
+            </a:ext>
+          </a:extLst>
+        </p:spPr>
+      </p:pic>
+      <p:sp>
+        <p:nvSpPr>
+          <p:cNvPr id="2" name="Slide Number Placeholder 1"/>
+          <p:cNvSpPr>
+            <a:spLocks noGrp="1"/>
+          </p:cNvSpPr>
+          <p:nvPr>
+            <p:ph type="sldNum" sz="quarter" idx="10"/>
+          </p:nvPr>
+        </p:nvSpPr>
+        <p:spPr/>
+        <p:txBody>
+          <a:bodyPr/>
+          <a:lstStyle/>
+          <a:p>
+            <a:fld id="{B6F15528-21DE-4FAA-801E-634DDDAF4B2B}" type="slidenum">
+              <a:rPr lang="en-US" smtClean="0"/>
+              <a:pPr/>
+              <a:t>31</a:t>
+            </a:fld>
+            <a:endParaRPr lang="en-US"/>
+          </a:p>
+        </p:txBody>
+      </p:sp>
+    </p:spTree>
+    <p:extLst>
+      <p:ext uri="{BB962C8B-B14F-4D97-AF65-F5344CB8AC3E}">
+        <p14:creationId xmlns:p14="http://schemas.microsoft.com/office/powerpoint/2010/main" val="51716545"/>
+      </p:ext>
+    </p:extLst>
+  </p:cSld>
+  <p:clrMapOvr>
+    <a:masterClrMapping/>
+  </p:clrMapOvr>
+</p:sld>
+</file>
+
+<file path=ppt/slides/slide32.xml><?xml version="1.0" encoding="utf-8"?>
+<p:sld xmlns:a="http://schemas.openxmlformats.org/drawingml/2006/main" xmlns:r="http://schemas.openxmlformats.org/officeDocument/2006/relationships" xmlns:p="http://schemas.openxmlformats.org/presentationml/2006/main">
+  <p:cSld>
+    <p:spTree>
+      <p:nvGrpSpPr>
+        <p:cNvPr id="1" name=""/>
+        <p:cNvGrpSpPr/>
+        <p:nvPr/>
+      </p:nvGrpSpPr>
+      <p:grpSpPr>
+        <a:xfrm>
+          <a:off x="0" y="0"/>
+          <a:ext cx="0" cy="0"/>
+          <a:chOff x="0" y="0"/>
+          <a:chExt cx="0" cy="0"/>
+        </a:xfrm>
+      </p:grpSpPr>
+      <p:sp>
+        <p:nvSpPr>
+          <p:cNvPr id="2" name="Title 1"/>
+          <p:cNvSpPr>
+            <a:spLocks noGrp="1"/>
+          </p:cNvSpPr>
+          <p:nvPr>
+            <p:ph type="title"/>
+          </p:nvPr>
+        </p:nvSpPr>
+        <p:spPr/>
+        <p:txBody>
+          <a:bodyPr/>
+          <a:lstStyle/>
+          <a:p>
+            <a:r>
+              <a:rPr lang="en-US" dirty="0"/>
+              <a:t>Structured Data </a:t>
+            </a:r>
+            <a:r>
+              <a:rPr lang="en-US" dirty="0" smtClean="0"/>
+              <a:t>Markup (2)</a:t>
+            </a:r>
+            <a:endParaRPr lang="en-US" dirty="0"/>
+          </a:p>
+        </p:txBody>
+      </p:sp>
+      <p:sp>
+        <p:nvSpPr>
+          <p:cNvPr id="3" name="Content Placeholder 2"/>
+          <p:cNvSpPr>
+            <a:spLocks noGrp="1"/>
+          </p:cNvSpPr>
+          <p:nvPr>
+            <p:ph idx="1"/>
+          </p:nvPr>
+        </p:nvSpPr>
+        <p:spPr>
+          <a:xfrm>
+            <a:off x="228600" y="838200"/>
+            <a:ext cx="8686800" cy="5791200"/>
+          </a:xfrm>
+        </p:spPr>
+        <p:txBody>
+          <a:bodyPr/>
+          <a:lstStyle/>
+          <a:p>
+            <a:r>
+              <a:rPr lang="en-US" dirty="0" smtClean="0"/>
+              <a:t>Three </a:t>
+            </a:r>
+            <a:r>
+              <a:rPr lang="en-US" dirty="0"/>
+              <a:t>alternative </a:t>
+            </a:r>
+            <a:r>
+              <a:rPr lang="en-US" dirty="0" smtClean="0"/>
+              <a:t>formats:</a:t>
+            </a:r>
+          </a:p>
+          <a:p>
+            <a:pPr lvl="1"/>
+            <a:r>
+              <a:rPr lang="en-US" dirty="0" err="1" smtClean="0"/>
+              <a:t>Microdata</a:t>
+            </a:r>
+            <a:r>
+              <a:rPr lang="en-US" dirty="0" smtClean="0"/>
+              <a:t> and </a:t>
+            </a:r>
+            <a:r>
+              <a:rPr lang="en-US" dirty="0" err="1"/>
+              <a:t>RDFa</a:t>
+            </a:r>
+            <a:endParaRPr lang="en-US" dirty="0"/>
+          </a:p>
+          <a:p>
+            <a:pPr lvl="2"/>
+            <a:r>
+              <a:rPr lang="en-US" dirty="0"/>
+              <a:t>D</a:t>
+            </a:r>
+            <a:r>
+              <a:rPr lang="en-US" dirty="0" smtClean="0"/>
+              <a:t>efine </a:t>
+            </a:r>
+            <a:r>
+              <a:rPr lang="en-US" dirty="0"/>
+              <a:t>new HTML </a:t>
+            </a:r>
+            <a:r>
+              <a:rPr lang="en-US" dirty="0" smtClean="0"/>
+              <a:t>attributes</a:t>
+            </a:r>
+          </a:p>
+          <a:p>
+            <a:pPr lvl="3"/>
+            <a:r>
+              <a:rPr lang="en-US" dirty="0" smtClean="0"/>
+              <a:t>More info: </a:t>
+            </a:r>
+            <a:r>
+              <a:rPr lang="en-US" dirty="0">
+                <a:hlinkClick r:id="rId2"/>
+              </a:rPr>
+              <a:t>http://</a:t>
+            </a:r>
+            <a:r>
+              <a:rPr lang="en-US" dirty="0" smtClean="0">
+                <a:hlinkClick r:id="rId2"/>
+              </a:rPr>
+              <a:t>schema.org/docs/gs.html#microdata_how</a:t>
+            </a:r>
+            <a:endParaRPr lang="en-US" dirty="0" smtClean="0"/>
+          </a:p>
+          <a:p>
+            <a:pPr lvl="1"/>
+            <a:r>
+              <a:rPr lang="en-US" dirty="0" smtClean="0"/>
+              <a:t>JSON-LD</a:t>
+            </a:r>
+          </a:p>
+          <a:p>
+            <a:pPr lvl="2"/>
+            <a:r>
+              <a:rPr lang="en-US" dirty="0" smtClean="0"/>
+              <a:t>Newest </a:t>
+            </a:r>
+            <a:r>
+              <a:rPr lang="en-US" dirty="0"/>
+              <a:t>and simplest markup </a:t>
+            </a:r>
+            <a:r>
+              <a:rPr lang="en-US" dirty="0" smtClean="0"/>
+              <a:t>format</a:t>
+            </a:r>
+          </a:p>
+          <a:p>
+            <a:pPr lvl="2"/>
+            <a:r>
+              <a:rPr lang="en-US" dirty="0" smtClean="0"/>
+              <a:t>Embed </a:t>
+            </a:r>
+            <a:r>
+              <a:rPr lang="en-US" dirty="0"/>
+              <a:t>a block of JSON data inside a script </a:t>
+            </a:r>
+            <a:r>
+              <a:rPr lang="en-US" dirty="0" smtClean="0"/>
+              <a:t>tag</a:t>
+            </a:r>
+          </a:p>
+          <a:p>
+            <a:pPr lvl="3"/>
+            <a:r>
+              <a:rPr lang="en-US" dirty="0" smtClean="0"/>
+              <a:t>Specification: </a:t>
+            </a:r>
+            <a:r>
+              <a:rPr lang="en-US" dirty="0">
+                <a:hlinkClick r:id="rId3"/>
+              </a:rPr>
+              <a:t>http://www.w3.org/TR/json-ld</a:t>
+            </a:r>
+            <a:r>
+              <a:rPr lang="en-US" dirty="0" smtClean="0">
+                <a:hlinkClick r:id="rId3"/>
+              </a:rPr>
+              <a:t>/</a:t>
+            </a:r>
+            <a:endParaRPr lang="en-US" dirty="0" smtClean="0"/>
+          </a:p>
+          <a:p>
+            <a:pPr lvl="3"/>
+            <a:r>
+              <a:rPr lang="en-US" dirty="0" smtClean="0"/>
+              <a:t>Examples: </a:t>
+            </a:r>
+            <a:r>
+              <a:rPr lang="en-US" dirty="0">
+                <a:hlinkClick r:id="rId4"/>
+              </a:rPr>
+              <a:t>http://json-ld.org/playground</a:t>
+            </a:r>
+            <a:r>
+              <a:rPr lang="en-US" dirty="0" smtClean="0">
+                <a:hlinkClick r:id="rId4"/>
+              </a:rPr>
+              <a:t>/</a:t>
+            </a:r>
+            <a:endParaRPr lang="en-US" dirty="0" smtClean="0"/>
+          </a:p>
+        </p:txBody>
+      </p:sp>
+      <p:sp>
+        <p:nvSpPr>
+          <p:cNvPr id="4" name="Slide Number Placeholder 3"/>
+          <p:cNvSpPr>
+            <a:spLocks noGrp="1"/>
+          </p:cNvSpPr>
+          <p:nvPr>
+            <p:ph type="sldNum" sz="quarter" idx="10"/>
+          </p:nvPr>
+        </p:nvSpPr>
+        <p:spPr/>
+        <p:txBody>
+          <a:bodyPr/>
+          <a:lstStyle/>
+          <a:p>
+            <a:fld id="{B6F15528-21DE-4FAA-801E-634DDDAF4B2B}" type="slidenum">
+              <a:rPr lang="en-US" smtClean="0"/>
+              <a:pPr/>
+              <a:t>32</a:t>
+            </a:fld>
+            <a:endParaRPr lang="en-US"/>
+          </a:p>
+        </p:txBody>
+      </p:sp>
+    </p:spTree>
+    <p:extLst>
+      <p:ext uri="{BB962C8B-B14F-4D97-AF65-F5344CB8AC3E}">
+        <p14:creationId xmlns:p14="http://schemas.microsoft.com/office/powerpoint/2010/main" val="2525740788"/>
+      </p:ext>
+    </p:extLst>
+  </p:cSld>
+  <p:clrMapOvr>
+    <a:masterClrMapping/>
+  </p:clrMapOvr>
+</p:sld>
+</file>
+
+<file path=ppt/slides/slide33.xml><?xml version="1.0" encoding="utf-8"?>
+<p:sld xmlns:a="http://schemas.openxmlformats.org/drawingml/2006/main" xmlns:r="http://schemas.openxmlformats.org/officeDocument/2006/relationships" xmlns:p="http://schemas.openxmlformats.org/presentationml/2006/main">
+  <p:cSld>
+    <p:spTree>
+      <p:nvGrpSpPr>
+        <p:cNvPr id="1" name=""/>
+        <p:cNvGrpSpPr/>
+        <p:nvPr/>
+      </p:nvGrpSpPr>
+      <p:grpSpPr>
+        <a:xfrm>
+          <a:off x="0" y="0"/>
+          <a:ext cx="0" cy="0"/>
+          <a:chOff x="0" y="0"/>
+          <a:chExt cx="0" cy="0"/>
+        </a:xfrm>
+      </p:grpSpPr>
+      <p:sp>
+        <p:nvSpPr>
+          <p:cNvPr id="4" name="Title 3"/>
+          <p:cNvSpPr>
+            <a:spLocks noGrp="1"/>
+          </p:cNvSpPr>
+          <p:nvPr>
+            <p:ph type="title"/>
+          </p:nvPr>
+        </p:nvSpPr>
+        <p:spPr/>
+        <p:txBody>
+          <a:bodyPr/>
+          <a:lstStyle/>
+          <a:p>
+            <a:r>
+              <a:rPr lang="en-US" dirty="0" smtClean="0"/>
+              <a:t>Semantic Web</a:t>
+            </a:r>
+            <a:endParaRPr lang="en-US" dirty="0"/>
+          </a:p>
+        </p:txBody>
+      </p:sp>
+      <p:sp>
+        <p:nvSpPr>
+          <p:cNvPr id="5" name="Text Placeholder 4"/>
+          <p:cNvSpPr>
+            <a:spLocks noGrp="1"/>
+          </p:cNvSpPr>
+          <p:nvPr>
+            <p:ph type="body" sz="quarter" idx="10"/>
+          </p:nvPr>
+        </p:nvSpPr>
+        <p:spPr>
+          <a:xfrm>
+            <a:off x="6067890" y="6400800"/>
+            <a:ext cx="2957797" cy="369332"/>
+          </a:xfrm>
+        </p:spPr>
+        <p:txBody>
+          <a:bodyPr/>
+          <a:lstStyle/>
+          <a:p>
+            <a:r>
+              <a:rPr lang="en-US" dirty="0" smtClean="0">
+                <a:hlinkClick r:id="rId2"/>
+              </a:rPr>
+              <a:t>http://academy.telerik.com</a:t>
+            </a:r>
+            <a:endParaRPr lang="en-US" dirty="0"/>
+          </a:p>
+        </p:txBody>
+      </p:sp>
+    </p:spTree>
+    <p:extLst>
+      <p:ext uri="{BB962C8B-B14F-4D97-AF65-F5344CB8AC3E}">
+        <p14:creationId xmlns:p14="http://schemas.microsoft.com/office/powerpoint/2010/main" val="3201767473"/>
+      </p:ext>
+    </p:extLst>
+  </p:cSld>
+  <p:clrMapOvr>
+    <a:masterClrMapping/>
+  </p:clrMapOvr>
+  <p:timing>
+    <p:tnLst>
+      <p:par>
+        <p:cTn id="1" dur="indefinite" restart="never" nodeType="tmRoot"/>
+      </p:par>
+    </p:tnLst>
+  </p:timing>
+</p:sld>
+</file>
+
+<file path=ppt/slides/slide34.xml><?xml version="1.0" encoding="utf-8"?>
+<p:sld xmlns:a="http://schemas.openxmlformats.org/drawingml/2006/main" xmlns:r="http://schemas.openxmlformats.org/officeDocument/2006/relationships" xmlns:p="http://schemas.openxmlformats.org/presentationml/2006/main">
+  <p:cSld>
+    <p:spTree>
+      <p:nvGrpSpPr>
+        <p:cNvPr id="1" name=""/>
+        <p:cNvGrpSpPr/>
+        <p:nvPr/>
+      </p:nvGrpSpPr>
+      <p:grpSpPr>
+        <a:xfrm>
+          <a:off x="0" y="0"/>
+          <a:ext cx="0" cy="0"/>
+          <a:chOff x="0" y="0"/>
+          <a:chExt cx="0" cy="0"/>
+        </a:xfrm>
+      </p:grpSpPr>
+      <p:sp>
+        <p:nvSpPr>
+          <p:cNvPr id="3" name="Title 2"/>
+          <p:cNvSpPr>
+            <a:spLocks noGrp="1"/>
+          </p:cNvSpPr>
+          <p:nvPr>
+            <p:ph type="title"/>
+          </p:nvPr>
+        </p:nvSpPr>
+        <p:spPr>
+          <a:prstGeom prst="rect">
+            <a:avLst/>
+          </a:prstGeom>
+        </p:spPr>
+        <p:txBody>
+          <a:bodyPr/>
+          <a:lstStyle/>
+          <a:p>
+            <a:r>
+              <a:rPr lang="en-US" sz="3600" dirty="0" smtClean="0"/>
+              <a:t>Free Trainings @ Telerik Academy</a:t>
+            </a:r>
+            <a:endParaRPr lang="en-US" sz="3600" dirty="0"/>
+          </a:p>
+        </p:txBody>
+      </p:sp>
+      <p:sp>
+        <p:nvSpPr>
+          <p:cNvPr id="4" name="Content Placeholder 3"/>
+          <p:cNvSpPr>
+            <a:spLocks noGrp="1"/>
+          </p:cNvSpPr>
+          <p:nvPr>
+            <p:ph idx="1"/>
+          </p:nvPr>
+        </p:nvSpPr>
+        <p:spPr/>
+        <p:txBody>
+          <a:bodyPr/>
+          <a:lstStyle/>
+          <a:p>
+            <a:r>
+              <a:rPr lang="en-US" dirty="0" smtClean="0"/>
+              <a:t>"Web Design with HTML</a:t>
+            </a:r>
+            <a:r>
+              <a:rPr lang="en-US" dirty="0" smtClean="0">
+                <a:latin typeface="Consolas" pitchFamily="49" charset="0"/>
+                <a:cs typeface="Consolas" pitchFamily="49" charset="0"/>
+              </a:rPr>
+              <a:t>5</a:t>
+            </a:r>
+            <a:r>
+              <a:rPr lang="en-US" dirty="0" smtClean="0"/>
+              <a:t>, CSS</a:t>
+            </a:r>
+            <a:r>
+              <a:rPr lang="en-US" dirty="0" smtClean="0">
+                <a:latin typeface="Consolas" pitchFamily="49" charset="0"/>
+                <a:cs typeface="Consolas" pitchFamily="49" charset="0"/>
+              </a:rPr>
+              <a:t>3</a:t>
+            </a:r>
+            <a:r>
+              <a:rPr lang="en-US" dirty="0" smtClean="0"/>
+              <a:t> and JavaScript" course @ Telerik Academy</a:t>
+            </a:r>
+          </a:p>
+          <a:p>
+            <a:pPr marL="574675" lvl="2" indent="-282575">
+              <a:buClr>
+                <a:schemeClr val="accent5">
+                  <a:lumMod val="40000"/>
+                  <a:lumOff val="60000"/>
+                </a:schemeClr>
+              </a:buClr>
+              <a:buSzPct val="70000"/>
+              <a:buFont typeface="Wingdings 2" pitchFamily="18" charset="2"/>
+              <a:buChar char=""/>
+              <a:tabLst>
+                <a:tab pos="282575" algn="l"/>
+              </a:tabLst>
+            </a:pPr>
+            <a:r>
+              <a:rPr lang="en-US" noProof="1" smtClean="0">
+                <a:hlinkClick r:id="rId3" tooltip="&quot;Web Design with HTML 5, CSS 3 and JavaScript&quot; course @ Telerik Academy"/>
+              </a:rPr>
+              <a:t>html5course.telerik.com</a:t>
+            </a:r>
+            <a:endParaRPr lang="en-US" noProof="1" smtClean="0"/>
+          </a:p>
+          <a:p>
+            <a:pPr marL="282575" lvl="1" indent="-282575">
+              <a:spcBef>
+                <a:spcPts val="1200"/>
+              </a:spcBef>
+              <a:buClr>
+                <a:schemeClr val="accent5">
+                  <a:lumMod val="40000"/>
+                  <a:lumOff val="60000"/>
+                </a:schemeClr>
+              </a:buClr>
+              <a:buSzPct val="70000"/>
+              <a:buFont typeface="Wingdings 2" pitchFamily="18" charset="2"/>
+              <a:buChar char=""/>
+              <a:tabLst>
+                <a:tab pos="282575" algn="l"/>
+              </a:tabLst>
+            </a:pPr>
+            <a:r>
+              <a:rPr lang="en-US" dirty="0" smtClean="0"/>
+              <a:t>Telerik Software Academy</a:t>
+            </a:r>
+          </a:p>
+          <a:p>
+            <a:pPr marL="574675" lvl="2" indent="-282575">
+              <a:buClr>
+                <a:schemeClr val="accent5">
+                  <a:lumMod val="40000"/>
+                  <a:lumOff val="60000"/>
+                </a:schemeClr>
+              </a:buClr>
+              <a:buSzPct val="70000"/>
+              <a:buFont typeface="Wingdings 2" pitchFamily="18" charset="2"/>
+              <a:buChar char=""/>
+              <a:tabLst>
+                <a:tab pos="282575" algn="l"/>
+              </a:tabLst>
+            </a:pPr>
+            <a:r>
+              <a:rPr lang="en-US" noProof="1" smtClean="0">
+                <a:hlinkClick r:id="rId4" tooltip="Telerik Software Academy - Free Programming Courses"/>
+              </a:rPr>
+              <a:t>academy.telerik.com</a:t>
+            </a:r>
+            <a:endParaRPr lang="en-US" noProof="1" smtClean="0"/>
+          </a:p>
+          <a:p>
+            <a:pPr marL="282575" lvl="1" indent="-282575">
+              <a:spcBef>
+                <a:spcPts val="1200"/>
+              </a:spcBef>
+              <a:buClr>
+                <a:schemeClr val="accent5">
+                  <a:lumMod val="40000"/>
+                  <a:lumOff val="60000"/>
+                </a:schemeClr>
+              </a:buClr>
+              <a:buSzPct val="70000"/>
+              <a:buFont typeface="Wingdings 2" pitchFamily="18" charset="2"/>
+              <a:buChar char=""/>
+              <a:tabLst>
+                <a:tab pos="282575" algn="l"/>
+              </a:tabLst>
+            </a:pPr>
+            <a:r>
+              <a:rPr lang="en-US" dirty="0" smtClean="0"/>
+              <a:t>Telerik Academy @ Facebook</a:t>
+            </a:r>
+          </a:p>
+          <a:p>
+            <a:pPr marL="574675" lvl="2" indent="-282575">
+              <a:buClr>
+                <a:schemeClr val="accent5">
+                  <a:lumMod val="40000"/>
+                  <a:lumOff val="60000"/>
+                </a:schemeClr>
+              </a:buClr>
+              <a:buSzPct val="70000"/>
+              <a:buFont typeface="Wingdings 2" pitchFamily="18" charset="2"/>
+              <a:buChar char=""/>
+              <a:tabLst>
+                <a:tab pos="282575" algn="l"/>
+              </a:tabLst>
+            </a:pPr>
+            <a:r>
+              <a:rPr lang="en-US" noProof="1" smtClean="0">
+                <a:hlinkClick r:id="rId5" tooltip="Telerik Softyware Academy @ Facebook"/>
+              </a:rPr>
+              <a:t>facebook.com/TelerikAcademy</a:t>
+            </a:r>
+            <a:endParaRPr lang="en-US" noProof="1" smtClean="0"/>
+          </a:p>
+          <a:p>
+            <a:pPr marL="282575" lvl="1" indent="-282575">
+              <a:spcBef>
+                <a:spcPts val="1200"/>
+              </a:spcBef>
+              <a:buClr>
+                <a:schemeClr val="accent5">
+                  <a:lumMod val="40000"/>
+                  <a:lumOff val="60000"/>
+                </a:schemeClr>
+              </a:buClr>
+              <a:buSzPct val="70000"/>
+              <a:buFont typeface="Wingdings 2" pitchFamily="18" charset="2"/>
+              <a:buChar char=""/>
+              <a:tabLst>
+                <a:tab pos="282575" algn="l"/>
+              </a:tabLst>
+            </a:pPr>
+            <a:r>
+              <a:rPr lang="en-US" dirty="0" smtClean="0"/>
+              <a:t>Telerik Software Academy Forums</a:t>
+            </a:r>
+          </a:p>
+          <a:p>
+            <a:pPr marL="574675" lvl="2" indent="-282575">
+              <a:buClr>
+                <a:schemeClr val="accent5">
+                  <a:lumMod val="40000"/>
+                  <a:lumOff val="60000"/>
+                </a:schemeClr>
+              </a:buClr>
+              <a:buSzPct val="70000"/>
+              <a:buFont typeface="Wingdings 2" pitchFamily="18" charset="2"/>
+              <a:buChar char=""/>
+              <a:tabLst>
+                <a:tab pos="282575" algn="l"/>
+              </a:tabLst>
+            </a:pPr>
+            <a:r>
+              <a:rPr lang="en-US" noProof="1" smtClean="0">
+                <a:hlinkClick r:id="rId6" tooltip="Telerik Software Academy Forums - Community for Programmers"/>
+              </a:rPr>
+              <a:t>forums.academy.telerik.com</a:t>
+            </a:r>
+            <a:endParaRPr lang="en-US" noProof="1"/>
+          </a:p>
+        </p:txBody>
+      </p:sp>
+      <p:pic>
+        <p:nvPicPr>
+          <p:cNvPr id="5" name="Picture 5">
+            <a:hlinkClick r:id="rId6" tooltip="Telerik Software Academy Forums - Discussion Board for Developers"/>
+          </p:cNvPr>
+          <p:cNvPicPr>
+            <a:picLocks noChangeAspect="1" noChangeArrowheads="1"/>
+          </p:cNvPicPr>
+          <p:nvPr/>
+        </p:nvPicPr>
+        <p:blipFill>
+          <a:blip r:embed="rId7">
+            <a:extLst>
+              <a:ext uri="{28A0092B-C50C-407E-A947-70E740481C1C}">
+                <a14:useLocalDpi xmlns:a14="http://schemas.microsoft.com/office/drawing/2010/main"/>
+              </a:ext>
+            </a:extLst>
+          </a:blip>
+          <a:srcRect/>
+          <a:stretch>
+            <a:fillRect/>
+          </a:stretch>
+        </p:blipFill>
+        <p:spPr bwMode="auto">
+          <a:xfrm>
+            <a:off x="7372349" y="5029200"/>
+            <a:ext cx="1466851" cy="1600200"/>
+          </a:xfrm>
+          <a:prstGeom prst="rect">
+            <a:avLst/>
+          </a:prstGeom>
+          <a:noFill/>
+          <a:ln>
+            <a:noFill/>
+          </a:ln>
+          <a:effectLst/>
+          <a:extLst>
+            <a:ext uri="{909E8E84-426E-40DD-AFC4-6F175D3DCCD1}">
+              <a14:hiddenFill xmlns:a14="http://schemas.microsoft.com/office/drawing/2010/main">
+                <a:solidFill>
+                  <a:schemeClr val="accent1"/>
+                </a:solidFill>
+              </a14:hiddenFill>
+            </a:ext>
+            <a:ext uri="{91240B29-F687-4F45-9708-019B960494DF}">
+              <a14:hiddenLine xmlns:a14="http://schemas.microsoft.com/office/drawing/2010/main" w="9525">
+                <a:solidFill>
+                  <a:schemeClr val="tx1"/>
+                </a:solidFill>
+                <a:miter lim="800000"/>
+                <a:headEnd/>
+                <a:tailEnd/>
+              </a14:hiddenLine>
+            </a:ext>
+            <a:ext uri="{AF507438-7753-43E0-B8FC-AC1667EBCBE1}">
+              <a14:hiddenEffects xmlns:a14="http://schemas.microsoft.com/office/drawing/2010/main">
+                <a:effectLst>
+                  <a:outerShdw dist="35921" dir="2700000" algn="ctr" rotWithShape="0">
+                    <a:schemeClr val="bg2"/>
+                  </a:outerShdw>
+                </a:effectLst>
+              </a14:hiddenEffects>
+            </a:ext>
+          </a:extLst>
+        </p:spPr>
+      </p:pic>
+      <p:pic>
+        <p:nvPicPr>
+          <p:cNvPr id="1028" name="Picture 4">
+            <a:hlinkClick r:id="rId4" tooltip="Telerik Software Academy"/>
+          </p:cNvPr>
+          <p:cNvPicPr>
+            <a:picLocks noChangeAspect="1" noChangeArrowheads="1"/>
+          </p:cNvPicPr>
+          <p:nvPr/>
+        </p:nvPicPr>
+        <p:blipFill>
+          <a:blip r:embed="rId8">
+            <a:extLst>
+              <a:ext uri="{28A0092B-C50C-407E-A947-70E740481C1C}">
+                <a14:useLocalDpi xmlns:a14="http://schemas.microsoft.com/office/drawing/2010/main"/>
+              </a:ext>
+            </a:extLst>
+          </a:blip>
+          <a:srcRect/>
+          <a:stretch>
+            <a:fillRect/>
+          </a:stretch>
+        </p:blipFill>
+        <p:spPr bwMode="auto">
+          <a:xfrm>
+            <a:off x="5548941" y="2969616"/>
+            <a:ext cx="3137859" cy="918234"/>
+          </a:xfrm>
+          <a:prstGeom prst="rect">
+            <a:avLst/>
+          </a:prstGeom>
+          <a:noFill/>
+          <a:ln>
+            <a:solidFill>
+              <a:srgbClr val="9BCC00"/>
+            </a:solidFill>
+          </a:ln>
+          <a:extLst>
+            <a:ext uri="{909E8E84-426E-40DD-AFC4-6F175D3DCCD1}">
+              <a14:hiddenFill xmlns:a14="http://schemas.microsoft.com/office/drawing/2010/main">
+                <a:solidFill>
+                  <a:srgbClr val="FFFFFF"/>
+                </a:solidFill>
+              </a14:hiddenFill>
+            </a:ext>
+          </a:extLst>
+        </p:spPr>
+      </p:pic>
+      <p:pic>
+        <p:nvPicPr>
+          <p:cNvPr id="1037" name="Picture 13">
+            <a:hlinkClick r:id="rId9" tooltip="Telerik Academy @ Facebook"/>
+          </p:cNvPr>
+          <p:cNvPicPr>
+            <a:picLocks noChangeAspect="1" noChangeArrowheads="1"/>
+          </p:cNvPicPr>
+          <p:nvPr/>
+        </p:nvPicPr>
+        <p:blipFill>
+          <a:blip r:embed="rId10">
+            <a:extLst>
+              <a:ext uri="{28A0092B-C50C-407E-A947-70E740481C1C}">
+                <a14:useLocalDpi xmlns:a14="http://schemas.microsoft.com/office/drawing/2010/main"/>
+              </a:ext>
+            </a:extLst>
+          </a:blip>
+          <a:srcRect/>
+          <a:stretch>
+            <a:fillRect/>
+          </a:stretch>
+        </p:blipFill>
+        <p:spPr bwMode="auto">
+          <a:xfrm>
+            <a:off x="6182100" y="4228275"/>
+            <a:ext cx="938213" cy="938213"/>
+          </a:xfrm>
+          <a:prstGeom prst="rect">
+            <a:avLst/>
+          </a:prstGeom>
+          <a:noFill/>
+          <a:ln>
+            <a:noFill/>
+          </a:ln>
+          <a:effectLst/>
+          <a:extLst>
+            <a:ext uri="{909E8E84-426E-40DD-AFC4-6F175D3DCCD1}">
+              <a14:hiddenFill xmlns:a14="http://schemas.microsoft.com/office/drawing/2010/main">
+                <a:solidFill>
+                  <a:schemeClr val="accent1"/>
+                </a:solidFill>
+              </a14:hiddenFill>
+            </a:ext>
+            <a:ext uri="{91240B29-F687-4F45-9708-019B960494DF}">
+              <a14:hiddenLine xmlns:a14="http://schemas.microsoft.com/office/drawing/2010/main" w="9525">
+                <a:solidFill>
+                  <a:schemeClr val="tx1"/>
+                </a:solidFill>
+                <a:miter lim="800000"/>
+                <a:headEnd/>
+                <a:tailEnd/>
+              </a14:hiddenLine>
+            </a:ext>
+            <a:ext uri="{AF507438-7753-43E0-B8FC-AC1667EBCBE1}">
+              <a14:hiddenEffects xmlns:a14="http://schemas.microsoft.com/office/drawing/2010/main">
+                <a:effectLst>
+                  <a:outerShdw dist="35921" dir="2700000" algn="ctr" rotWithShape="0">
+                    <a:schemeClr val="bg2"/>
+                  </a:outerShdw>
+                </a:effectLst>
+              </a14:hiddenEffects>
+            </a:ext>
+          </a:extLst>
+        </p:spPr>
+      </p:pic>
+      <p:pic>
+        <p:nvPicPr>
+          <p:cNvPr id="1026" name="Picture 2">
+            <a:hlinkClick r:id="rId3" tooltip="&quot;Web Design with HTML 5, CSS 3 and JavaScript&quot; course @ Telerik Academy"/>
+          </p:cNvPr>
+          <p:cNvPicPr>
+            <a:picLocks noChangeAspect="1" noChangeArrowheads="1"/>
+          </p:cNvPicPr>
+          <p:nvPr/>
+        </p:nvPicPr>
+        <p:blipFill>
+          <a:blip r:embed="rId11" cstate="screen">
+            <a:extLst>
+              <a:ext uri="{28A0092B-C50C-407E-A947-70E740481C1C}">
+                <a14:useLocalDpi xmlns:a14="http://schemas.microsoft.com/office/drawing/2010/main"/>
+              </a:ext>
+            </a:extLst>
+          </a:blip>
+          <a:srcRect/>
+          <a:stretch>
+            <a:fillRect/>
+          </a:stretch>
+        </p:blipFill>
+        <p:spPr bwMode="auto">
+          <a:xfrm>
+            <a:off x="7372349" y="1026915"/>
+            <a:ext cx="1314452" cy="1046693"/>
+          </a:xfrm>
+          <a:prstGeom prst="rect">
+            <a:avLst/>
+          </a:prstGeom>
+          <a:noFill/>
+          <a:extLst>
+            <a:ext uri="{909E8E84-426E-40DD-AFC4-6F175D3DCCD1}">
+              <a14:hiddenFill xmlns:a14="http://schemas.microsoft.com/office/drawing/2010/main">
+                <a:solidFill>
+                  <a:srgbClr val="FFFFFF"/>
+                </a:solidFill>
+              </a14:hiddenFill>
+            </a:ext>
+          </a:extLst>
+        </p:spPr>
+      </p:pic>
+    </p:spTree>
+    <p:extLst>
+      <p:ext uri="{BB962C8B-B14F-4D97-AF65-F5344CB8AC3E}">
+        <p14:creationId xmlns:p14="http://schemas.microsoft.com/office/powerpoint/2010/main" val="312370415"/>
+      </p:ext>
+    </p:extLst>
+  </p:cSld>
+  <p:clrMapOvr>
+    <a:masterClrMapping/>
+  </p:clrMapOvr>
+  <p:timing>
+    <p:tnLst>
+      <p:par>
+        <p:cTn id="1" dur="indefinite" restart="never" nodeType="tmRoot"/>
+      </p:par>
+    </p:tnLst>
+  </p:timing>
+</p:sld>
+</file>
+
 <file path=ppt/slides/slide4.xml><?xml version="1.0" encoding="utf-8"?>
 <p:sld xmlns:a="http://schemas.openxmlformats.org/drawingml/2006/main" xmlns:r="http://schemas.openxmlformats.org/officeDocument/2006/relationships" xmlns:p="http://schemas.openxmlformats.org/presentationml/2006/main">
   <p:cSld>
@@ -10258,7 +14784,7 @@
             <a:pPr lvl="2"/>
             <a:r>
               <a:rPr lang="en-US" dirty="0" smtClean="0"/>
-              <a:t>Fonts, audio, video, etc…</a:t>
+              <a:t>Fonts, audio, video, Flash, Silverlight, etc…</a:t>
             </a:r>
           </a:p>
         </p:txBody>
@@ -10304,6 +14830,30 @@
           </a:extLst>
         </p:spPr>
       </p:pic>
+      <p:sp>
+        <p:nvSpPr>
+          <p:cNvPr id="4" name="Slide Number Placeholder 3"/>
+          <p:cNvSpPr>
+            <a:spLocks noGrp="1"/>
+          </p:cNvSpPr>
+          <p:nvPr>
+            <p:ph type="sldNum" sz="quarter" idx="10"/>
+          </p:nvPr>
+        </p:nvSpPr>
+        <p:spPr/>
+        <p:txBody>
+          <a:bodyPr/>
+          <a:lstStyle/>
+          <a:p>
+            <a:fld id="{B6F15528-21DE-4FAA-801E-634DDDAF4B2B}" type="slidenum">
+              <a:rPr lang="en-US" smtClean="0"/>
+              <a:pPr/>
+              <a:t>4</a:t>
+            </a:fld>
+            <a:endParaRPr lang="en-US"/>
+          </a:p>
+        </p:txBody>
+      </p:sp>
     </p:spTree>
     <p:extLst>
       <p:ext uri="{BB962C8B-B14F-4D97-AF65-F5344CB8AC3E}">
@@ -10529,6 +15079,30 @@
           </a:extLst>
         </p:spPr>
       </p:pic>
+      <p:sp>
+        <p:nvSpPr>
+          <p:cNvPr id="4" name="Slide Number Placeholder 3"/>
+          <p:cNvSpPr>
+            <a:spLocks noGrp="1"/>
+          </p:cNvSpPr>
+          <p:nvPr>
+            <p:ph type="sldNum" sz="quarter" idx="10"/>
+          </p:nvPr>
+        </p:nvSpPr>
+        <p:spPr/>
+        <p:txBody>
+          <a:bodyPr/>
+          <a:lstStyle/>
+          <a:p>
+            <a:fld id="{B6F15528-21DE-4FAA-801E-634DDDAF4B2B}" type="slidenum">
+              <a:rPr lang="en-US" smtClean="0"/>
+              <a:pPr/>
+              <a:t>5</a:t>
+            </a:fld>
+            <a:endParaRPr lang="en-US"/>
+          </a:p>
+        </p:txBody>
+      </p:sp>
     </p:spTree>
     <p:extLst>
       <p:ext uri="{BB962C8B-B14F-4D97-AF65-F5344CB8AC3E}">
@@ -10733,6 +15307,30 @@
           </a:extLst>
         </p:spPr>
       </p:pic>
+      <p:sp>
+        <p:nvSpPr>
+          <p:cNvPr id="4" name="Slide Number Placeholder 3"/>
+          <p:cNvSpPr>
+            <a:spLocks noGrp="1"/>
+          </p:cNvSpPr>
+          <p:nvPr>
+            <p:ph type="sldNum" sz="quarter" idx="10"/>
+          </p:nvPr>
+        </p:nvSpPr>
+        <p:spPr/>
+        <p:txBody>
+          <a:bodyPr/>
+          <a:lstStyle/>
+          <a:p>
+            <a:fld id="{B6F15528-21DE-4FAA-801E-634DDDAF4B2B}" type="slidenum">
+              <a:rPr lang="en-US" smtClean="0"/>
+              <a:pPr/>
+              <a:t>6</a:t>
+            </a:fld>
+            <a:endParaRPr lang="en-US"/>
+          </a:p>
+        </p:txBody>
+      </p:sp>
     </p:spTree>
     <p:extLst>
       <p:ext uri="{BB962C8B-B14F-4D97-AF65-F5344CB8AC3E}">
@@ -10817,8 +15415,8 @@
         </p:nvSpPr>
         <p:spPr>
           <a:xfrm>
-            <a:off x="228600" y="1371600"/>
-            <a:ext cx="8686800" cy="5257800"/>
+            <a:off x="228600" y="1295399"/>
+            <a:ext cx="8686800" cy="5334001"/>
           </a:xfrm>
         </p:spPr>
         <p:txBody>
@@ -10893,11 +15491,11 @@
           <p:nvPr/>
         </p:nvPicPr>
         <p:blipFill>
-          <a:blip r:embed="rId2">
+          <a:blip r:embed="rId3">
             <a:extLst>
               <a:ext uri="{BEBA8EAE-BF5A-486C-A8C5-ECC9F3942E4B}">
                 <a14:imgProps xmlns:a14="http://schemas.microsoft.com/office/drawing/2010/main">
-                  <a14:imgLayer r:embed="rId3">
+                  <a14:imgLayer r:embed="rId4">
                     <a14:imgEffect>
                       <a14:brightnessContrast bright="20000" contrast="20000"/>
                     </a14:imgEffect>
@@ -10934,6 +15532,30 @@
           </a:extLst>
         </p:spPr>
       </p:pic>
+      <p:sp>
+        <p:nvSpPr>
+          <p:cNvPr id="4" name="Slide Number Placeholder 3"/>
+          <p:cNvSpPr>
+            <a:spLocks noGrp="1"/>
+          </p:cNvSpPr>
+          <p:nvPr>
+            <p:ph type="sldNum" sz="quarter" idx="10"/>
+          </p:nvPr>
+        </p:nvSpPr>
+        <p:spPr/>
+        <p:txBody>
+          <a:bodyPr/>
+          <a:lstStyle/>
+          <a:p>
+            <a:fld id="{B6F15528-21DE-4FAA-801E-634DDDAF4B2B}" type="slidenum">
+              <a:rPr lang="en-US" smtClean="0"/>
+              <a:pPr/>
+              <a:t>7</a:t>
+            </a:fld>
+            <a:endParaRPr lang="en-US"/>
+          </a:p>
+        </p:txBody>
+      </p:sp>
     </p:spTree>
     <p:extLst>
       <p:ext uri="{BB962C8B-B14F-4D97-AF65-F5344CB8AC3E}">
@@ -11022,8 +15644,8 @@
         </p:nvSpPr>
         <p:spPr>
           <a:xfrm>
-            <a:off x="228600" y="1371600"/>
-            <a:ext cx="8686800" cy="5029200"/>
+            <a:off x="228600" y="1219200"/>
+            <a:ext cx="8686800" cy="5181600"/>
           </a:xfrm>
         </p:spPr>
         <p:txBody>
@@ -11039,7 +15661,7 @@
             <a:pPr lvl="1"/>
             <a:r>
               <a:rPr lang="en-US" dirty="0" smtClean="0"/>
-              <a:t>Images, audio files, video files</a:t>
+              <a:t>Images, fonts (glyph icons), audio, video files</a:t>
             </a:r>
           </a:p>
           <a:p>
@@ -11267,6 +15889,30 @@
           <a:extLst/>
         </p:spPr>
       </p:pic>
+      <p:sp>
+        <p:nvSpPr>
+          <p:cNvPr id="4" name="Slide Number Placeholder 3"/>
+          <p:cNvSpPr>
+            <a:spLocks noGrp="1"/>
+          </p:cNvSpPr>
+          <p:nvPr>
+            <p:ph type="sldNum" sz="quarter" idx="10"/>
+          </p:nvPr>
+        </p:nvSpPr>
+        <p:spPr/>
+        <p:txBody>
+          <a:bodyPr/>
+          <a:lstStyle/>
+          <a:p>
+            <a:fld id="{B6F15528-21DE-4FAA-801E-634DDDAF4B2B}" type="slidenum">
+              <a:rPr lang="en-US" smtClean="0"/>
+              <a:pPr/>
+              <a:t>8</a:t>
+            </a:fld>
+            <a:endParaRPr lang="en-US"/>
+          </a:p>
+        </p:txBody>
+      </p:sp>
     </p:spTree>
     <p:extLst>
       <p:ext uri="{BB962C8B-B14F-4D97-AF65-F5344CB8AC3E}">
